--- a/CSDLNangCao/seminar_slide.pptx
+++ b/CSDLNangCao/seminar_slide.pptx
@@ -2918,7 +2918,7 @@
           <a:p>
             <a:fld id="{B75E1771-A7B1-4A91-958F-4C50DD45F4D7}" type="datetimeFigureOut">
               <a:rPr lang="en-PH" smtClean="0"/>
-              <a:t>06/03/2021</a:t>
+              <a:t>07/03/2021</a:t>
             </a:fld>
             <a:endParaRPr lang="en-PH"/>
           </a:p>
@@ -6573,7 +6573,7 @@
             <a:fld id="{1D8BD707-D9CF-40AE-B4C6-C98DA3205C09}" type="datetimeFigureOut">
               <a:rPr lang="en-US" smtClean="0"/>
               <a:pPr/>
-              <a:t>3/6/2021</a:t>
+              <a:t>3/7/2021</a:t>
             </a:fld>
             <a:endParaRPr lang="en-US"/>
           </a:p>
@@ -6747,7 +6747,7 @@
             <a:fld id="{1D8BD707-D9CF-40AE-B4C6-C98DA3205C09}" type="datetimeFigureOut">
               <a:rPr lang="en-US" smtClean="0"/>
               <a:pPr/>
-              <a:t>3/6/2021</a:t>
+              <a:t>3/7/2021</a:t>
             </a:fld>
             <a:endParaRPr lang="en-US"/>
           </a:p>
@@ -6924,7 +6924,7 @@
             <a:fld id="{1D8BD707-D9CF-40AE-B4C6-C98DA3205C09}" type="datetimeFigureOut">
               <a:rPr lang="en-US" smtClean="0"/>
               <a:pPr/>
-              <a:t>3/6/2021</a:t>
+              <a:t>3/7/2021</a:t>
             </a:fld>
             <a:endParaRPr lang="en-US"/>
           </a:p>
@@ -7091,7 +7091,7 @@
             <a:fld id="{1D8BD707-D9CF-40AE-B4C6-C98DA3205C09}" type="datetimeFigureOut">
               <a:rPr lang="en-US" smtClean="0"/>
               <a:pPr/>
-              <a:t>3/6/2021</a:t>
+              <a:t>3/7/2021</a:t>
             </a:fld>
             <a:endParaRPr lang="en-US"/>
           </a:p>
@@ -7344,7 +7344,7 @@
             <a:fld id="{1D8BD707-D9CF-40AE-B4C6-C98DA3205C09}" type="datetimeFigureOut">
               <a:rPr lang="en-US" smtClean="0"/>
               <a:pPr/>
-              <a:t>3/6/2021</a:t>
+              <a:t>3/7/2021</a:t>
             </a:fld>
             <a:endParaRPr lang="en-US"/>
           </a:p>
@@ -7629,7 +7629,7 @@
             <a:fld id="{1D8BD707-D9CF-40AE-B4C6-C98DA3205C09}" type="datetimeFigureOut">
               <a:rPr lang="en-US" smtClean="0"/>
               <a:pPr/>
-              <a:t>3/6/2021</a:t>
+              <a:t>3/7/2021</a:t>
             </a:fld>
             <a:endParaRPr lang="en-US"/>
           </a:p>
@@ -8052,7 +8052,7 @@
             <a:fld id="{1D8BD707-D9CF-40AE-B4C6-C98DA3205C09}" type="datetimeFigureOut">
               <a:rPr lang="en-US" smtClean="0"/>
               <a:pPr/>
-              <a:t>3/6/2021</a:t>
+              <a:t>3/7/2021</a:t>
             </a:fld>
             <a:endParaRPr lang="en-US"/>
           </a:p>
@@ -8167,7 +8167,7 @@
             <a:fld id="{1D8BD707-D9CF-40AE-B4C6-C98DA3205C09}" type="datetimeFigureOut">
               <a:rPr lang="en-US" smtClean="0"/>
               <a:pPr/>
-              <a:t>3/6/2021</a:t>
+              <a:t>3/7/2021</a:t>
             </a:fld>
             <a:endParaRPr lang="en-US"/>
           </a:p>
@@ -8259,7 +8259,7 @@
             <a:fld id="{1D8BD707-D9CF-40AE-B4C6-C98DA3205C09}" type="datetimeFigureOut">
               <a:rPr lang="en-US" smtClean="0"/>
               <a:pPr/>
-              <a:t>3/6/2021</a:t>
+              <a:t>3/7/2021</a:t>
             </a:fld>
             <a:endParaRPr lang="en-US"/>
           </a:p>
@@ -8533,7 +8533,7 @@
             <a:fld id="{1D8BD707-D9CF-40AE-B4C6-C98DA3205C09}" type="datetimeFigureOut">
               <a:rPr lang="en-US" smtClean="0"/>
               <a:pPr/>
-              <a:t>3/6/2021</a:t>
+              <a:t>3/7/2021</a:t>
             </a:fld>
             <a:endParaRPr lang="en-US"/>
           </a:p>
@@ -8788,7 +8788,7 @@
             <a:fld id="{1D8BD707-D9CF-40AE-B4C6-C98DA3205C09}" type="datetimeFigureOut">
               <a:rPr lang="en-US" smtClean="0"/>
               <a:pPr/>
-              <a:t>3/6/2021</a:t>
+              <a:t>3/7/2021</a:t>
             </a:fld>
             <a:endParaRPr lang="en-US"/>
           </a:p>
@@ -9007,7 +9007,7 @@
             <a:fld id="{1D8BD707-D9CF-40AE-B4C6-C98DA3205C09}" type="datetimeFigureOut">
               <a:rPr lang="en-US" smtClean="0"/>
               <a:pPr/>
-              <a:t>3/6/2021</a:t>
+              <a:t>3/7/2021</a:t>
             </a:fld>
             <a:endParaRPr lang="en-US"/>
           </a:p>
@@ -10009,10 +10009,6 @@
               </a:rPr>
               <a:t> </a:t>
             </a:r>
-            <a:endParaRPr lang="en-PH" b="1" dirty="0" smtClean="0">
-              <a:latin typeface="Times New Roman" panose="02020603050405020304" pitchFamily="18" charset="0"/>
-              <a:cs typeface="Times New Roman" panose="02020603050405020304" pitchFamily="18" charset="0"/>
-            </a:endParaRPr>
           </a:p>
         </p:txBody>
       </p:sp>
@@ -13537,8 +13533,8 @@
         </p:nvSpPr>
         <p:spPr>
           <a:xfrm>
-            <a:off x="1447800" y="2133600"/>
-            <a:ext cx="9525000" cy="1569660"/>
+            <a:off x="1143000" y="381000"/>
+            <a:ext cx="9525000" cy="584775"/>
           </a:xfrm>
           <a:prstGeom prst="rect">
             <a:avLst/>
@@ -13553,7 +13549,7 @@
           <a:p>
             <a:pPr algn="ctr"/>
             <a:r>
-              <a:rPr lang="en-US" sz="9600" b="1" dirty="0" err="1" smtClean="0">
+              <a:rPr lang="en-US" sz="3200" b="1" dirty="0" err="1" smtClean="0">
                 <a:solidFill>
                   <a:schemeClr val="bg1"/>
                 </a:solidFill>
@@ -13563,7 +13559,7 @@
               <a:t>Phụ</a:t>
             </a:r>
             <a:r>
-              <a:rPr lang="en-US" sz="9600" b="1" dirty="0" smtClean="0">
+              <a:rPr lang="en-US" sz="3200" b="1" dirty="0" smtClean="0">
                 <a:solidFill>
                   <a:schemeClr val="bg1"/>
                 </a:solidFill>
@@ -13573,7 +13569,7 @@
               <a:t> </a:t>
             </a:r>
             <a:r>
-              <a:rPr lang="en-US" sz="9600" b="1" dirty="0" err="1" smtClean="0">
+              <a:rPr lang="en-US" sz="3200" b="1" dirty="0" err="1" smtClean="0">
                 <a:solidFill>
                   <a:schemeClr val="bg1"/>
                 </a:solidFill>
@@ -13582,7 +13578,245 @@
               </a:rPr>
               <a:t>Lục</a:t>
             </a:r>
-            <a:endParaRPr lang="en-US" sz="9600" b="1" dirty="0">
+            <a:endParaRPr lang="en-US" sz="3200" b="1" dirty="0">
+              <a:solidFill>
+                <a:schemeClr val="bg1"/>
+              </a:solidFill>
+              <a:latin typeface="Times New Roman" panose="02020603050405020304" pitchFamily="18" charset="0"/>
+              <a:cs typeface="Times New Roman" panose="02020603050405020304" pitchFamily="18" charset="0"/>
+            </a:endParaRPr>
+          </a:p>
+        </p:txBody>
+      </p:sp>
+      <p:sp>
+        <p:nvSpPr>
+          <p:cNvPr id="3" name="TextBox 2"/>
+          <p:cNvSpPr txBox="1"/>
+          <p:nvPr/>
+        </p:nvSpPr>
+        <p:spPr>
+          <a:xfrm>
+            <a:off x="1447800" y="1371600"/>
+            <a:ext cx="9525000" cy="2677656"/>
+          </a:xfrm>
+          <a:prstGeom prst="rect">
+            <a:avLst/>
+          </a:prstGeom>
+          <a:noFill/>
+        </p:spPr>
+        <p:txBody>
+          <a:bodyPr wrap="square" rtlCol="0">
+            <a:spAutoFit/>
+          </a:bodyPr>
+          <a:lstStyle/>
+          <a:p>
+            <a:r>
+              <a:rPr lang="it-IT" sz="2400" b="1" dirty="0" smtClean="0">
+                <a:solidFill>
+                  <a:schemeClr val="bg1"/>
+                </a:solidFill>
+                <a:latin typeface="Times New Roman" panose="02020603050405020304" pitchFamily="18" charset="0"/>
+                <a:cs typeface="Times New Roman" panose="02020603050405020304" pitchFamily="18" charset="0"/>
+              </a:rPr>
+              <a:t>D</a:t>
+            </a:r>
+            <a:r>
+              <a:rPr lang="it-IT" sz="2400" b="1" dirty="0">
+                <a:solidFill>
+                  <a:schemeClr val="bg1"/>
+                </a:solidFill>
+                <a:latin typeface="Times New Roman" panose="02020603050405020304" pitchFamily="18" charset="0"/>
+                <a:cs typeface="Times New Roman" panose="02020603050405020304" pitchFamily="18" charset="0"/>
+              </a:rPr>
+              <a:t>. Vohra, Apache HBase Primer </a:t>
+            </a:r>
+            <a:r>
+              <a:rPr lang="it-IT" sz="2400" b="1" dirty="0" smtClean="0">
+                <a:solidFill>
+                  <a:schemeClr val="bg1"/>
+                </a:solidFill>
+                <a:latin typeface="Times New Roman" panose="02020603050405020304" pitchFamily="18" charset="0"/>
+                <a:cs typeface="Times New Roman" panose="02020603050405020304" pitchFamily="18" charset="0"/>
+              </a:rPr>
+              <a:t>2016</a:t>
+            </a:r>
+            <a:endParaRPr lang="en-US" sz="2400" b="1" dirty="0" smtClean="0">
+              <a:solidFill>
+                <a:schemeClr val="bg1"/>
+              </a:solidFill>
+              <a:latin typeface="Times New Roman" panose="02020603050405020304" pitchFamily="18" charset="0"/>
+              <a:cs typeface="Times New Roman" panose="02020603050405020304" pitchFamily="18" charset="0"/>
+            </a:endParaRPr>
+          </a:p>
+          <a:p>
+            <a:r>
+              <a:rPr lang="en-US" sz="2400" b="1" dirty="0" smtClean="0">
+                <a:solidFill>
+                  <a:schemeClr val="bg1"/>
+                </a:solidFill>
+                <a:latin typeface="Times New Roman" panose="02020603050405020304" pitchFamily="18" charset="0"/>
+                <a:cs typeface="Times New Roman" panose="02020603050405020304" pitchFamily="18" charset="0"/>
+              </a:rPr>
+              <a:t>https</a:t>
+            </a:r>
+            <a:r>
+              <a:rPr lang="en-US" sz="2400" b="1" dirty="0">
+                <a:solidFill>
+                  <a:schemeClr val="bg1"/>
+                </a:solidFill>
+                <a:latin typeface="Times New Roman" panose="02020603050405020304" pitchFamily="18" charset="0"/>
+                <a:cs typeface="Times New Roman" panose="02020603050405020304" pitchFamily="18" charset="0"/>
+              </a:rPr>
+              <a:t>://www.edureka.co</a:t>
+            </a:r>
+            <a:r>
+              <a:rPr lang="en-US" sz="2400" b="1" dirty="0" smtClean="0">
+                <a:solidFill>
+                  <a:schemeClr val="bg1"/>
+                </a:solidFill>
+                <a:latin typeface="Times New Roman" panose="02020603050405020304" pitchFamily="18" charset="0"/>
+                <a:cs typeface="Times New Roman" panose="02020603050405020304" pitchFamily="18" charset="0"/>
+              </a:rPr>
+              <a:t>/</a:t>
+            </a:r>
+            <a:endParaRPr lang="en-US" sz="2400" b="1" dirty="0">
+              <a:solidFill>
+                <a:schemeClr val="bg1"/>
+              </a:solidFill>
+              <a:latin typeface="Times New Roman" panose="02020603050405020304" pitchFamily="18" charset="0"/>
+              <a:cs typeface="Times New Roman" panose="02020603050405020304" pitchFamily="18" charset="0"/>
+            </a:endParaRPr>
+          </a:p>
+          <a:p>
+            <a:r>
+              <a:rPr lang="en-US" sz="2400" b="1" dirty="0" smtClean="0">
+                <a:solidFill>
+                  <a:schemeClr val="bg1"/>
+                </a:solidFill>
+                <a:latin typeface="Times New Roman" panose="02020603050405020304" pitchFamily="18" charset="0"/>
+                <a:cs typeface="Times New Roman" panose="02020603050405020304" pitchFamily="18" charset="0"/>
+              </a:rPr>
+              <a:t>http</a:t>
+            </a:r>
+            <a:r>
+              <a:rPr lang="en-US" sz="2400" b="1" dirty="0">
+                <a:solidFill>
+                  <a:schemeClr val="bg1"/>
+                </a:solidFill>
+                <a:latin typeface="Times New Roman" panose="02020603050405020304" pitchFamily="18" charset="0"/>
+                <a:cs typeface="Times New Roman" panose="02020603050405020304" pitchFamily="18" charset="0"/>
+              </a:rPr>
+              <a:t>://</a:t>
+            </a:r>
+            <a:r>
+              <a:rPr lang="en-US" sz="2400" b="1" dirty="0" smtClean="0">
+                <a:solidFill>
+                  <a:schemeClr val="bg1"/>
+                </a:solidFill>
+                <a:latin typeface="Times New Roman" panose="02020603050405020304" pitchFamily="18" charset="0"/>
+                <a:cs typeface="Times New Roman" panose="02020603050405020304" pitchFamily="18" charset="0"/>
+              </a:rPr>
+              <a:t>hbase.apache.org/book.html</a:t>
+            </a:r>
+          </a:p>
+          <a:p>
+            <a:r>
+              <a:rPr lang="en-US" sz="2400" b="1" dirty="0" smtClean="0">
+                <a:solidFill>
+                  <a:schemeClr val="bg1"/>
+                </a:solidFill>
+                <a:latin typeface="Times New Roman" panose="02020603050405020304" pitchFamily="18" charset="0"/>
+                <a:cs typeface="Times New Roman" panose="02020603050405020304" pitchFamily="18" charset="0"/>
+              </a:rPr>
+              <a:t>https</a:t>
+            </a:r>
+            <a:r>
+              <a:rPr lang="en-US" sz="2400" b="1" dirty="0">
+                <a:solidFill>
+                  <a:schemeClr val="bg1"/>
+                </a:solidFill>
+                <a:latin typeface="Times New Roman" panose="02020603050405020304" pitchFamily="18" charset="0"/>
+                <a:cs typeface="Times New Roman" panose="02020603050405020304" pitchFamily="18" charset="0"/>
+              </a:rPr>
+              <a:t>://</a:t>
+            </a:r>
+            <a:r>
+              <a:rPr lang="en-US" sz="2400" b="1" dirty="0" smtClean="0">
+                <a:solidFill>
+                  <a:schemeClr val="bg1"/>
+                </a:solidFill>
+                <a:latin typeface="Times New Roman" panose="02020603050405020304" pitchFamily="18" charset="0"/>
+                <a:cs typeface="Times New Roman" panose="02020603050405020304" pitchFamily="18" charset="0"/>
+              </a:rPr>
+              <a:t>blog.acolyer.org</a:t>
+            </a:r>
+          </a:p>
+          <a:p>
+            <a:r>
+              <a:rPr lang="en-US" sz="2400" b="1" dirty="0" smtClean="0">
+                <a:solidFill>
+                  <a:schemeClr val="bg1"/>
+                </a:solidFill>
+                <a:latin typeface="Times New Roman" panose="02020603050405020304" pitchFamily="18" charset="0"/>
+                <a:cs typeface="Times New Roman" panose="02020603050405020304" pitchFamily="18" charset="0"/>
+              </a:rPr>
+              <a:t>https</a:t>
+            </a:r>
+            <a:r>
+              <a:rPr lang="en-US" sz="2400" b="1" dirty="0">
+                <a:solidFill>
+                  <a:schemeClr val="bg1"/>
+                </a:solidFill>
+                <a:latin typeface="Times New Roman" panose="02020603050405020304" pitchFamily="18" charset="0"/>
+                <a:cs typeface="Times New Roman" panose="02020603050405020304" pitchFamily="18" charset="0"/>
+              </a:rPr>
+              <a:t>://</a:t>
+            </a:r>
+            <a:r>
+              <a:rPr lang="en-US" sz="2400" b="1" dirty="0" smtClean="0">
+                <a:solidFill>
+                  <a:schemeClr val="bg1"/>
+                </a:solidFill>
+                <a:latin typeface="Times New Roman" panose="02020603050405020304" pitchFamily="18" charset="0"/>
+                <a:cs typeface="Times New Roman" panose="02020603050405020304" pitchFamily="18" charset="0"/>
+              </a:rPr>
+              <a:t>appinventiv.com/blog/hbase-vs-cassandra</a:t>
+            </a:r>
+          </a:p>
+          <a:p>
+            <a:r>
+              <a:rPr lang="en-US" sz="2400" b="1" dirty="0" smtClean="0">
+                <a:solidFill>
+                  <a:schemeClr val="bg1"/>
+                </a:solidFill>
+                <a:latin typeface="Times New Roman" panose="02020603050405020304" pitchFamily="18" charset="0"/>
+                <a:cs typeface="Times New Roman" panose="02020603050405020304" pitchFamily="18" charset="0"/>
+              </a:rPr>
+              <a:t>https</a:t>
+            </a:r>
+            <a:r>
+              <a:rPr lang="en-US" sz="2400" b="1" dirty="0">
+                <a:solidFill>
+                  <a:schemeClr val="bg1"/>
+                </a:solidFill>
+                <a:latin typeface="Times New Roman" panose="02020603050405020304" pitchFamily="18" charset="0"/>
+                <a:cs typeface="Times New Roman" panose="02020603050405020304" pitchFamily="18" charset="0"/>
+              </a:rPr>
+              <a:t>://</a:t>
+            </a:r>
+            <a:r>
+              <a:rPr lang="en-US" sz="2400" b="1" dirty="0" smtClean="0">
+                <a:solidFill>
+                  <a:schemeClr val="bg1"/>
+                </a:solidFill>
+                <a:latin typeface="Times New Roman" panose="02020603050405020304" pitchFamily="18" charset="0"/>
+                <a:cs typeface="Times New Roman" panose="02020603050405020304" pitchFamily="18" charset="0"/>
+              </a:rPr>
+              <a:t>www.scnsoft.com/blog/cassandra-vs-hbase</a:t>
+            </a:r>
+          </a:p>
+          <a:p>
+            <a:endParaRPr lang="en-US" sz="2400" b="1" dirty="0">
               <a:solidFill>
                 <a:schemeClr val="bg1"/>
               </a:solidFill>

--- a/CSDLNangCao/seminar_slide.pptx
+++ b/CSDLNangCao/seminar_slide.pptx
@@ -17,19 +17,19 @@
     <p:sldId id="264" r:id="rId8"/>
     <p:sldId id="268" r:id="rId9"/>
     <p:sldId id="269" r:id="rId10"/>
-    <p:sldId id="270" r:id="rId11"/>
+    <p:sldId id="271" r:id="rId11"/>
     <p:sldId id="272" r:id="rId12"/>
-    <p:sldId id="271" r:id="rId13"/>
-    <p:sldId id="273" r:id="rId14"/>
-    <p:sldId id="274" r:id="rId15"/>
-    <p:sldId id="275" r:id="rId16"/>
-    <p:sldId id="276" r:id="rId17"/>
-    <p:sldId id="277" r:id="rId18"/>
-    <p:sldId id="262" r:id="rId19"/>
-    <p:sldId id="279" r:id="rId20"/>
-    <p:sldId id="265" r:id="rId21"/>
-    <p:sldId id="266" r:id="rId22"/>
-    <p:sldId id="267" r:id="rId23"/>
+    <p:sldId id="273" r:id="rId13"/>
+    <p:sldId id="274" r:id="rId14"/>
+    <p:sldId id="275" r:id="rId15"/>
+    <p:sldId id="276" r:id="rId16"/>
+    <p:sldId id="277" r:id="rId17"/>
+    <p:sldId id="262" r:id="rId18"/>
+    <p:sldId id="279" r:id="rId19"/>
+    <p:sldId id="265" r:id="rId20"/>
+    <p:sldId id="266" r:id="rId21"/>
+    <p:sldId id="267" r:id="rId22"/>
+    <p:sldId id="270" r:id="rId23"/>
   </p:sldIdLst>
   <p:sldSz cx="12192000" cy="6858000"/>
   <p:notesSz cx="6858000" cy="9144000"/>
@@ -3352,6 +3352,352 @@
           <a:bodyPr/>
           <a:lstStyle/>
           <a:p>
+            <a:r>
+              <a:rPr lang="en-US" sz="1200" b="1" u="sng" dirty="0" smtClean="0">
+                <a:solidFill>
+                  <a:schemeClr val="bg1"/>
+                </a:solidFill>
+                <a:latin typeface="Times New Roman" panose="02020603050405020304" pitchFamily="18" charset="0"/>
+                <a:cs typeface="Times New Roman" panose="02020603050405020304" pitchFamily="18" charset="0"/>
+              </a:rPr>
+              <a:t>Read</a:t>
+            </a:r>
+            <a:r>
+              <a:rPr lang="en-US" sz="1200" dirty="0" smtClean="0">
+                <a:solidFill>
+                  <a:schemeClr val="bg1"/>
+                </a:solidFill>
+                <a:latin typeface="Times New Roman" panose="02020603050405020304" pitchFamily="18" charset="0"/>
+                <a:cs typeface="Times New Roman" panose="02020603050405020304" pitchFamily="18" charset="0"/>
+              </a:rPr>
+              <a:t>: Client read data </a:t>
+            </a:r>
+            <a:r>
+              <a:rPr lang="en-US" sz="1200" dirty="0" err="1" smtClean="0">
+                <a:solidFill>
+                  <a:schemeClr val="bg1"/>
+                </a:solidFill>
+                <a:latin typeface="Times New Roman" panose="02020603050405020304" pitchFamily="18" charset="0"/>
+                <a:cs typeface="Times New Roman" panose="02020603050405020304" pitchFamily="18" charset="0"/>
+              </a:rPr>
+              <a:t>từ</a:t>
+            </a:r>
+            <a:r>
+              <a:rPr lang="en-US" sz="1200" dirty="0" smtClean="0">
+                <a:solidFill>
+                  <a:schemeClr val="bg1"/>
+                </a:solidFill>
+                <a:latin typeface="Times New Roman" panose="02020603050405020304" pitchFamily="18" charset="0"/>
+                <a:cs typeface="Times New Roman" panose="02020603050405020304" pitchFamily="18" charset="0"/>
+              </a:rPr>
+              <a:t> </a:t>
+            </a:r>
+            <a:r>
+              <a:rPr lang="en-US" sz="1200" dirty="0" err="1" smtClean="0">
+                <a:solidFill>
+                  <a:schemeClr val="bg1"/>
+                </a:solidFill>
+                <a:latin typeface="Times New Roman" panose="02020603050405020304" pitchFamily="18" charset="0"/>
+                <a:cs typeface="Times New Roman" panose="02020603050405020304" pitchFamily="18" charset="0"/>
+              </a:rPr>
+              <a:t>HBase</a:t>
+            </a:r>
+            <a:r>
+              <a:rPr lang="en-US" sz="1200" dirty="0" smtClean="0">
+                <a:solidFill>
+                  <a:schemeClr val="bg1"/>
+                </a:solidFill>
+                <a:latin typeface="Times New Roman" panose="02020603050405020304" pitchFamily="18" charset="0"/>
+                <a:cs typeface="Times New Roman" panose="02020603050405020304" pitchFamily="18" charset="0"/>
+              </a:rPr>
+              <a:t> &lt;- </a:t>
+            </a:r>
+            <a:r>
+              <a:rPr lang="en-US" sz="1200" dirty="0" err="1" smtClean="0">
+                <a:solidFill>
+                  <a:schemeClr val="bg1"/>
+                </a:solidFill>
+                <a:latin typeface="Times New Roman" panose="02020603050405020304" pitchFamily="18" charset="0"/>
+                <a:cs typeface="Times New Roman" panose="02020603050405020304" pitchFamily="18" charset="0"/>
+              </a:rPr>
+              <a:t>HBase</a:t>
+            </a:r>
+            <a:r>
+              <a:rPr lang="en-US" sz="1200" dirty="0" smtClean="0">
+                <a:solidFill>
+                  <a:schemeClr val="bg1"/>
+                </a:solidFill>
+                <a:latin typeface="Times New Roman" panose="02020603050405020304" pitchFamily="18" charset="0"/>
+                <a:cs typeface="Times New Roman" panose="02020603050405020304" pitchFamily="18" charset="0"/>
+              </a:rPr>
+              <a:t> lấy data </a:t>
+            </a:r>
+            <a:r>
+              <a:rPr lang="en-US" sz="1200" dirty="0" err="1" smtClean="0">
+                <a:solidFill>
+                  <a:schemeClr val="bg1"/>
+                </a:solidFill>
+                <a:latin typeface="Times New Roman" panose="02020603050405020304" pitchFamily="18" charset="0"/>
+                <a:cs typeface="Times New Roman" panose="02020603050405020304" pitchFamily="18" charset="0"/>
+              </a:rPr>
+              <a:t>từ</a:t>
+            </a:r>
+            <a:r>
+              <a:rPr lang="en-US" sz="1200" dirty="0" smtClean="0">
+                <a:solidFill>
+                  <a:schemeClr val="bg1"/>
+                </a:solidFill>
+                <a:latin typeface="Times New Roman" panose="02020603050405020304" pitchFamily="18" charset="0"/>
+                <a:cs typeface="Times New Roman" panose="02020603050405020304" pitchFamily="18" charset="0"/>
+              </a:rPr>
+              <a:t> HDFS</a:t>
+            </a:r>
+          </a:p>
+          <a:p>
+            <a:endParaRPr lang="en-US" sz="1200" dirty="0" smtClean="0">
+              <a:solidFill>
+                <a:schemeClr val="bg1"/>
+              </a:solidFill>
+              <a:latin typeface="Times New Roman" panose="02020603050405020304" pitchFamily="18" charset="0"/>
+              <a:cs typeface="Times New Roman" panose="02020603050405020304" pitchFamily="18" charset="0"/>
+            </a:endParaRPr>
+          </a:p>
+          <a:p>
+            <a:r>
+              <a:rPr lang="en-US" sz="1200" b="1" u="sng" dirty="0" smtClean="0">
+                <a:solidFill>
+                  <a:schemeClr val="bg1"/>
+                </a:solidFill>
+                <a:latin typeface="Times New Roman" panose="02020603050405020304" pitchFamily="18" charset="0"/>
+                <a:cs typeface="Times New Roman" panose="02020603050405020304" pitchFamily="18" charset="0"/>
+              </a:rPr>
+              <a:t>Write</a:t>
+            </a:r>
+            <a:r>
+              <a:rPr lang="en-US" sz="1200" dirty="0" smtClean="0">
+                <a:solidFill>
+                  <a:schemeClr val="bg1"/>
+                </a:solidFill>
+                <a:latin typeface="Times New Roman" panose="02020603050405020304" pitchFamily="18" charset="0"/>
+                <a:cs typeface="Times New Roman" panose="02020603050405020304" pitchFamily="18" charset="0"/>
+              </a:rPr>
+              <a:t>: Client white data </a:t>
+            </a:r>
+            <a:r>
+              <a:rPr lang="en-US" sz="1200" dirty="0" err="1" smtClean="0">
+                <a:solidFill>
+                  <a:schemeClr val="bg1"/>
+                </a:solidFill>
+                <a:latin typeface="Times New Roman" panose="02020603050405020304" pitchFamily="18" charset="0"/>
+                <a:cs typeface="Times New Roman" panose="02020603050405020304" pitchFamily="18" charset="0"/>
+              </a:rPr>
+              <a:t>vào</a:t>
+            </a:r>
+            <a:r>
+              <a:rPr lang="en-US" sz="1200" dirty="0" smtClean="0">
+                <a:solidFill>
+                  <a:schemeClr val="bg1"/>
+                </a:solidFill>
+                <a:latin typeface="Times New Roman" panose="02020603050405020304" pitchFamily="18" charset="0"/>
+                <a:cs typeface="Times New Roman" panose="02020603050405020304" pitchFamily="18" charset="0"/>
+              </a:rPr>
+              <a:t> </a:t>
+            </a:r>
+            <a:r>
+              <a:rPr lang="en-US" sz="1200" dirty="0" err="1" smtClean="0">
+                <a:solidFill>
+                  <a:schemeClr val="bg1"/>
+                </a:solidFill>
+                <a:latin typeface="Times New Roman" panose="02020603050405020304" pitchFamily="18" charset="0"/>
+                <a:cs typeface="Times New Roman" panose="02020603050405020304" pitchFamily="18" charset="0"/>
+              </a:rPr>
+              <a:t>HBase</a:t>
+            </a:r>
+            <a:r>
+              <a:rPr lang="en-US" sz="1200" dirty="0" smtClean="0">
+                <a:solidFill>
+                  <a:schemeClr val="bg1"/>
+                </a:solidFill>
+                <a:latin typeface="Times New Roman" panose="02020603050405020304" pitchFamily="18" charset="0"/>
+                <a:cs typeface="Times New Roman" panose="02020603050405020304" pitchFamily="18" charset="0"/>
+              </a:rPr>
+              <a:t> -&gt; </a:t>
+            </a:r>
+            <a:r>
+              <a:rPr lang="en-US" sz="1200" dirty="0" err="1" smtClean="0">
+                <a:solidFill>
+                  <a:schemeClr val="bg1"/>
+                </a:solidFill>
+                <a:latin typeface="Times New Roman" panose="02020603050405020304" pitchFamily="18" charset="0"/>
+                <a:cs typeface="Times New Roman" panose="02020603050405020304" pitchFamily="18" charset="0"/>
+              </a:rPr>
+              <a:t>HBase</a:t>
+            </a:r>
+            <a:r>
+              <a:rPr lang="en-US" sz="1200" dirty="0" smtClean="0">
+                <a:solidFill>
+                  <a:schemeClr val="bg1"/>
+                </a:solidFill>
+                <a:latin typeface="Times New Roman" panose="02020603050405020304" pitchFamily="18" charset="0"/>
+                <a:cs typeface="Times New Roman" panose="02020603050405020304" pitchFamily="18" charset="0"/>
+              </a:rPr>
+              <a:t> write data </a:t>
+            </a:r>
+            <a:r>
+              <a:rPr lang="en-US" sz="1200" dirty="0" err="1" smtClean="0">
+                <a:solidFill>
+                  <a:schemeClr val="bg1"/>
+                </a:solidFill>
+                <a:latin typeface="Times New Roman" panose="02020603050405020304" pitchFamily="18" charset="0"/>
+                <a:cs typeface="Times New Roman" panose="02020603050405020304" pitchFamily="18" charset="0"/>
+              </a:rPr>
+              <a:t>vào</a:t>
+            </a:r>
+            <a:r>
+              <a:rPr lang="en-US" sz="1200" dirty="0" smtClean="0">
+                <a:solidFill>
+                  <a:schemeClr val="bg1"/>
+                </a:solidFill>
+                <a:latin typeface="Times New Roman" panose="02020603050405020304" pitchFamily="18" charset="0"/>
+                <a:cs typeface="Times New Roman" panose="02020603050405020304" pitchFamily="18" charset="0"/>
+              </a:rPr>
+              <a:t> HDFS. Bên </a:t>
+            </a:r>
+            <a:r>
+              <a:rPr lang="en-US" sz="1200" dirty="0" err="1" smtClean="0">
+                <a:solidFill>
+                  <a:schemeClr val="bg1"/>
+                </a:solidFill>
+                <a:latin typeface="Times New Roman" panose="02020603050405020304" pitchFamily="18" charset="0"/>
+                <a:cs typeface="Times New Roman" panose="02020603050405020304" pitchFamily="18" charset="0"/>
+              </a:rPr>
+              <a:t>cạnh</a:t>
+            </a:r>
+            <a:r>
+              <a:rPr lang="en-US" sz="1200" dirty="0" smtClean="0">
+                <a:solidFill>
+                  <a:schemeClr val="bg1"/>
+                </a:solidFill>
+                <a:latin typeface="Times New Roman" panose="02020603050405020304" pitchFamily="18" charset="0"/>
+                <a:cs typeface="Times New Roman" panose="02020603050405020304" pitchFamily="18" charset="0"/>
+              </a:rPr>
+              <a:t> đó, client cũng có option white data </a:t>
+            </a:r>
+            <a:r>
+              <a:rPr lang="en-US" sz="1200" dirty="0" err="1" smtClean="0">
+                <a:solidFill>
+                  <a:schemeClr val="bg1"/>
+                </a:solidFill>
+                <a:latin typeface="Times New Roman" panose="02020603050405020304" pitchFamily="18" charset="0"/>
+                <a:cs typeface="Times New Roman" panose="02020603050405020304" pitchFamily="18" charset="0"/>
+              </a:rPr>
+              <a:t>trực</a:t>
+            </a:r>
+            <a:r>
+              <a:rPr lang="en-US" sz="1200" dirty="0" smtClean="0">
+                <a:solidFill>
+                  <a:schemeClr val="bg1"/>
+                </a:solidFill>
+                <a:latin typeface="Times New Roman" panose="02020603050405020304" pitchFamily="18" charset="0"/>
+                <a:cs typeface="Times New Roman" panose="02020603050405020304" pitchFamily="18" charset="0"/>
+              </a:rPr>
+              <a:t> </a:t>
+            </a:r>
+            <a:r>
+              <a:rPr lang="en-US" sz="1200" dirty="0" err="1" smtClean="0">
+                <a:solidFill>
+                  <a:schemeClr val="bg1"/>
+                </a:solidFill>
+                <a:latin typeface="Times New Roman" panose="02020603050405020304" pitchFamily="18" charset="0"/>
+                <a:cs typeface="Times New Roman" panose="02020603050405020304" pitchFamily="18" charset="0"/>
+              </a:rPr>
+              <a:t>tiếp</a:t>
+            </a:r>
+            <a:r>
+              <a:rPr lang="en-US" sz="1200" dirty="0" smtClean="0">
+                <a:solidFill>
+                  <a:schemeClr val="bg1"/>
+                </a:solidFill>
+                <a:latin typeface="Times New Roman" panose="02020603050405020304" pitchFamily="18" charset="0"/>
+                <a:cs typeface="Times New Roman" panose="02020603050405020304" pitchFamily="18" charset="0"/>
+              </a:rPr>
+              <a:t> </a:t>
+            </a:r>
+            <a:r>
+              <a:rPr lang="en-US" sz="1200" dirty="0" err="1" smtClean="0">
+                <a:solidFill>
+                  <a:schemeClr val="bg1"/>
+                </a:solidFill>
+                <a:latin typeface="Times New Roman" panose="02020603050405020304" pitchFamily="18" charset="0"/>
+                <a:cs typeface="Times New Roman" panose="02020603050405020304" pitchFamily="18" charset="0"/>
+              </a:rPr>
+              <a:t>vào</a:t>
+            </a:r>
+            <a:r>
+              <a:rPr lang="en-US" sz="1200" dirty="0" smtClean="0">
+                <a:solidFill>
+                  <a:schemeClr val="bg1"/>
+                </a:solidFill>
+                <a:latin typeface="Times New Roman" panose="02020603050405020304" pitchFamily="18" charset="0"/>
+                <a:cs typeface="Times New Roman" panose="02020603050405020304" pitchFamily="18" charset="0"/>
+              </a:rPr>
+              <a:t> HDFS</a:t>
+            </a:r>
+          </a:p>
+          <a:p>
+            <a:endParaRPr lang="en-US" dirty="0" smtClean="0"/>
+          </a:p>
+          <a:p>
+            <a:pPr marL="0" marR="0" lvl="0" indent="0" algn="l" defTabSz="914400" rtl="0" eaLnBrk="1" fontAlgn="auto" latinLnBrk="0" hangingPunct="1">
+              <a:lnSpc>
+                <a:spcPct val="100000"/>
+              </a:lnSpc>
+              <a:spcBef>
+                <a:spcPts val="0"/>
+              </a:spcBef>
+              <a:spcAft>
+                <a:spcPts val="0"/>
+              </a:spcAft>
+              <a:buClrTx/>
+              <a:buSzTx/>
+              <a:buFontTx/>
+              <a:buNone/>
+              <a:tabLst/>
+              <a:defRPr/>
+            </a:pPr>
+            <a:r>
+              <a:rPr lang="en-US" sz="1200" dirty="0" smtClean="0">
+                <a:solidFill>
+                  <a:schemeClr val="bg1"/>
+                </a:solidFill>
+                <a:latin typeface="Times New Roman" panose="02020603050405020304" pitchFamily="18" charset="0"/>
+                <a:cs typeface="Times New Roman" panose="02020603050405020304" pitchFamily="18" charset="0"/>
+                <a:sym typeface="Wingdings" panose="05000000000000000000" pitchFamily="2" charset="2"/>
+              </a:rPr>
+              <a:t> </a:t>
+            </a:r>
+            <a:r>
+              <a:rPr lang="vi-VN" sz="1200" dirty="0" smtClean="0">
+                <a:solidFill>
+                  <a:schemeClr val="bg1"/>
+                </a:solidFill>
+                <a:latin typeface="Times New Roman" panose="02020603050405020304" pitchFamily="18" charset="0"/>
+                <a:cs typeface="Times New Roman" panose="02020603050405020304" pitchFamily="18" charset="0"/>
+              </a:rPr>
+              <a:t>Quá trình giao tiếp giữa HBase với HDFS được thông qua các đối tượng HDFS Client</a:t>
+            </a:r>
+            <a:endParaRPr lang="en-US" sz="1200" dirty="0" smtClean="0">
+              <a:solidFill>
+                <a:schemeClr val="bg1"/>
+              </a:solidFill>
+              <a:latin typeface="Times New Roman" panose="02020603050405020304" pitchFamily="18" charset="0"/>
+              <a:cs typeface="Times New Roman" panose="02020603050405020304" pitchFamily="18" charset="0"/>
+            </a:endParaRPr>
+          </a:p>
+          <a:p>
+            <a:endParaRPr lang="en-US" dirty="0" smtClean="0"/>
+          </a:p>
+          <a:p>
             <a:endParaRPr lang="en-US" dirty="0"/>
           </a:p>
         </p:txBody>
@@ -3382,7 +3728,7 @@
     </p:spTree>
     <p:extLst>
       <p:ext uri="{BB962C8B-B14F-4D97-AF65-F5344CB8AC3E}">
-        <p14:creationId xmlns:p14="http://schemas.microsoft.com/office/powerpoint/2010/main" val="721076940"/>
+        <p14:creationId xmlns:p14="http://schemas.microsoft.com/office/powerpoint/2010/main" val="427003157"/>
       </p:ext>
     </p:extLst>
   </p:cSld>
@@ -3436,352 +3782,6 @@
           <a:bodyPr/>
           <a:lstStyle/>
           <a:p>
-            <a:r>
-              <a:rPr lang="en-US" sz="1200" b="1" u="sng" dirty="0" smtClean="0">
-                <a:solidFill>
-                  <a:schemeClr val="bg1"/>
-                </a:solidFill>
-                <a:latin typeface="Times New Roman" panose="02020603050405020304" pitchFamily="18" charset="0"/>
-                <a:cs typeface="Times New Roman" panose="02020603050405020304" pitchFamily="18" charset="0"/>
-              </a:rPr>
-              <a:t>Read</a:t>
-            </a:r>
-            <a:r>
-              <a:rPr lang="en-US" sz="1200" dirty="0" smtClean="0">
-                <a:solidFill>
-                  <a:schemeClr val="bg1"/>
-                </a:solidFill>
-                <a:latin typeface="Times New Roman" panose="02020603050405020304" pitchFamily="18" charset="0"/>
-                <a:cs typeface="Times New Roman" panose="02020603050405020304" pitchFamily="18" charset="0"/>
-              </a:rPr>
-              <a:t>: Client read data </a:t>
-            </a:r>
-            <a:r>
-              <a:rPr lang="en-US" sz="1200" dirty="0" err="1" smtClean="0">
-                <a:solidFill>
-                  <a:schemeClr val="bg1"/>
-                </a:solidFill>
-                <a:latin typeface="Times New Roman" panose="02020603050405020304" pitchFamily="18" charset="0"/>
-                <a:cs typeface="Times New Roman" panose="02020603050405020304" pitchFamily="18" charset="0"/>
-              </a:rPr>
-              <a:t>từ</a:t>
-            </a:r>
-            <a:r>
-              <a:rPr lang="en-US" sz="1200" dirty="0" smtClean="0">
-                <a:solidFill>
-                  <a:schemeClr val="bg1"/>
-                </a:solidFill>
-                <a:latin typeface="Times New Roman" panose="02020603050405020304" pitchFamily="18" charset="0"/>
-                <a:cs typeface="Times New Roman" panose="02020603050405020304" pitchFamily="18" charset="0"/>
-              </a:rPr>
-              <a:t> </a:t>
-            </a:r>
-            <a:r>
-              <a:rPr lang="en-US" sz="1200" dirty="0" err="1" smtClean="0">
-                <a:solidFill>
-                  <a:schemeClr val="bg1"/>
-                </a:solidFill>
-                <a:latin typeface="Times New Roman" panose="02020603050405020304" pitchFamily="18" charset="0"/>
-                <a:cs typeface="Times New Roman" panose="02020603050405020304" pitchFamily="18" charset="0"/>
-              </a:rPr>
-              <a:t>HBase</a:t>
-            </a:r>
-            <a:r>
-              <a:rPr lang="en-US" sz="1200" dirty="0" smtClean="0">
-                <a:solidFill>
-                  <a:schemeClr val="bg1"/>
-                </a:solidFill>
-                <a:latin typeface="Times New Roman" panose="02020603050405020304" pitchFamily="18" charset="0"/>
-                <a:cs typeface="Times New Roman" panose="02020603050405020304" pitchFamily="18" charset="0"/>
-              </a:rPr>
-              <a:t> &lt;- </a:t>
-            </a:r>
-            <a:r>
-              <a:rPr lang="en-US" sz="1200" dirty="0" err="1" smtClean="0">
-                <a:solidFill>
-                  <a:schemeClr val="bg1"/>
-                </a:solidFill>
-                <a:latin typeface="Times New Roman" panose="02020603050405020304" pitchFamily="18" charset="0"/>
-                <a:cs typeface="Times New Roman" panose="02020603050405020304" pitchFamily="18" charset="0"/>
-              </a:rPr>
-              <a:t>HBase</a:t>
-            </a:r>
-            <a:r>
-              <a:rPr lang="en-US" sz="1200" dirty="0" smtClean="0">
-                <a:solidFill>
-                  <a:schemeClr val="bg1"/>
-                </a:solidFill>
-                <a:latin typeface="Times New Roman" panose="02020603050405020304" pitchFamily="18" charset="0"/>
-                <a:cs typeface="Times New Roman" panose="02020603050405020304" pitchFamily="18" charset="0"/>
-              </a:rPr>
-              <a:t> lấy data </a:t>
-            </a:r>
-            <a:r>
-              <a:rPr lang="en-US" sz="1200" dirty="0" err="1" smtClean="0">
-                <a:solidFill>
-                  <a:schemeClr val="bg1"/>
-                </a:solidFill>
-                <a:latin typeface="Times New Roman" panose="02020603050405020304" pitchFamily="18" charset="0"/>
-                <a:cs typeface="Times New Roman" panose="02020603050405020304" pitchFamily="18" charset="0"/>
-              </a:rPr>
-              <a:t>từ</a:t>
-            </a:r>
-            <a:r>
-              <a:rPr lang="en-US" sz="1200" dirty="0" smtClean="0">
-                <a:solidFill>
-                  <a:schemeClr val="bg1"/>
-                </a:solidFill>
-                <a:latin typeface="Times New Roman" panose="02020603050405020304" pitchFamily="18" charset="0"/>
-                <a:cs typeface="Times New Roman" panose="02020603050405020304" pitchFamily="18" charset="0"/>
-              </a:rPr>
-              <a:t> HDFS</a:t>
-            </a:r>
-          </a:p>
-          <a:p>
-            <a:endParaRPr lang="en-US" sz="1200" dirty="0" smtClean="0">
-              <a:solidFill>
-                <a:schemeClr val="bg1"/>
-              </a:solidFill>
-              <a:latin typeface="Times New Roman" panose="02020603050405020304" pitchFamily="18" charset="0"/>
-              <a:cs typeface="Times New Roman" panose="02020603050405020304" pitchFamily="18" charset="0"/>
-            </a:endParaRPr>
-          </a:p>
-          <a:p>
-            <a:r>
-              <a:rPr lang="en-US" sz="1200" b="1" u="sng" dirty="0" smtClean="0">
-                <a:solidFill>
-                  <a:schemeClr val="bg1"/>
-                </a:solidFill>
-                <a:latin typeface="Times New Roman" panose="02020603050405020304" pitchFamily="18" charset="0"/>
-                <a:cs typeface="Times New Roman" panose="02020603050405020304" pitchFamily="18" charset="0"/>
-              </a:rPr>
-              <a:t>Write</a:t>
-            </a:r>
-            <a:r>
-              <a:rPr lang="en-US" sz="1200" dirty="0" smtClean="0">
-                <a:solidFill>
-                  <a:schemeClr val="bg1"/>
-                </a:solidFill>
-                <a:latin typeface="Times New Roman" panose="02020603050405020304" pitchFamily="18" charset="0"/>
-                <a:cs typeface="Times New Roman" panose="02020603050405020304" pitchFamily="18" charset="0"/>
-              </a:rPr>
-              <a:t>: Client white data </a:t>
-            </a:r>
-            <a:r>
-              <a:rPr lang="en-US" sz="1200" dirty="0" err="1" smtClean="0">
-                <a:solidFill>
-                  <a:schemeClr val="bg1"/>
-                </a:solidFill>
-                <a:latin typeface="Times New Roman" panose="02020603050405020304" pitchFamily="18" charset="0"/>
-                <a:cs typeface="Times New Roman" panose="02020603050405020304" pitchFamily="18" charset="0"/>
-              </a:rPr>
-              <a:t>vào</a:t>
-            </a:r>
-            <a:r>
-              <a:rPr lang="en-US" sz="1200" dirty="0" smtClean="0">
-                <a:solidFill>
-                  <a:schemeClr val="bg1"/>
-                </a:solidFill>
-                <a:latin typeface="Times New Roman" panose="02020603050405020304" pitchFamily="18" charset="0"/>
-                <a:cs typeface="Times New Roman" panose="02020603050405020304" pitchFamily="18" charset="0"/>
-              </a:rPr>
-              <a:t> </a:t>
-            </a:r>
-            <a:r>
-              <a:rPr lang="en-US" sz="1200" dirty="0" err="1" smtClean="0">
-                <a:solidFill>
-                  <a:schemeClr val="bg1"/>
-                </a:solidFill>
-                <a:latin typeface="Times New Roman" panose="02020603050405020304" pitchFamily="18" charset="0"/>
-                <a:cs typeface="Times New Roman" panose="02020603050405020304" pitchFamily="18" charset="0"/>
-              </a:rPr>
-              <a:t>HBase</a:t>
-            </a:r>
-            <a:r>
-              <a:rPr lang="en-US" sz="1200" dirty="0" smtClean="0">
-                <a:solidFill>
-                  <a:schemeClr val="bg1"/>
-                </a:solidFill>
-                <a:latin typeface="Times New Roman" panose="02020603050405020304" pitchFamily="18" charset="0"/>
-                <a:cs typeface="Times New Roman" panose="02020603050405020304" pitchFamily="18" charset="0"/>
-              </a:rPr>
-              <a:t> -&gt; </a:t>
-            </a:r>
-            <a:r>
-              <a:rPr lang="en-US" sz="1200" dirty="0" err="1" smtClean="0">
-                <a:solidFill>
-                  <a:schemeClr val="bg1"/>
-                </a:solidFill>
-                <a:latin typeface="Times New Roman" panose="02020603050405020304" pitchFamily="18" charset="0"/>
-                <a:cs typeface="Times New Roman" panose="02020603050405020304" pitchFamily="18" charset="0"/>
-              </a:rPr>
-              <a:t>HBase</a:t>
-            </a:r>
-            <a:r>
-              <a:rPr lang="en-US" sz="1200" dirty="0" smtClean="0">
-                <a:solidFill>
-                  <a:schemeClr val="bg1"/>
-                </a:solidFill>
-                <a:latin typeface="Times New Roman" panose="02020603050405020304" pitchFamily="18" charset="0"/>
-                <a:cs typeface="Times New Roman" panose="02020603050405020304" pitchFamily="18" charset="0"/>
-              </a:rPr>
-              <a:t> write data </a:t>
-            </a:r>
-            <a:r>
-              <a:rPr lang="en-US" sz="1200" dirty="0" err="1" smtClean="0">
-                <a:solidFill>
-                  <a:schemeClr val="bg1"/>
-                </a:solidFill>
-                <a:latin typeface="Times New Roman" panose="02020603050405020304" pitchFamily="18" charset="0"/>
-                <a:cs typeface="Times New Roman" panose="02020603050405020304" pitchFamily="18" charset="0"/>
-              </a:rPr>
-              <a:t>vào</a:t>
-            </a:r>
-            <a:r>
-              <a:rPr lang="en-US" sz="1200" dirty="0" smtClean="0">
-                <a:solidFill>
-                  <a:schemeClr val="bg1"/>
-                </a:solidFill>
-                <a:latin typeface="Times New Roman" panose="02020603050405020304" pitchFamily="18" charset="0"/>
-                <a:cs typeface="Times New Roman" panose="02020603050405020304" pitchFamily="18" charset="0"/>
-              </a:rPr>
-              <a:t> HDFS. Bên </a:t>
-            </a:r>
-            <a:r>
-              <a:rPr lang="en-US" sz="1200" dirty="0" err="1" smtClean="0">
-                <a:solidFill>
-                  <a:schemeClr val="bg1"/>
-                </a:solidFill>
-                <a:latin typeface="Times New Roman" panose="02020603050405020304" pitchFamily="18" charset="0"/>
-                <a:cs typeface="Times New Roman" panose="02020603050405020304" pitchFamily="18" charset="0"/>
-              </a:rPr>
-              <a:t>cạnh</a:t>
-            </a:r>
-            <a:r>
-              <a:rPr lang="en-US" sz="1200" dirty="0" smtClean="0">
-                <a:solidFill>
-                  <a:schemeClr val="bg1"/>
-                </a:solidFill>
-                <a:latin typeface="Times New Roman" panose="02020603050405020304" pitchFamily="18" charset="0"/>
-                <a:cs typeface="Times New Roman" panose="02020603050405020304" pitchFamily="18" charset="0"/>
-              </a:rPr>
-              <a:t> đó, client cũng có option white data </a:t>
-            </a:r>
-            <a:r>
-              <a:rPr lang="en-US" sz="1200" dirty="0" err="1" smtClean="0">
-                <a:solidFill>
-                  <a:schemeClr val="bg1"/>
-                </a:solidFill>
-                <a:latin typeface="Times New Roman" panose="02020603050405020304" pitchFamily="18" charset="0"/>
-                <a:cs typeface="Times New Roman" panose="02020603050405020304" pitchFamily="18" charset="0"/>
-              </a:rPr>
-              <a:t>trực</a:t>
-            </a:r>
-            <a:r>
-              <a:rPr lang="en-US" sz="1200" dirty="0" smtClean="0">
-                <a:solidFill>
-                  <a:schemeClr val="bg1"/>
-                </a:solidFill>
-                <a:latin typeface="Times New Roman" panose="02020603050405020304" pitchFamily="18" charset="0"/>
-                <a:cs typeface="Times New Roman" panose="02020603050405020304" pitchFamily="18" charset="0"/>
-              </a:rPr>
-              <a:t> </a:t>
-            </a:r>
-            <a:r>
-              <a:rPr lang="en-US" sz="1200" dirty="0" err="1" smtClean="0">
-                <a:solidFill>
-                  <a:schemeClr val="bg1"/>
-                </a:solidFill>
-                <a:latin typeface="Times New Roman" panose="02020603050405020304" pitchFamily="18" charset="0"/>
-                <a:cs typeface="Times New Roman" panose="02020603050405020304" pitchFamily="18" charset="0"/>
-              </a:rPr>
-              <a:t>tiếp</a:t>
-            </a:r>
-            <a:r>
-              <a:rPr lang="en-US" sz="1200" dirty="0" smtClean="0">
-                <a:solidFill>
-                  <a:schemeClr val="bg1"/>
-                </a:solidFill>
-                <a:latin typeface="Times New Roman" panose="02020603050405020304" pitchFamily="18" charset="0"/>
-                <a:cs typeface="Times New Roman" panose="02020603050405020304" pitchFamily="18" charset="0"/>
-              </a:rPr>
-              <a:t> </a:t>
-            </a:r>
-            <a:r>
-              <a:rPr lang="en-US" sz="1200" dirty="0" err="1" smtClean="0">
-                <a:solidFill>
-                  <a:schemeClr val="bg1"/>
-                </a:solidFill>
-                <a:latin typeface="Times New Roman" panose="02020603050405020304" pitchFamily="18" charset="0"/>
-                <a:cs typeface="Times New Roman" panose="02020603050405020304" pitchFamily="18" charset="0"/>
-              </a:rPr>
-              <a:t>vào</a:t>
-            </a:r>
-            <a:r>
-              <a:rPr lang="en-US" sz="1200" dirty="0" smtClean="0">
-                <a:solidFill>
-                  <a:schemeClr val="bg1"/>
-                </a:solidFill>
-                <a:latin typeface="Times New Roman" panose="02020603050405020304" pitchFamily="18" charset="0"/>
-                <a:cs typeface="Times New Roman" panose="02020603050405020304" pitchFamily="18" charset="0"/>
-              </a:rPr>
-              <a:t> HDFS</a:t>
-            </a:r>
-          </a:p>
-          <a:p>
-            <a:endParaRPr lang="en-US" dirty="0" smtClean="0"/>
-          </a:p>
-          <a:p>
-            <a:pPr marL="0" marR="0" lvl="0" indent="0" algn="l" defTabSz="914400" rtl="0" eaLnBrk="1" fontAlgn="auto" latinLnBrk="0" hangingPunct="1">
-              <a:lnSpc>
-                <a:spcPct val="100000"/>
-              </a:lnSpc>
-              <a:spcBef>
-                <a:spcPts val="0"/>
-              </a:spcBef>
-              <a:spcAft>
-                <a:spcPts val="0"/>
-              </a:spcAft>
-              <a:buClrTx/>
-              <a:buSzTx/>
-              <a:buFontTx/>
-              <a:buNone/>
-              <a:tabLst/>
-              <a:defRPr/>
-            </a:pPr>
-            <a:r>
-              <a:rPr lang="en-US" sz="1200" dirty="0" smtClean="0">
-                <a:solidFill>
-                  <a:schemeClr val="bg1"/>
-                </a:solidFill>
-                <a:latin typeface="Times New Roman" panose="02020603050405020304" pitchFamily="18" charset="0"/>
-                <a:cs typeface="Times New Roman" panose="02020603050405020304" pitchFamily="18" charset="0"/>
-                <a:sym typeface="Wingdings" panose="05000000000000000000" pitchFamily="2" charset="2"/>
-              </a:rPr>
-              <a:t> </a:t>
-            </a:r>
-            <a:r>
-              <a:rPr lang="vi-VN" sz="1200" dirty="0" smtClean="0">
-                <a:solidFill>
-                  <a:schemeClr val="bg1"/>
-                </a:solidFill>
-                <a:latin typeface="Times New Roman" panose="02020603050405020304" pitchFamily="18" charset="0"/>
-                <a:cs typeface="Times New Roman" panose="02020603050405020304" pitchFamily="18" charset="0"/>
-              </a:rPr>
-              <a:t>Quá trình giao tiếp giữa HBase với HDFS được thông qua các đối tượng HDFS Client</a:t>
-            </a:r>
-            <a:endParaRPr lang="en-US" sz="1200" dirty="0" smtClean="0">
-              <a:solidFill>
-                <a:schemeClr val="bg1"/>
-              </a:solidFill>
-              <a:latin typeface="Times New Roman" panose="02020603050405020304" pitchFamily="18" charset="0"/>
-              <a:cs typeface="Times New Roman" panose="02020603050405020304" pitchFamily="18" charset="0"/>
-            </a:endParaRPr>
-          </a:p>
-          <a:p>
-            <a:endParaRPr lang="en-US" dirty="0" smtClean="0"/>
-          </a:p>
-          <a:p>
             <a:endParaRPr lang="en-US" dirty="0"/>
           </a:p>
         </p:txBody>
@@ -3812,7 +3812,7 @@
     </p:spTree>
     <p:extLst>
       <p:ext uri="{BB962C8B-B14F-4D97-AF65-F5344CB8AC3E}">
-        <p14:creationId xmlns:p14="http://schemas.microsoft.com/office/powerpoint/2010/main" val="427003157"/>
+        <p14:creationId xmlns:p14="http://schemas.microsoft.com/office/powerpoint/2010/main" val="484260155"/>
       </p:ext>
     </p:extLst>
   </p:cSld>
@@ -3866,6 +3866,142 @@
           <a:bodyPr/>
           <a:lstStyle/>
           <a:p>
+            <a:pPr marL="342900" indent="-342900">
+              <a:buFont typeface="Arial" panose="020B0604020202020204" pitchFamily="34" charset="0"/>
+              <a:buChar char="•"/>
+            </a:pPr>
+            <a:r>
+              <a:rPr lang="vi-VN" sz="2400" kern="1200" dirty="0" smtClean="0">
+                <a:solidFill>
+                  <a:schemeClr val="bg1"/>
+                </a:solidFill>
+                <a:latin typeface="+mn-lt"/>
+                <a:ea typeface="+mn-ea"/>
+                <a:cs typeface="+mn-cs"/>
+              </a:rPr>
+              <a:t>Cơ sở dữ liệu(Database):</a:t>
+            </a:r>
+          </a:p>
+          <a:p>
+            <a:pPr marL="800100" lvl="1" indent="-342900">
+              <a:buFont typeface="Wingdings" panose="05000000000000000000" pitchFamily="2" charset="2"/>
+              <a:buChar char="ü"/>
+            </a:pPr>
+            <a:r>
+              <a:rPr lang="vi-VN" sz="2400" kern="1200" dirty="0" smtClean="0">
+                <a:solidFill>
+                  <a:schemeClr val="bg1"/>
+                </a:solidFill>
+                <a:latin typeface="+mn-lt"/>
+                <a:ea typeface="+mn-ea"/>
+                <a:cs typeface="+mn-cs"/>
+              </a:rPr>
+              <a:t>Cả hai đều là cơ sơ dữ liệu mã nguồn mở.</a:t>
+            </a:r>
+          </a:p>
+          <a:p>
+            <a:pPr marL="800100" lvl="1" indent="-342900">
+              <a:buFont typeface="Wingdings" panose="05000000000000000000" pitchFamily="2" charset="2"/>
+              <a:buChar char="ü"/>
+            </a:pPr>
+            <a:r>
+              <a:rPr lang="vi-VN" sz="2400" kern="1200" dirty="0" smtClean="0">
+                <a:solidFill>
+                  <a:schemeClr val="bg1"/>
+                </a:solidFill>
+                <a:latin typeface="+mn-lt"/>
+                <a:ea typeface="+mn-ea"/>
+                <a:cs typeface="+mn-cs"/>
+              </a:rPr>
+              <a:t>Có thể xử lí được dữ liệu lớn, dữ liệu không quan hệ(bao gòm image, audio, video..)</a:t>
+            </a:r>
+          </a:p>
+          <a:p>
+            <a:pPr marL="342900" indent="-342900">
+              <a:buFont typeface="Arial" panose="020B0604020202020204" pitchFamily="34" charset="0"/>
+              <a:buChar char="•"/>
+            </a:pPr>
+            <a:r>
+              <a:rPr lang="vi-VN" sz="2400" kern="1200" dirty="0" smtClean="0">
+                <a:solidFill>
+                  <a:schemeClr val="bg1"/>
+                </a:solidFill>
+                <a:latin typeface="+mn-lt"/>
+                <a:ea typeface="+mn-ea"/>
+                <a:cs typeface="+mn-cs"/>
+              </a:rPr>
+              <a:t>Khả năng mở rộng(Scalability)</a:t>
+            </a:r>
+          </a:p>
+          <a:p>
+            <a:pPr marL="800100" lvl="1" indent="-342900">
+              <a:buFont typeface="Wingdings" panose="05000000000000000000" pitchFamily="2" charset="2"/>
+              <a:buChar char="ü"/>
+            </a:pPr>
+            <a:r>
+              <a:rPr lang="vi-VN" sz="2400" kern="1200" dirty="0" smtClean="0">
+                <a:solidFill>
+                  <a:schemeClr val="bg1"/>
+                </a:solidFill>
+                <a:latin typeface="+mn-lt"/>
+                <a:ea typeface="+mn-ea"/>
+                <a:cs typeface="+mn-cs"/>
+              </a:rPr>
+              <a:t>Cả hai điều có khả năng mở rộng cao.</a:t>
+            </a:r>
+          </a:p>
+          <a:p>
+            <a:pPr marL="800100" lvl="1" indent="-342900">
+              <a:buFont typeface="Wingdings" panose="05000000000000000000" pitchFamily="2" charset="2"/>
+              <a:buChar char="ü"/>
+            </a:pPr>
+            <a:r>
+              <a:rPr lang="vi-VN" sz="2400" kern="1200" dirty="0" smtClean="0">
+                <a:solidFill>
+                  <a:schemeClr val="bg1"/>
+                </a:solidFill>
+                <a:latin typeface="+mn-lt"/>
+                <a:ea typeface="+mn-ea"/>
+                <a:cs typeface="+mn-cs"/>
+              </a:rPr>
+              <a:t>Để mở rộng chỉ cần tăng số lượng node trên cluster.</a:t>
+            </a:r>
+          </a:p>
+          <a:p>
+            <a:pPr marL="342900" indent="-342900">
+              <a:buFont typeface="Arial" panose="020B0604020202020204" pitchFamily="34" charset="0"/>
+              <a:buChar char="•"/>
+            </a:pPr>
+            <a:r>
+              <a:rPr lang="vi-VN" sz="2400" kern="1200" dirty="0" smtClean="0">
+                <a:solidFill>
+                  <a:schemeClr val="bg1"/>
+                </a:solidFill>
+                <a:latin typeface="+mn-lt"/>
+                <a:ea typeface="+mn-ea"/>
+                <a:cs typeface="+mn-cs"/>
+              </a:rPr>
+              <a:t>Tạo bản sao(Replication)</a:t>
+            </a:r>
+          </a:p>
+          <a:p>
+            <a:pPr marL="800100" lvl="1" indent="-342900">
+              <a:buFont typeface="Wingdings" panose="05000000000000000000" pitchFamily="2" charset="2"/>
+              <a:buChar char="ü"/>
+            </a:pPr>
+            <a:r>
+              <a:rPr lang="vi-VN" sz="2400" kern="1200" dirty="0" smtClean="0">
+                <a:solidFill>
+                  <a:schemeClr val="bg1"/>
+                </a:solidFill>
+                <a:latin typeface="+mn-lt"/>
+                <a:ea typeface="+mn-ea"/>
+                <a:cs typeface="+mn-cs"/>
+              </a:rPr>
+              <a:t>Data khi được lưu xuống node sẽ tạo bản sao ở một số node khác, nên khi xảy ra lỗi vẫn tồn tại data ở node backup để truy xuất.</a:t>
+            </a:r>
+          </a:p>
+          <a:p>
             <a:endParaRPr lang="en-US" dirty="0"/>
           </a:p>
         </p:txBody>
@@ -3896,7 +4032,7 @@
     </p:spTree>
     <p:extLst>
       <p:ext uri="{BB962C8B-B14F-4D97-AF65-F5344CB8AC3E}">
-        <p14:creationId xmlns:p14="http://schemas.microsoft.com/office/powerpoint/2010/main" val="484260155"/>
+        <p14:creationId xmlns:p14="http://schemas.microsoft.com/office/powerpoint/2010/main" val="2203335354"/>
       </p:ext>
     </p:extLst>
   </p:cSld>
@@ -3950,142 +4086,90 @@
           <a:bodyPr/>
           <a:lstStyle/>
           <a:p>
-            <a:pPr marL="342900" indent="-342900">
-              <a:buFont typeface="Arial" panose="020B0604020202020204" pitchFamily="34" charset="0"/>
-              <a:buChar char="•"/>
-            </a:pPr>
-            <a:r>
-              <a:rPr lang="vi-VN" sz="2400" kern="1200" dirty="0" smtClean="0">
-                <a:solidFill>
-                  <a:schemeClr val="bg1"/>
-                </a:solidFill>
+            <a:r>
+              <a:rPr lang="en-US" sz="1200" b="1" i="1" kern="1200" dirty="0" smtClean="0">
+                <a:solidFill>
+                  <a:schemeClr val="tx1"/>
+                </a:solidFill>
+                <a:effectLst/>
                 <a:latin typeface="+mn-lt"/>
                 <a:ea typeface="+mn-ea"/>
                 <a:cs typeface="+mn-cs"/>
               </a:rPr>
-              <a:t>Cơ sở dữ liệu(Database):</a:t>
-            </a:r>
-          </a:p>
-          <a:p>
-            <a:pPr marL="800100" lvl="1" indent="-342900">
-              <a:buFont typeface="Wingdings" panose="05000000000000000000" pitchFamily="2" charset="2"/>
-              <a:buChar char="ü"/>
-            </a:pPr>
-            <a:r>
-              <a:rPr lang="vi-VN" sz="2400" kern="1200" dirty="0" smtClean="0">
-                <a:solidFill>
-                  <a:schemeClr val="bg1"/>
-                </a:solidFill>
+              <a:t>Cassandra</a:t>
+            </a:r>
+            <a:r>
+              <a:rPr lang="en-US" sz="1200" b="0" i="0" kern="1200" dirty="0" smtClean="0">
+                <a:solidFill>
+                  <a:schemeClr val="tx1"/>
+                </a:solidFill>
+                <a:effectLst/>
                 <a:latin typeface="+mn-lt"/>
                 <a:ea typeface="+mn-ea"/>
                 <a:cs typeface="+mn-cs"/>
               </a:rPr>
-              <a:t>Cả hai đều là cơ sơ dữ liệu mã nguồn mở.</a:t>
-            </a:r>
-          </a:p>
-          <a:p>
-            <a:pPr marL="800100" lvl="1" indent="-342900">
-              <a:buFont typeface="Wingdings" panose="05000000000000000000" pitchFamily="2" charset="2"/>
-              <a:buChar char="ü"/>
-            </a:pPr>
-            <a:r>
-              <a:rPr lang="vi-VN" sz="2400" kern="1200" dirty="0" smtClean="0">
-                <a:solidFill>
-                  <a:schemeClr val="bg1"/>
-                </a:solidFill>
+              <a:t> has a </a:t>
+            </a:r>
+            <a:r>
+              <a:rPr lang="en-US" sz="1200" b="1" i="1" kern="1200" dirty="0" err="1" smtClean="0">
+                <a:solidFill>
+                  <a:schemeClr val="tx1"/>
+                </a:solidFill>
+                <a:effectLst/>
                 <a:latin typeface="+mn-lt"/>
                 <a:ea typeface="+mn-ea"/>
                 <a:cs typeface="+mn-cs"/>
               </a:rPr>
-              <a:t>Có thể xử lí được dữ liệu lớn, dữ liệu không quan hệ(bao gòm image, audio, video..)</a:t>
-            </a:r>
-          </a:p>
-          <a:p>
-            <a:pPr marL="342900" indent="-342900">
-              <a:buFont typeface="Arial" panose="020B0604020202020204" pitchFamily="34" charset="0"/>
-              <a:buChar char="•"/>
-            </a:pPr>
-            <a:r>
-              <a:rPr lang="vi-VN" sz="2400" kern="1200" dirty="0" smtClean="0">
-                <a:solidFill>
-                  <a:schemeClr val="bg1"/>
-                </a:solidFill>
+              <a:t>masterless</a:t>
+            </a:r>
+            <a:r>
+              <a:rPr lang="en-US" sz="1200" b="0" i="0" kern="1200" dirty="0" smtClean="0">
+                <a:solidFill>
+                  <a:schemeClr val="tx1"/>
+                </a:solidFill>
+                <a:effectLst/>
                 <a:latin typeface="+mn-lt"/>
                 <a:ea typeface="+mn-ea"/>
                 <a:cs typeface="+mn-cs"/>
               </a:rPr>
-              <a:t>Khả năng mở rộng(Scalability)</a:t>
-            </a:r>
-          </a:p>
-          <a:p>
-            <a:pPr marL="800100" lvl="1" indent="-342900">
-              <a:buFont typeface="Wingdings" panose="05000000000000000000" pitchFamily="2" charset="2"/>
-              <a:buChar char="ü"/>
-            </a:pPr>
-            <a:r>
-              <a:rPr lang="vi-VN" sz="2400" kern="1200" dirty="0" smtClean="0">
-                <a:solidFill>
-                  <a:schemeClr val="bg1"/>
-                </a:solidFill>
+              <a:t> architecture, while </a:t>
+            </a:r>
+            <a:r>
+              <a:rPr lang="en-US" sz="1200" b="1" i="1" kern="1200" dirty="0" err="1" smtClean="0">
+                <a:solidFill>
+                  <a:schemeClr val="tx1"/>
+                </a:solidFill>
+                <a:effectLst/>
                 <a:latin typeface="+mn-lt"/>
                 <a:ea typeface="+mn-ea"/>
                 <a:cs typeface="+mn-cs"/>
               </a:rPr>
-              <a:t>Cả hai điều có khả năng mở rộng cao.</a:t>
-            </a:r>
-          </a:p>
-          <a:p>
-            <a:pPr marL="800100" lvl="1" indent="-342900">
-              <a:buFont typeface="Wingdings" panose="05000000000000000000" pitchFamily="2" charset="2"/>
-              <a:buChar char="ü"/>
-            </a:pPr>
-            <a:r>
-              <a:rPr lang="vi-VN" sz="2400" kern="1200" dirty="0" smtClean="0">
-                <a:solidFill>
-                  <a:schemeClr val="bg1"/>
-                </a:solidFill>
+              <a:t>HBase</a:t>
+            </a:r>
+            <a:r>
+              <a:rPr lang="en-US" sz="1200" b="0" i="0" kern="1200" dirty="0" smtClean="0">
+                <a:solidFill>
+                  <a:schemeClr val="tx1"/>
+                </a:solidFill>
+                <a:effectLst/>
                 <a:latin typeface="+mn-lt"/>
                 <a:ea typeface="+mn-ea"/>
                 <a:cs typeface="+mn-cs"/>
               </a:rPr>
-              <a:t>Để mở rộng chỉ cần tăng số lượng node trên cluster.</a:t>
-            </a:r>
-          </a:p>
-          <a:p>
-            <a:pPr marL="342900" indent="-342900">
-              <a:buFont typeface="Arial" panose="020B0604020202020204" pitchFamily="34" charset="0"/>
-              <a:buChar char="•"/>
-            </a:pPr>
-            <a:r>
-              <a:rPr lang="vi-VN" sz="2400" kern="1200" dirty="0" smtClean="0">
-                <a:solidFill>
-                  <a:schemeClr val="bg1"/>
-                </a:solidFill>
+              <a:t> has a </a:t>
+            </a:r>
+            <a:r>
+              <a:rPr lang="en-US" sz="1200" b="1" i="1" kern="1200" dirty="0" smtClean="0">
+                <a:solidFill>
+                  <a:schemeClr val="tx1"/>
+                </a:solidFill>
+                <a:effectLst/>
                 <a:latin typeface="+mn-lt"/>
                 <a:ea typeface="+mn-ea"/>
                 <a:cs typeface="+mn-cs"/>
               </a:rPr>
-              <a:t>Tạo bản sao(Replication)</a:t>
-            </a:r>
-          </a:p>
-          <a:p>
-            <a:pPr marL="800100" lvl="1" indent="-342900">
-              <a:buFont typeface="Wingdings" panose="05000000000000000000" pitchFamily="2" charset="2"/>
-              <a:buChar char="ü"/>
-            </a:pPr>
-            <a:r>
-              <a:rPr lang="vi-VN" sz="2400" kern="1200" dirty="0" smtClean="0">
-                <a:solidFill>
-                  <a:schemeClr val="bg1"/>
-                </a:solidFill>
-                <a:latin typeface="+mn-lt"/>
-                <a:ea typeface="+mn-ea"/>
-                <a:cs typeface="+mn-cs"/>
-              </a:rPr>
-              <a:t>Data khi được lưu xuống node sẽ tạo bản sao ở một số node khác, nên khi xảy ra lỗi vẫn tồn tại data ở node backup để truy xuất.</a:t>
-            </a:r>
-          </a:p>
-          <a:p>
+              <a:t>master-based</a:t>
+            </a:r>
             <a:endParaRPr lang="en-US" dirty="0"/>
           </a:p>
         </p:txBody>
@@ -4107,7 +4191,7 @@
           <a:p>
             <a:fld id="{60DB96F3-AB3B-4A44-870F-2FBB5484A874}" type="slidenum">
               <a:rPr lang="en-PH" smtClean="0"/>
-              <a:t>15</a:t>
+              <a:t>16</a:t>
             </a:fld>
             <a:endParaRPr lang="en-PH"/>
           </a:p>
@@ -4116,7 +4200,7 @@
     </p:spTree>
     <p:extLst>
       <p:ext uri="{BB962C8B-B14F-4D97-AF65-F5344CB8AC3E}">
-        <p14:creationId xmlns:p14="http://schemas.microsoft.com/office/powerpoint/2010/main" val="2203335354"/>
+        <p14:creationId xmlns:p14="http://schemas.microsoft.com/office/powerpoint/2010/main" val="2158067026"/>
       </p:ext>
     </p:extLst>
   </p:cSld>
@@ -4170,90 +4254,6 @@
           <a:bodyPr/>
           <a:lstStyle/>
           <a:p>
-            <a:r>
-              <a:rPr lang="en-US" sz="1200" b="1" i="1" kern="1200" dirty="0" smtClean="0">
-                <a:solidFill>
-                  <a:schemeClr val="tx1"/>
-                </a:solidFill>
-                <a:effectLst/>
-                <a:latin typeface="+mn-lt"/>
-                <a:ea typeface="+mn-ea"/>
-                <a:cs typeface="+mn-cs"/>
-              </a:rPr>
-              <a:t>Cassandra</a:t>
-            </a:r>
-            <a:r>
-              <a:rPr lang="en-US" sz="1200" b="0" i="0" kern="1200" dirty="0" smtClean="0">
-                <a:solidFill>
-                  <a:schemeClr val="tx1"/>
-                </a:solidFill>
-                <a:effectLst/>
-                <a:latin typeface="+mn-lt"/>
-                <a:ea typeface="+mn-ea"/>
-                <a:cs typeface="+mn-cs"/>
-              </a:rPr>
-              <a:t> has a </a:t>
-            </a:r>
-            <a:r>
-              <a:rPr lang="en-US" sz="1200" b="1" i="1" kern="1200" dirty="0" err="1" smtClean="0">
-                <a:solidFill>
-                  <a:schemeClr val="tx1"/>
-                </a:solidFill>
-                <a:effectLst/>
-                <a:latin typeface="+mn-lt"/>
-                <a:ea typeface="+mn-ea"/>
-                <a:cs typeface="+mn-cs"/>
-              </a:rPr>
-              <a:t>masterless</a:t>
-            </a:r>
-            <a:r>
-              <a:rPr lang="en-US" sz="1200" b="0" i="0" kern="1200" dirty="0" smtClean="0">
-                <a:solidFill>
-                  <a:schemeClr val="tx1"/>
-                </a:solidFill>
-                <a:effectLst/>
-                <a:latin typeface="+mn-lt"/>
-                <a:ea typeface="+mn-ea"/>
-                <a:cs typeface="+mn-cs"/>
-              </a:rPr>
-              <a:t> architecture, while </a:t>
-            </a:r>
-            <a:r>
-              <a:rPr lang="en-US" sz="1200" b="1" i="1" kern="1200" dirty="0" err="1" smtClean="0">
-                <a:solidFill>
-                  <a:schemeClr val="tx1"/>
-                </a:solidFill>
-                <a:effectLst/>
-                <a:latin typeface="+mn-lt"/>
-                <a:ea typeface="+mn-ea"/>
-                <a:cs typeface="+mn-cs"/>
-              </a:rPr>
-              <a:t>HBase</a:t>
-            </a:r>
-            <a:r>
-              <a:rPr lang="en-US" sz="1200" b="0" i="0" kern="1200" dirty="0" smtClean="0">
-                <a:solidFill>
-                  <a:schemeClr val="tx1"/>
-                </a:solidFill>
-                <a:effectLst/>
-                <a:latin typeface="+mn-lt"/>
-                <a:ea typeface="+mn-ea"/>
-                <a:cs typeface="+mn-cs"/>
-              </a:rPr>
-              <a:t> has a </a:t>
-            </a:r>
-            <a:r>
-              <a:rPr lang="en-US" sz="1200" b="1" i="1" kern="1200" dirty="0" smtClean="0">
-                <a:solidFill>
-                  <a:schemeClr val="tx1"/>
-                </a:solidFill>
-                <a:effectLst/>
-                <a:latin typeface="+mn-lt"/>
-                <a:ea typeface="+mn-ea"/>
-                <a:cs typeface="+mn-cs"/>
-              </a:rPr>
-              <a:t>master-based</a:t>
-            </a:r>
             <a:endParaRPr lang="en-US" dirty="0"/>
           </a:p>
         </p:txBody>
@@ -4275,7 +4275,7 @@
           <a:p>
             <a:fld id="{60DB96F3-AB3B-4A44-870F-2FBB5484A874}" type="slidenum">
               <a:rPr lang="en-PH" smtClean="0"/>
-              <a:t>17</a:t>
+              <a:t>19</a:t>
             </a:fld>
             <a:endParaRPr lang="en-PH"/>
           </a:p>
@@ -4284,7 +4284,7 @@
     </p:spTree>
     <p:extLst>
       <p:ext uri="{BB962C8B-B14F-4D97-AF65-F5344CB8AC3E}">
-        <p14:creationId xmlns:p14="http://schemas.microsoft.com/office/powerpoint/2010/main" val="2158067026"/>
+        <p14:creationId xmlns:p14="http://schemas.microsoft.com/office/powerpoint/2010/main" val="2202912088"/>
       </p:ext>
     </p:extLst>
   </p:cSld>
@@ -4368,7 +4368,7 @@
     </p:spTree>
     <p:extLst>
       <p:ext uri="{BB962C8B-B14F-4D97-AF65-F5344CB8AC3E}">
-        <p14:creationId xmlns:p14="http://schemas.microsoft.com/office/powerpoint/2010/main" val="2202912088"/>
+        <p14:creationId xmlns:p14="http://schemas.microsoft.com/office/powerpoint/2010/main" val="2146258145"/>
       </p:ext>
     </p:extLst>
   </p:cSld>
@@ -4452,7 +4452,7 @@
     </p:spTree>
     <p:extLst>
       <p:ext uri="{BB962C8B-B14F-4D97-AF65-F5344CB8AC3E}">
-        <p14:creationId xmlns:p14="http://schemas.microsoft.com/office/powerpoint/2010/main" val="2146258145"/>
+        <p14:creationId xmlns:p14="http://schemas.microsoft.com/office/powerpoint/2010/main" val="3566658617"/>
       </p:ext>
     </p:extLst>
   </p:cSld>
@@ -4536,7 +4536,7 @@
     </p:spTree>
     <p:extLst>
       <p:ext uri="{BB962C8B-B14F-4D97-AF65-F5344CB8AC3E}">
-        <p14:creationId xmlns:p14="http://schemas.microsoft.com/office/powerpoint/2010/main" val="3566658617"/>
+        <p14:creationId xmlns:p14="http://schemas.microsoft.com/office/powerpoint/2010/main" val="1686495940"/>
       </p:ext>
     </p:extLst>
   </p:cSld>
@@ -6074,7 +6074,7 @@
     </p:spTree>
     <p:extLst>
       <p:ext uri="{BB962C8B-B14F-4D97-AF65-F5344CB8AC3E}">
-        <p14:creationId xmlns:p14="http://schemas.microsoft.com/office/powerpoint/2010/main" val="1686495940"/>
+        <p14:creationId xmlns:p14="http://schemas.microsoft.com/office/powerpoint/2010/main" val="721076940"/>
       </p:ext>
     </p:extLst>
   </p:cSld>
@@ -10217,6 +10217,16 @@
               <a:buChar char="q"/>
             </a:pPr>
             <a:r>
+              <a:rPr lang="en-US" sz="3200" b="1" dirty="0" err="1" smtClean="0">
+                <a:solidFill>
+                  <a:schemeClr val="bg1"/>
+                </a:solidFill>
+                <a:latin typeface="Times New Roman" panose="02020603050405020304" pitchFamily="18" charset="0"/>
+                <a:cs typeface="Times New Roman" panose="02020603050405020304" pitchFamily="18" charset="0"/>
+              </a:rPr>
+              <a:t>Kiến</a:t>
+            </a:r>
+            <a:r>
               <a:rPr lang="en-US" sz="3200" b="1" dirty="0" smtClean="0">
                 <a:solidFill>
                   <a:schemeClr val="bg1"/>
@@ -10224,7 +10234,7 @@
                 <a:latin typeface="Times New Roman" panose="02020603050405020304" pitchFamily="18" charset="0"/>
                 <a:cs typeface="Times New Roman" panose="02020603050405020304" pitchFamily="18" charset="0"/>
               </a:rPr>
-              <a:t>So </a:t>
+              <a:t> </a:t>
             </a:r>
             <a:r>
               <a:rPr lang="en-US" sz="3200" b="1" dirty="0" err="1" smtClean="0">
@@ -10234,7 +10244,7 @@
                 <a:latin typeface="Times New Roman" panose="02020603050405020304" pitchFamily="18" charset="0"/>
                 <a:cs typeface="Times New Roman" panose="02020603050405020304" pitchFamily="18" charset="0"/>
               </a:rPr>
-              <a:t>sánh</a:t>
+              <a:t>trúc</a:t>
             </a:r>
             <a:r>
               <a:rPr lang="en-US" sz="3200" b="1" dirty="0" smtClean="0">
@@ -10255,26 +10265,6 @@
                 <a:cs typeface="Times New Roman" panose="02020603050405020304" pitchFamily="18" charset="0"/>
               </a:rPr>
               <a:t>HBase</a:t>
-            </a:r>
-            <a:r>
-              <a:rPr lang="en-US" sz="3200" b="1" dirty="0" smtClean="0">
-                <a:solidFill>
-                  <a:schemeClr val="bg1"/>
-                </a:solidFill>
-                <a:latin typeface="Times New Roman" panose="02020603050405020304" pitchFamily="18" charset="0"/>
-                <a:cs typeface="Times New Roman" panose="02020603050405020304" pitchFamily="18" charset="0"/>
-              </a:rPr>
-              <a:t> vs </a:t>
-            </a:r>
-            <a:r>
-              <a:rPr lang="en-US" sz="3200" b="1" dirty="0">
-                <a:solidFill>
-                  <a:schemeClr val="bg1"/>
-                </a:solidFill>
-                <a:latin typeface="Times New Roman" panose="02020603050405020304" pitchFamily="18" charset="0"/>
-                <a:cs typeface="Times New Roman" panose="02020603050405020304" pitchFamily="18" charset="0"/>
-              </a:rPr>
-              <a:t>RDBMS</a:t>
             </a:r>
             <a:endParaRPr lang="en-US" sz="3200" b="1" dirty="0" smtClean="0">
               <a:solidFill>
@@ -10286,34 +10276,201 @@
           </a:p>
         </p:txBody>
       </p:sp>
+      <p:sp>
+        <p:nvSpPr>
+          <p:cNvPr id="12" name="TextBox 11"/>
+          <p:cNvSpPr txBox="1"/>
+          <p:nvPr/>
+        </p:nvSpPr>
+        <p:spPr>
+          <a:xfrm>
+            <a:off x="7848600" y="1582116"/>
+            <a:ext cx="3810000" cy="1815882"/>
+          </a:xfrm>
+          <a:prstGeom prst="rect">
+            <a:avLst/>
+          </a:prstGeom>
+          <a:noFill/>
+        </p:spPr>
+        <p:txBody>
+          <a:bodyPr wrap="square" rtlCol="0">
+            <a:spAutoFit/>
+          </a:bodyPr>
+          <a:lstStyle/>
+          <a:p>
+            <a:r>
+              <a:rPr lang="en-US" sz="2800" dirty="0" smtClean="0">
+                <a:solidFill>
+                  <a:schemeClr val="bg1"/>
+                </a:solidFill>
+                <a:latin typeface="Times New Roman" panose="02020603050405020304" pitchFamily="18" charset="0"/>
+                <a:cs typeface="Times New Roman" panose="02020603050405020304" pitchFamily="18" charset="0"/>
+              </a:rPr>
+              <a:t>Ba </a:t>
+            </a:r>
+            <a:r>
+              <a:rPr lang="en-US" sz="2800" dirty="0" err="1" smtClean="0">
+                <a:solidFill>
+                  <a:schemeClr val="bg1"/>
+                </a:solidFill>
+                <a:latin typeface="Times New Roman" panose="02020603050405020304" pitchFamily="18" charset="0"/>
+                <a:cs typeface="Times New Roman" panose="02020603050405020304" pitchFamily="18" charset="0"/>
+              </a:rPr>
+              <a:t>thành</a:t>
+            </a:r>
+            <a:r>
+              <a:rPr lang="en-US" sz="2800" dirty="0" smtClean="0">
+                <a:solidFill>
+                  <a:schemeClr val="bg1"/>
+                </a:solidFill>
+                <a:latin typeface="Times New Roman" panose="02020603050405020304" pitchFamily="18" charset="0"/>
+                <a:cs typeface="Times New Roman" panose="02020603050405020304" pitchFamily="18" charset="0"/>
+              </a:rPr>
+              <a:t> </a:t>
+            </a:r>
+            <a:r>
+              <a:rPr lang="en-US" sz="2800" dirty="0" err="1" smtClean="0">
+                <a:solidFill>
+                  <a:schemeClr val="bg1"/>
+                </a:solidFill>
+                <a:latin typeface="Times New Roman" panose="02020603050405020304" pitchFamily="18" charset="0"/>
+                <a:cs typeface="Times New Roman" panose="02020603050405020304" pitchFamily="18" charset="0"/>
+              </a:rPr>
+              <a:t>phần</a:t>
+            </a:r>
+            <a:r>
+              <a:rPr lang="en-US" sz="2800" dirty="0" smtClean="0">
+                <a:solidFill>
+                  <a:schemeClr val="bg1"/>
+                </a:solidFill>
+                <a:latin typeface="Times New Roman" panose="02020603050405020304" pitchFamily="18" charset="0"/>
+                <a:cs typeface="Times New Roman" panose="02020603050405020304" pitchFamily="18" charset="0"/>
+              </a:rPr>
+              <a:t> </a:t>
+            </a:r>
+            <a:r>
+              <a:rPr lang="en-US" sz="2800" dirty="0" err="1" smtClean="0">
+                <a:solidFill>
+                  <a:schemeClr val="bg1"/>
+                </a:solidFill>
+                <a:latin typeface="Times New Roman" panose="02020603050405020304" pitchFamily="18" charset="0"/>
+                <a:cs typeface="Times New Roman" panose="02020603050405020304" pitchFamily="18" charset="0"/>
+              </a:rPr>
+              <a:t>chính</a:t>
+            </a:r>
+            <a:r>
+              <a:rPr lang="en-US" sz="2800" dirty="0" smtClean="0">
+                <a:solidFill>
+                  <a:schemeClr val="bg1"/>
+                </a:solidFill>
+                <a:latin typeface="Times New Roman" panose="02020603050405020304" pitchFamily="18" charset="0"/>
+                <a:cs typeface="Times New Roman" panose="02020603050405020304" pitchFamily="18" charset="0"/>
+              </a:rPr>
+              <a:t>:</a:t>
+            </a:r>
+          </a:p>
+          <a:p>
+            <a:pPr marL="914400" lvl="1" indent="-457200">
+              <a:buFont typeface="Wingdings" panose="05000000000000000000" pitchFamily="2" charset="2"/>
+              <a:buChar char="ü"/>
+            </a:pPr>
+            <a:r>
+              <a:rPr lang="en-US" sz="2800" dirty="0">
+                <a:solidFill>
+                  <a:schemeClr val="bg1"/>
+                </a:solidFill>
+                <a:latin typeface="Times New Roman" panose="02020603050405020304" pitchFamily="18" charset="0"/>
+                <a:cs typeface="Times New Roman" panose="02020603050405020304" pitchFamily="18" charset="0"/>
+              </a:rPr>
+              <a:t>Master</a:t>
+            </a:r>
+          </a:p>
+          <a:p>
+            <a:pPr marL="914400" lvl="1" indent="-457200">
+              <a:buFont typeface="Wingdings" panose="05000000000000000000" pitchFamily="2" charset="2"/>
+              <a:buChar char="ü"/>
+            </a:pPr>
+            <a:r>
+              <a:rPr lang="en-US" sz="2800" dirty="0" err="1">
+                <a:solidFill>
+                  <a:schemeClr val="bg1"/>
+                </a:solidFill>
+                <a:latin typeface="Times New Roman" panose="02020603050405020304" pitchFamily="18" charset="0"/>
+                <a:cs typeface="Times New Roman" panose="02020603050405020304" pitchFamily="18" charset="0"/>
+              </a:rPr>
+              <a:t>RegionServers</a:t>
+            </a:r>
+            <a:endParaRPr lang="en-US" sz="2800" dirty="0">
+              <a:solidFill>
+                <a:schemeClr val="bg1"/>
+              </a:solidFill>
+              <a:latin typeface="Times New Roman" panose="02020603050405020304" pitchFamily="18" charset="0"/>
+              <a:cs typeface="Times New Roman" panose="02020603050405020304" pitchFamily="18" charset="0"/>
+            </a:endParaRPr>
+          </a:p>
+          <a:p>
+            <a:pPr marL="914400" lvl="1" indent="-457200">
+              <a:buFont typeface="Wingdings" panose="05000000000000000000" pitchFamily="2" charset="2"/>
+              <a:buChar char="ü"/>
+            </a:pPr>
+            <a:r>
+              <a:rPr lang="en-US" sz="2800" dirty="0">
+                <a:solidFill>
+                  <a:schemeClr val="bg1"/>
+                </a:solidFill>
+                <a:latin typeface="Times New Roman" panose="02020603050405020304" pitchFamily="18" charset="0"/>
+                <a:cs typeface="Times New Roman" panose="02020603050405020304" pitchFamily="18" charset="0"/>
+              </a:rPr>
+              <a:t>Zookeeper</a:t>
+            </a:r>
+          </a:p>
+        </p:txBody>
+      </p:sp>
       <p:pic>
         <p:nvPicPr>
-          <p:cNvPr id="2" name="Picture 1"/>
+          <p:cNvPr id="1026" name="Picture 2" descr="Không có mô tả."/>
           <p:cNvPicPr>
-            <a:picLocks noChangeAspect="1"/>
+            <a:picLocks noChangeAspect="1" noChangeArrowheads="1"/>
           </p:cNvPicPr>
           <p:nvPr/>
         </p:nvPicPr>
         <p:blipFill>
-          <a:blip r:embed="rId3"/>
+          <a:blip r:embed="rId3">
+            <a:extLst>
+              <a:ext uri="{28A0092B-C50C-407E-A947-70E740481C1C}">
+                <a14:useLocalDpi xmlns:a14="http://schemas.microsoft.com/office/drawing/2010/main" val="0"/>
+              </a:ext>
+            </a:extLst>
+          </a:blip>
+          <a:srcRect/>
           <a:stretch>
             <a:fillRect/>
           </a:stretch>
         </p:blipFill>
-        <p:spPr>
+        <p:spPr bwMode="auto">
           <a:xfrm>
-            <a:off x="1547644" y="1558691"/>
-            <a:ext cx="9300156" cy="3028950"/>
+            <a:off x="762000" y="1595971"/>
+            <a:ext cx="6867525" cy="4200526"/>
           </a:xfrm>
           <a:prstGeom prst="rect">
             <a:avLst/>
           </a:prstGeom>
+          <a:noFill/>
+          <a:extLst>
+            <a:ext uri="{909E8E84-426E-40DD-AFC4-6F175D3DCCD1}">
+              <a14:hiddenFill xmlns:a14="http://schemas.microsoft.com/office/drawing/2010/main">
+                <a:solidFill>
+                  <a:srgbClr val="FFFFFF"/>
+                </a:solidFill>
+              </a14:hiddenFill>
+            </a:ext>
+          </a:extLst>
         </p:spPr>
       </p:pic>
     </p:spTree>
     <p:extLst>
       <p:ext uri="{BB962C8B-B14F-4D97-AF65-F5344CB8AC3E}">
-        <p14:creationId xmlns:p14="http://schemas.microsoft.com/office/powerpoint/2010/main" val="616575611"/>
+        <p14:creationId xmlns:p14="http://schemas.microsoft.com/office/powerpoint/2010/main" val="1358247598"/>
       </p:ext>
     </p:extLst>
   </p:cSld>
@@ -10323,9 +10480,129 @@
   <p:timing>
     <p:tnLst>
       <p:par>
-        <p:cTn id="1" dur="indefinite" restart="never" nodeType="tmRoot"/>
+        <p:cTn id="1" dur="indefinite" restart="never" nodeType="tmRoot">
+          <p:childTnLst>
+            <p:seq concurrent="1" nextAc="seek">
+              <p:cTn id="2" dur="indefinite" nodeType="mainSeq">
+                <p:childTnLst>
+                  <p:par>
+                    <p:cTn id="3" fill="hold">
+                      <p:stCondLst>
+                        <p:cond delay="indefinite"/>
+                        <p:cond evt="onBegin" delay="0">
+                          <p:tn val="2"/>
+                        </p:cond>
+                      </p:stCondLst>
+                      <p:childTnLst>
+                        <p:par>
+                          <p:cTn id="4" fill="hold">
+                            <p:stCondLst>
+                              <p:cond delay="0"/>
+                            </p:stCondLst>
+                            <p:childTnLst>
+                              <p:par>
+                                <p:cTn id="5" presetID="2" presetClass="entr" presetSubtype="4" fill="hold" grpId="0" nodeType="withEffect">
+                                  <p:stCondLst>
+                                    <p:cond delay="0"/>
+                                  </p:stCondLst>
+                                  <p:childTnLst>
+                                    <p:set>
+                                      <p:cBhvr>
+                                        <p:cTn id="6" dur="1" fill="hold">
+                                          <p:stCondLst>
+                                            <p:cond delay="0"/>
+                                          </p:stCondLst>
+                                        </p:cTn>
+                                        <p:tgtEl>
+                                          <p:spTgt spid="12"/>
+                                        </p:tgtEl>
+                                        <p:attrNameLst>
+                                          <p:attrName>style.visibility</p:attrName>
+                                        </p:attrNameLst>
+                                      </p:cBhvr>
+                                      <p:to>
+                                        <p:strVal val="visible"/>
+                                      </p:to>
+                                    </p:set>
+                                    <p:anim calcmode="lin" valueType="num">
+                                      <p:cBhvr additive="base">
+                                        <p:cTn id="7" dur="500" fill="hold"/>
+                                        <p:tgtEl>
+                                          <p:spTgt spid="12"/>
+                                        </p:tgtEl>
+                                        <p:attrNameLst>
+                                          <p:attrName>ppt_x</p:attrName>
+                                        </p:attrNameLst>
+                                      </p:cBhvr>
+                                      <p:tavLst>
+                                        <p:tav tm="0">
+                                          <p:val>
+                                            <p:strVal val="#ppt_x"/>
+                                          </p:val>
+                                        </p:tav>
+                                        <p:tav tm="100000">
+                                          <p:val>
+                                            <p:strVal val="#ppt_x"/>
+                                          </p:val>
+                                        </p:tav>
+                                      </p:tavLst>
+                                    </p:anim>
+                                    <p:anim calcmode="lin" valueType="num">
+                                      <p:cBhvr additive="base">
+                                        <p:cTn id="8" dur="500" fill="hold"/>
+                                        <p:tgtEl>
+                                          <p:spTgt spid="12"/>
+                                        </p:tgtEl>
+                                        <p:attrNameLst>
+                                          <p:attrName>ppt_y</p:attrName>
+                                        </p:attrNameLst>
+                                      </p:cBhvr>
+                                      <p:tavLst>
+                                        <p:tav tm="0">
+                                          <p:val>
+                                            <p:strVal val="1+#ppt_h/2"/>
+                                          </p:val>
+                                        </p:tav>
+                                        <p:tav tm="100000">
+                                          <p:val>
+                                            <p:strVal val="#ppt_y"/>
+                                          </p:val>
+                                        </p:tav>
+                                      </p:tavLst>
+                                    </p:anim>
+                                  </p:childTnLst>
+                                </p:cTn>
+                              </p:par>
+                            </p:childTnLst>
+                          </p:cTn>
+                        </p:par>
+                      </p:childTnLst>
+                    </p:cTn>
+                  </p:par>
+                </p:childTnLst>
+              </p:cTn>
+              <p:prevCondLst>
+                <p:cond evt="onPrev" delay="0">
+                  <p:tgtEl>
+                    <p:sldTgt/>
+                  </p:tgtEl>
+                </p:cond>
+              </p:prevCondLst>
+              <p:nextCondLst>
+                <p:cond evt="onNext" delay="0">
+                  <p:tgtEl>
+                    <p:sldTgt/>
+                  </p:tgtEl>
+                </p:cond>
+              </p:nextCondLst>
+            </p:seq>
+          </p:childTnLst>
+        </p:cTn>
       </p:par>
     </p:tnLst>
+    <p:bldLst>
+      <p:bldP spid="12" grpId="0"/>
+    </p:bldLst>
   </p:timing>
 </p:sld>
 </file>
@@ -10832,7 +11109,7 @@
         </p:nvSpPr>
         <p:spPr>
           <a:xfrm>
-            <a:off x="609600" y="944158"/>
+            <a:off x="609600" y="914400"/>
             <a:ext cx="10515600" cy="584775"/>
           </a:xfrm>
           <a:prstGeom prst="rect">
@@ -10858,7 +11135,7 @@
                 <a:latin typeface="Times New Roman" panose="02020603050405020304" pitchFamily="18" charset="0"/>
                 <a:cs typeface="Times New Roman" panose="02020603050405020304" pitchFamily="18" charset="0"/>
               </a:rPr>
-              <a:t>Kiến</a:t>
+              <a:t>Đường</a:t>
             </a:r>
             <a:r>
               <a:rPr lang="en-US" sz="3200" b="1" dirty="0" smtClean="0">
@@ -10868,53 +11145,16 @@
                 <a:latin typeface="Times New Roman" panose="02020603050405020304" pitchFamily="18" charset="0"/>
                 <a:cs typeface="Times New Roman" panose="02020603050405020304" pitchFamily="18" charset="0"/>
               </a:rPr>
-              <a:t> </a:t>
-            </a:r>
-            <a:r>
-              <a:rPr lang="en-US" sz="3200" b="1" dirty="0" err="1" smtClean="0">
-                <a:solidFill>
-                  <a:schemeClr val="bg1"/>
-                </a:solidFill>
-                <a:latin typeface="Times New Roman" panose="02020603050405020304" pitchFamily="18" charset="0"/>
-                <a:cs typeface="Times New Roman" panose="02020603050405020304" pitchFamily="18" charset="0"/>
-              </a:rPr>
-              <a:t>trúc</a:t>
-            </a:r>
-            <a:r>
-              <a:rPr lang="en-US" sz="3200" b="1" dirty="0" smtClean="0">
-                <a:solidFill>
-                  <a:schemeClr val="bg1"/>
-                </a:solidFill>
-                <a:latin typeface="Times New Roman" panose="02020603050405020304" pitchFamily="18" charset="0"/>
-                <a:cs typeface="Times New Roman" panose="02020603050405020304" pitchFamily="18" charset="0"/>
-              </a:rPr>
-              <a:t> </a:t>
-            </a:r>
-            <a:r>
-              <a:rPr lang="en-US" sz="3200" b="1" dirty="0" err="1" smtClean="0">
-                <a:solidFill>
-                  <a:schemeClr val="bg1"/>
-                </a:solidFill>
-                <a:latin typeface="Times New Roman" panose="02020603050405020304" pitchFamily="18" charset="0"/>
-                <a:cs typeface="Times New Roman" panose="02020603050405020304" pitchFamily="18" charset="0"/>
-              </a:rPr>
-              <a:t>HBase</a:t>
-            </a:r>
-            <a:endParaRPr lang="en-US" sz="3200" b="1" dirty="0" smtClean="0">
-              <a:solidFill>
-                <a:schemeClr val="bg1"/>
-              </a:solidFill>
-              <a:latin typeface="Times New Roman" panose="02020603050405020304" pitchFamily="18" charset="0"/>
-              <a:cs typeface="Times New Roman" panose="02020603050405020304" pitchFamily="18" charset="0"/>
-            </a:endParaRPr>
+              <a:t> đi của data</a:t>
+            </a:r>
           </a:p>
         </p:txBody>
       </p:sp>
       <p:pic>
         <p:nvPicPr>
-          <p:cNvPr id="9" name="Picture 8"/>
+          <p:cNvPr id="3074" name="Picture 2" descr="HBase Write Mechanism - HBase Architecture - Edureka"/>
           <p:cNvPicPr>
-            <a:picLocks noChangeAspect="1"/>
+            <a:picLocks noChangeAspect="1" noChangeArrowheads="1"/>
           </p:cNvPicPr>
           <p:nvPr/>
         </p:nvPicPr>
@@ -10926,154 +11166,35 @@
               </a:ext>
             </a:extLst>
           </a:blip>
+          <a:srcRect/>
           <a:stretch>
             <a:fillRect/>
           </a:stretch>
         </p:blipFill>
-        <p:spPr>
+        <p:spPr bwMode="auto">
           <a:xfrm>
-            <a:off x="762000" y="1528933"/>
-            <a:ext cx="6643822" cy="4967197"/>
-          </a:xfrm>
-          <a:prstGeom prst="rect">
-            <a:avLst/>
-          </a:prstGeom>
-        </p:spPr>
-      </p:pic>
-      <p:sp>
-        <p:nvSpPr>
-          <p:cNvPr id="12" name="TextBox 11"/>
-          <p:cNvSpPr txBox="1"/>
-          <p:nvPr/>
-        </p:nvSpPr>
-        <p:spPr>
-          <a:xfrm>
-            <a:off x="7848600" y="1582116"/>
-            <a:ext cx="3810000" cy="1815882"/>
+            <a:off x="1562100" y="1676400"/>
+            <a:ext cx="8851360" cy="4523305"/>
           </a:xfrm>
           <a:prstGeom prst="rect">
             <a:avLst/>
           </a:prstGeom>
           <a:noFill/>
+          <a:extLst>
+            <a:ext uri="{909E8E84-426E-40DD-AFC4-6F175D3DCCD1}">
+              <a14:hiddenFill xmlns:a14="http://schemas.microsoft.com/office/drawing/2010/main">
+                <a:solidFill>
+                  <a:srgbClr val="FFFFFF"/>
+                </a:solidFill>
+              </a14:hiddenFill>
+            </a:ext>
+          </a:extLst>
         </p:spPr>
-        <p:txBody>
-          <a:bodyPr wrap="square" rtlCol="0">
-            <a:spAutoFit/>
-          </a:bodyPr>
-          <a:lstStyle/>
-          <a:p>
-            <a:r>
-              <a:rPr lang="en-US" sz="2800" dirty="0" smtClean="0">
-                <a:solidFill>
-                  <a:schemeClr val="bg1"/>
-                </a:solidFill>
-                <a:latin typeface="Times New Roman" panose="02020603050405020304" pitchFamily="18" charset="0"/>
-                <a:cs typeface="Times New Roman" panose="02020603050405020304" pitchFamily="18" charset="0"/>
-              </a:rPr>
-              <a:t>Ba </a:t>
-            </a:r>
-            <a:r>
-              <a:rPr lang="en-US" sz="2800" dirty="0" err="1" smtClean="0">
-                <a:solidFill>
-                  <a:schemeClr val="bg1"/>
-                </a:solidFill>
-                <a:latin typeface="Times New Roman" panose="02020603050405020304" pitchFamily="18" charset="0"/>
-                <a:cs typeface="Times New Roman" panose="02020603050405020304" pitchFamily="18" charset="0"/>
-              </a:rPr>
-              <a:t>thành</a:t>
-            </a:r>
-            <a:r>
-              <a:rPr lang="en-US" sz="2800" dirty="0" smtClean="0">
-                <a:solidFill>
-                  <a:schemeClr val="bg1"/>
-                </a:solidFill>
-                <a:latin typeface="Times New Roman" panose="02020603050405020304" pitchFamily="18" charset="0"/>
-                <a:cs typeface="Times New Roman" panose="02020603050405020304" pitchFamily="18" charset="0"/>
-              </a:rPr>
-              <a:t> </a:t>
-            </a:r>
-            <a:r>
-              <a:rPr lang="en-US" sz="2800" dirty="0" err="1" smtClean="0">
-                <a:solidFill>
-                  <a:schemeClr val="bg1"/>
-                </a:solidFill>
-                <a:latin typeface="Times New Roman" panose="02020603050405020304" pitchFamily="18" charset="0"/>
-                <a:cs typeface="Times New Roman" panose="02020603050405020304" pitchFamily="18" charset="0"/>
-              </a:rPr>
-              <a:t>phần</a:t>
-            </a:r>
-            <a:r>
-              <a:rPr lang="en-US" sz="2800" dirty="0" smtClean="0">
-                <a:solidFill>
-                  <a:schemeClr val="bg1"/>
-                </a:solidFill>
-                <a:latin typeface="Times New Roman" panose="02020603050405020304" pitchFamily="18" charset="0"/>
-                <a:cs typeface="Times New Roman" panose="02020603050405020304" pitchFamily="18" charset="0"/>
-              </a:rPr>
-              <a:t> chỉnh:</a:t>
-            </a:r>
-          </a:p>
-          <a:p>
-            <a:pPr marL="914400" lvl="1" indent="-457200">
-              <a:buFont typeface="Wingdings" panose="05000000000000000000" pitchFamily="2" charset="2"/>
-              <a:buChar char="ü"/>
-            </a:pPr>
-            <a:r>
-              <a:rPr lang="en-US" sz="2800" dirty="0">
-                <a:solidFill>
-                  <a:schemeClr val="bg1"/>
-                </a:solidFill>
-                <a:latin typeface="Times New Roman" panose="02020603050405020304" pitchFamily="18" charset="0"/>
-                <a:cs typeface="Times New Roman" panose="02020603050405020304" pitchFamily="18" charset="0"/>
-              </a:rPr>
-              <a:t>Master</a:t>
-            </a:r>
-          </a:p>
-          <a:p>
-            <a:pPr marL="914400" lvl="1" indent="-457200">
-              <a:buFont typeface="Wingdings" panose="05000000000000000000" pitchFamily="2" charset="2"/>
-              <a:buChar char="ü"/>
-            </a:pPr>
-            <a:r>
-              <a:rPr lang="en-US" sz="2800" dirty="0" err="1">
-                <a:solidFill>
-                  <a:schemeClr val="bg1"/>
-                </a:solidFill>
-                <a:latin typeface="Times New Roman" panose="02020603050405020304" pitchFamily="18" charset="0"/>
-                <a:cs typeface="Times New Roman" panose="02020603050405020304" pitchFamily="18" charset="0"/>
-              </a:rPr>
-              <a:t>RegionServers</a:t>
-            </a:r>
-            <a:endParaRPr lang="en-US" sz="2800" dirty="0">
-              <a:solidFill>
-                <a:schemeClr val="bg1"/>
-              </a:solidFill>
-              <a:latin typeface="Times New Roman" panose="02020603050405020304" pitchFamily="18" charset="0"/>
-              <a:cs typeface="Times New Roman" panose="02020603050405020304" pitchFamily="18" charset="0"/>
-            </a:endParaRPr>
-          </a:p>
-          <a:p>
-            <a:pPr marL="914400" lvl="1" indent="-457200">
-              <a:buFont typeface="Wingdings" panose="05000000000000000000" pitchFamily="2" charset="2"/>
-              <a:buChar char="ü"/>
-            </a:pPr>
-            <a:r>
-              <a:rPr lang="en-US" sz="2800" dirty="0">
-                <a:solidFill>
-                  <a:schemeClr val="bg1"/>
-                </a:solidFill>
-                <a:latin typeface="Times New Roman" panose="02020603050405020304" pitchFamily="18" charset="0"/>
-                <a:cs typeface="Times New Roman" panose="02020603050405020304" pitchFamily="18" charset="0"/>
-              </a:rPr>
-              <a:t>Zookeeper</a:t>
-            </a:r>
-          </a:p>
-        </p:txBody>
-      </p:sp>
+      </p:pic>
     </p:spTree>
     <p:extLst>
       <p:ext uri="{BB962C8B-B14F-4D97-AF65-F5344CB8AC3E}">
-        <p14:creationId xmlns:p14="http://schemas.microsoft.com/office/powerpoint/2010/main" val="1358247598"/>
+        <p14:creationId xmlns:p14="http://schemas.microsoft.com/office/powerpoint/2010/main" val="940149745"/>
       </p:ext>
     </p:extLst>
   </p:cSld>
@@ -11083,164 +11204,9 @@
   <p:timing>
     <p:tnLst>
       <p:par>
-        <p:cTn id="1" dur="indefinite" restart="never" nodeType="tmRoot">
-          <p:childTnLst>
-            <p:seq concurrent="1" nextAc="seek">
-              <p:cTn id="2" dur="indefinite" nodeType="mainSeq">
-                <p:childTnLst>
-                  <p:par>
-                    <p:cTn id="3" fill="hold">
-                      <p:stCondLst>
-                        <p:cond delay="indefinite"/>
-                        <p:cond evt="onBegin" delay="0">
-                          <p:tn val="2"/>
-                        </p:cond>
-                      </p:stCondLst>
-                      <p:childTnLst>
-                        <p:par>
-                          <p:cTn id="4" fill="hold">
-                            <p:stCondLst>
-                              <p:cond delay="0"/>
-                            </p:stCondLst>
-                            <p:childTnLst>
-                              <p:par>
-                                <p:cTn id="5" presetID="10" presetClass="entr" presetSubtype="0" fill="hold" nodeType="afterEffect">
-                                  <p:stCondLst>
-                                    <p:cond delay="0"/>
-                                  </p:stCondLst>
-                                  <p:childTnLst>
-                                    <p:set>
-                                      <p:cBhvr>
-                                        <p:cTn id="6" dur="1" fill="hold">
-                                          <p:stCondLst>
-                                            <p:cond delay="0"/>
-                                          </p:stCondLst>
-                                        </p:cTn>
-                                        <p:tgtEl>
-                                          <p:spTgt spid="9"/>
-                                        </p:tgtEl>
-                                        <p:attrNameLst>
-                                          <p:attrName>style.visibility</p:attrName>
-                                        </p:attrNameLst>
-                                      </p:cBhvr>
-                                      <p:to>
-                                        <p:strVal val="visible"/>
-                                      </p:to>
-                                    </p:set>
-                                    <p:animEffect transition="in" filter="fade">
-                                      <p:cBhvr>
-                                        <p:cTn id="7" dur="300"/>
-                                        <p:tgtEl>
-                                          <p:spTgt spid="9"/>
-                                        </p:tgtEl>
-                                      </p:cBhvr>
-                                    </p:animEffect>
-                                  </p:childTnLst>
-                                </p:cTn>
-                              </p:par>
-                              <p:par>
-                                <p:cTn id="8" presetID="2" presetClass="entr" presetSubtype="4" fill="hold" grpId="0" nodeType="withEffect">
-                                  <p:stCondLst>
-                                    <p:cond delay="0"/>
-                                  </p:stCondLst>
-                                  <p:childTnLst>
-                                    <p:set>
-                                      <p:cBhvr>
-                                        <p:cTn id="9" dur="1" fill="hold">
-                                          <p:stCondLst>
-                                            <p:cond delay="0"/>
-                                          </p:stCondLst>
-                                        </p:cTn>
-                                        <p:tgtEl>
-                                          <p:spTgt spid="12"/>
-                                        </p:tgtEl>
-                                        <p:attrNameLst>
-                                          <p:attrName>style.visibility</p:attrName>
-                                        </p:attrNameLst>
-                                      </p:cBhvr>
-                                      <p:to>
-                                        <p:strVal val="visible"/>
-                                      </p:to>
-                                    </p:set>
-                                    <p:anim calcmode="lin" valueType="num">
-                                      <p:cBhvr additive="base">
-                                        <p:cTn id="10" dur="500" fill="hold"/>
-                                        <p:tgtEl>
-                                          <p:spTgt spid="12"/>
-                                        </p:tgtEl>
-                                        <p:attrNameLst>
-                                          <p:attrName>ppt_x</p:attrName>
-                                        </p:attrNameLst>
-                                      </p:cBhvr>
-                                      <p:tavLst>
-                                        <p:tav tm="0">
-                                          <p:val>
-                                            <p:strVal val="#ppt_x"/>
-                                          </p:val>
-                                        </p:tav>
-                                        <p:tav tm="100000">
-                                          <p:val>
-                                            <p:strVal val="#ppt_x"/>
-                                          </p:val>
-                                        </p:tav>
-                                      </p:tavLst>
-                                    </p:anim>
-                                    <p:anim calcmode="lin" valueType="num">
-                                      <p:cBhvr additive="base">
-                                        <p:cTn id="11" dur="500" fill="hold"/>
-                                        <p:tgtEl>
-                                          <p:spTgt spid="12"/>
-                                        </p:tgtEl>
-                                        <p:attrNameLst>
-                                          <p:attrName>ppt_y</p:attrName>
-                                        </p:attrNameLst>
-                                      </p:cBhvr>
-                                      <p:tavLst>
-                                        <p:tav tm="0">
-                                          <p:val>
-                                            <p:strVal val="1+#ppt_h/2"/>
-                                          </p:val>
-                                        </p:tav>
-                                        <p:tav tm="100000">
-                                          <p:val>
-                                            <p:strVal val="#ppt_y"/>
-                                          </p:val>
-                                        </p:tav>
-                                      </p:tavLst>
-                                    </p:anim>
-                                  </p:childTnLst>
-                                </p:cTn>
-                              </p:par>
-                            </p:childTnLst>
-                          </p:cTn>
-                        </p:par>
-                      </p:childTnLst>
-                    </p:cTn>
-                  </p:par>
-                </p:childTnLst>
-              </p:cTn>
-              <p:prevCondLst>
-                <p:cond evt="onPrev" delay="0">
-                  <p:tgtEl>
-                    <p:sldTgt/>
-                  </p:tgtEl>
-                </p:cond>
-              </p:prevCondLst>
-              <p:nextCondLst>
-                <p:cond evt="onNext" delay="0">
-                  <p:tgtEl>
-                    <p:sldTgt/>
-                  </p:tgtEl>
-                </p:cond>
-              </p:nextCondLst>
-            </p:seq>
-          </p:childTnLst>
-        </p:cTn>
+        <p:cTn id="1" dur="indefinite" restart="never" nodeType="tmRoot"/>
       </p:par>
     </p:tnLst>
-    <p:bldLst>
-      <p:bldP spid="12" grpId="0"/>
-    </p:bldLst>
   </p:timing>
 </p:sld>
 </file>
@@ -11437,274 +11403,6 @@
                 <a:latin typeface="Times New Roman" panose="02020603050405020304" pitchFamily="18" charset="0"/>
                 <a:cs typeface="Times New Roman" panose="02020603050405020304" pitchFamily="18" charset="0"/>
               </a:rPr>
-              <a:t>Đường</a:t>
-            </a:r>
-            <a:r>
-              <a:rPr lang="en-US" sz="3200" b="1" dirty="0" smtClean="0">
-                <a:solidFill>
-                  <a:schemeClr val="bg1"/>
-                </a:solidFill>
-                <a:latin typeface="Times New Roman" panose="02020603050405020304" pitchFamily="18" charset="0"/>
-                <a:cs typeface="Times New Roman" panose="02020603050405020304" pitchFamily="18" charset="0"/>
-              </a:rPr>
-              <a:t> đi của data</a:t>
-            </a:r>
-          </a:p>
-        </p:txBody>
-      </p:sp>
-      <p:pic>
-        <p:nvPicPr>
-          <p:cNvPr id="3074" name="Picture 2" descr="HBase Write Mechanism - HBase Architecture - Edureka"/>
-          <p:cNvPicPr>
-            <a:picLocks noChangeAspect="1" noChangeArrowheads="1"/>
-          </p:cNvPicPr>
-          <p:nvPr/>
-        </p:nvPicPr>
-        <p:blipFill>
-          <a:blip r:embed="rId3">
-            <a:extLst>
-              <a:ext uri="{28A0092B-C50C-407E-A947-70E740481C1C}">
-                <a14:useLocalDpi xmlns:a14="http://schemas.microsoft.com/office/drawing/2010/main" val="0"/>
-              </a:ext>
-            </a:extLst>
-          </a:blip>
-          <a:srcRect/>
-          <a:stretch>
-            <a:fillRect/>
-          </a:stretch>
-        </p:blipFill>
-        <p:spPr bwMode="auto">
-          <a:xfrm>
-            <a:off x="1562100" y="1676400"/>
-            <a:ext cx="8851360" cy="4523305"/>
-          </a:xfrm>
-          <a:prstGeom prst="rect">
-            <a:avLst/>
-          </a:prstGeom>
-          <a:noFill/>
-          <a:extLst>
-            <a:ext uri="{909E8E84-426E-40DD-AFC4-6F175D3DCCD1}">
-              <a14:hiddenFill xmlns:a14="http://schemas.microsoft.com/office/drawing/2010/main">
-                <a:solidFill>
-                  <a:srgbClr val="FFFFFF"/>
-                </a:solidFill>
-              </a14:hiddenFill>
-            </a:ext>
-          </a:extLst>
-        </p:spPr>
-      </p:pic>
-    </p:spTree>
-    <p:extLst>
-      <p:ext uri="{BB962C8B-B14F-4D97-AF65-F5344CB8AC3E}">
-        <p14:creationId xmlns:p14="http://schemas.microsoft.com/office/powerpoint/2010/main" val="940149745"/>
-      </p:ext>
-    </p:extLst>
-  </p:cSld>
-  <p:clrMapOvr>
-    <a:masterClrMapping/>
-  </p:clrMapOvr>
-  <p:timing>
-    <p:tnLst>
-      <p:par>
-        <p:cTn id="1" dur="indefinite" restart="never" nodeType="tmRoot"/>
-      </p:par>
-    </p:tnLst>
-  </p:timing>
-</p:sld>
-</file>
-
-<file path=ppt/slides/slide14.xml><?xml version="1.0" encoding="utf-8"?>
-<p:sld xmlns:a="http://schemas.openxmlformats.org/drawingml/2006/main" xmlns:r="http://schemas.openxmlformats.org/officeDocument/2006/relationships" xmlns:p="http://schemas.openxmlformats.org/presentationml/2006/main">
-  <p:cSld>
-    <p:spTree>
-      <p:nvGrpSpPr>
-        <p:cNvPr id="1" name=""/>
-        <p:cNvGrpSpPr/>
-        <p:nvPr/>
-      </p:nvGrpSpPr>
-      <p:grpSpPr>
-        <a:xfrm>
-          <a:off x="0" y="0"/>
-          <a:ext cx="0" cy="0"/>
-          <a:chOff x="0" y="0"/>
-          <a:chExt cx="0" cy="0"/>
-        </a:xfrm>
-      </p:grpSpPr>
-      <p:grpSp>
-        <p:nvGrpSpPr>
-          <p:cNvPr id="3" name="Group 2"/>
-          <p:cNvGrpSpPr/>
-          <p:nvPr/>
-        </p:nvGrpSpPr>
-        <p:grpSpPr>
-          <a:xfrm>
-            <a:off x="1600200" y="304800"/>
-            <a:ext cx="9296400" cy="609600"/>
-            <a:chOff x="0" y="1481902"/>
-            <a:chExt cx="9296400" cy="1311862"/>
-          </a:xfrm>
-        </p:grpSpPr>
-        <p:sp>
-          <p:nvSpPr>
-            <p:cNvPr id="4" name="Rounded Rectangle 3"/>
-            <p:cNvSpPr/>
-            <p:nvPr/>
-          </p:nvSpPr>
-          <p:spPr>
-            <a:xfrm>
-              <a:off x="0" y="1481902"/>
-              <a:ext cx="9296400" cy="1311862"/>
-            </a:xfrm>
-            <a:prstGeom prst="roundRect">
-              <a:avLst/>
-            </a:prstGeom>
-            <a:solidFill>
-              <a:schemeClr val="accent6">
-                <a:lumMod val="75000"/>
-              </a:schemeClr>
-            </a:solidFill>
-          </p:spPr>
-          <p:style>
-            <a:lnRef idx="3">
-              <a:schemeClr val="lt1">
-                <a:hueOff val="0"/>
-                <a:satOff val="0"/>
-                <a:lumOff val="0"/>
-                <a:alphaOff val="0"/>
-              </a:schemeClr>
-            </a:lnRef>
-            <a:fillRef idx="1">
-              <a:scrgbClr r="0" g="0" b="0"/>
-            </a:fillRef>
-            <a:effectRef idx="1">
-              <a:schemeClr val="accent3">
-                <a:hueOff val="5625132"/>
-                <a:satOff val="-8440"/>
-                <a:lumOff val="-1373"/>
-                <a:alphaOff val="0"/>
-              </a:schemeClr>
-            </a:effectRef>
-            <a:fontRef idx="minor">
-              <a:schemeClr val="lt1"/>
-            </a:fontRef>
-          </p:style>
-        </p:sp>
-        <p:sp>
-          <p:nvSpPr>
-            <p:cNvPr id="5" name="Rounded Rectangle 4"/>
-            <p:cNvSpPr txBox="1"/>
-            <p:nvPr/>
-          </p:nvSpPr>
-          <p:spPr>
-            <a:xfrm>
-              <a:off x="64040" y="1545942"/>
-              <a:ext cx="9168320" cy="1183782"/>
-            </a:xfrm>
-            <a:prstGeom prst="rect">
-              <a:avLst/>
-            </a:prstGeom>
-          </p:spPr>
-          <p:style>
-            <a:lnRef idx="0">
-              <a:scrgbClr r="0" g="0" b="0"/>
-            </a:lnRef>
-            <a:fillRef idx="0">
-              <a:scrgbClr r="0" g="0" b="0"/>
-            </a:fillRef>
-            <a:effectRef idx="0">
-              <a:scrgbClr r="0" g="0" b="0"/>
-            </a:effectRef>
-            <a:fontRef idx="minor">
-              <a:schemeClr val="lt1"/>
-            </a:fontRef>
-          </p:style>
-          <p:txBody>
-            <a:bodyPr spcFirstLastPara="0" vert="horz" wrap="square" lIns="213360" tIns="213360" rIns="213360" bIns="213360" numCol="1" spcCol="1270" anchor="ctr" anchorCtr="0">
-              <a:noAutofit/>
-            </a:bodyPr>
-            <a:lstStyle/>
-            <a:p>
-              <a:pPr lvl="0" algn="ctr" defTabSz="2489200">
-                <a:lnSpc>
-                  <a:spcPct val="90000"/>
-                </a:lnSpc>
-                <a:spcBef>
-                  <a:spcPct val="0"/>
-                </a:spcBef>
-                <a:spcAft>
-                  <a:spcPct val="35000"/>
-                </a:spcAft>
-              </a:pPr>
-              <a:r>
-                <a:rPr lang="en-US" sz="2800" b="1" kern="1200" dirty="0" err="1" smtClean="0">
-                  <a:latin typeface="Times New Roman" panose="02020603050405020304" pitchFamily="18" charset="0"/>
-                  <a:cs typeface="Times New Roman" panose="02020603050405020304" pitchFamily="18" charset="0"/>
-                </a:rPr>
-                <a:t>Phần</a:t>
-              </a:r>
-              <a:r>
-                <a:rPr lang="en-US" sz="2800" b="1" kern="1200" dirty="0" smtClean="0">
-                  <a:latin typeface="Times New Roman" panose="02020603050405020304" pitchFamily="18" charset="0"/>
-                  <a:cs typeface="Times New Roman" panose="02020603050405020304" pitchFamily="18" charset="0"/>
-                </a:rPr>
-                <a:t> 2: </a:t>
-              </a:r>
-              <a:r>
-                <a:rPr lang="en-US" sz="2800" b="1" i="0" kern="1200" dirty="0" smtClean="0">
-                  <a:latin typeface="Times New Roman" panose="02020603050405020304" pitchFamily="18" charset="0"/>
-                  <a:cs typeface="Times New Roman" panose="02020603050405020304" pitchFamily="18" charset="0"/>
-                </a:rPr>
-                <a:t>Apache </a:t>
-              </a:r>
-              <a:r>
-                <a:rPr lang="en-US" sz="2800" b="1" i="0" kern="1200" dirty="0" err="1" smtClean="0">
-                  <a:latin typeface="Times New Roman" panose="02020603050405020304" pitchFamily="18" charset="0"/>
-                  <a:cs typeface="Times New Roman" panose="02020603050405020304" pitchFamily="18" charset="0"/>
-                </a:rPr>
-                <a:t>HBase</a:t>
-              </a:r>
-              <a:endParaRPr lang="en-US" sz="2800" kern="1200" dirty="0">
-                <a:latin typeface="Times New Roman" panose="02020603050405020304" pitchFamily="18" charset="0"/>
-                <a:cs typeface="Times New Roman" panose="02020603050405020304" pitchFamily="18" charset="0"/>
-              </a:endParaRPr>
-            </a:p>
-          </p:txBody>
-        </p:sp>
-      </p:grpSp>
-      <p:sp>
-        <p:nvSpPr>
-          <p:cNvPr id="7" name="TextBox 6"/>
-          <p:cNvSpPr txBox="1"/>
-          <p:nvPr/>
-        </p:nvSpPr>
-        <p:spPr>
-          <a:xfrm>
-            <a:off x="609600" y="914400"/>
-            <a:ext cx="10515600" cy="584775"/>
-          </a:xfrm>
-          <a:prstGeom prst="rect">
-            <a:avLst/>
-          </a:prstGeom>
-          <a:noFill/>
-        </p:spPr>
-        <p:txBody>
-          <a:bodyPr wrap="square" rtlCol="0">
-            <a:spAutoFit/>
-          </a:bodyPr>
-          <a:lstStyle/>
-          <a:p>
-            <a:pPr marL="457200" indent="-457200">
-              <a:buFont typeface="Wingdings" panose="05000000000000000000" pitchFamily="2" charset="2"/>
-              <a:buChar char="q"/>
-            </a:pPr>
-            <a:r>
-              <a:rPr lang="en-US" sz="3200" b="1" dirty="0" err="1" smtClean="0">
-                <a:solidFill>
-                  <a:schemeClr val="bg1"/>
-                </a:solidFill>
-                <a:latin typeface="Times New Roman" panose="02020603050405020304" pitchFamily="18" charset="0"/>
-                <a:cs typeface="Times New Roman" panose="02020603050405020304" pitchFamily="18" charset="0"/>
-              </a:rPr>
               <a:t>Thực</a:t>
             </a:r>
             <a:r>
@@ -12018,7 +11716,7 @@
 </p:sld>
 </file>
 
-<file path=ppt/slides/slide15.xml><?xml version="1.0" encoding="utf-8"?>
+<file path=ppt/slides/slide14.xml><?xml version="1.0" encoding="utf-8"?>
 <p:sld xmlns:a="http://schemas.openxmlformats.org/drawingml/2006/main" xmlns:r="http://schemas.openxmlformats.org/officeDocument/2006/relationships" xmlns:p="http://schemas.openxmlformats.org/presentationml/2006/main">
   <p:cSld>
     <p:spTree>
@@ -12466,7 +12164,7 @@
 </p:sld>
 </file>
 
-<file path=ppt/slides/slide16.xml><?xml version="1.0" encoding="utf-8"?>
+<file path=ppt/slides/slide15.xml><?xml version="1.0" encoding="utf-8"?>
 <p:sld xmlns:a="http://schemas.openxmlformats.org/drawingml/2006/main" xmlns:r="http://schemas.openxmlformats.org/officeDocument/2006/relationships" xmlns:p="http://schemas.openxmlformats.org/presentationml/2006/main">
   <p:cSld>
     <p:spTree>
@@ -12984,7 +12682,7 @@
 </p:sld>
 </file>
 
-<file path=ppt/slides/slide17.xml><?xml version="1.0" encoding="utf-8"?>
+<file path=ppt/slides/slide16.xml><?xml version="1.0" encoding="utf-8"?>
 <p:sld xmlns:a="http://schemas.openxmlformats.org/drawingml/2006/main" xmlns:r="http://schemas.openxmlformats.org/officeDocument/2006/relationships" xmlns:p="http://schemas.openxmlformats.org/presentationml/2006/main">
   <p:cSld>
     <p:spTree>
@@ -13428,7 +13126,7 @@
 </p:sld>
 </file>
 
-<file path=ppt/slides/slide18.xml><?xml version="1.0" encoding="utf-8"?>
+<file path=ppt/slides/slide17.xml><?xml version="1.0" encoding="utf-8"?>
 <p:sld xmlns:a="http://schemas.openxmlformats.org/drawingml/2006/main" xmlns:r="http://schemas.openxmlformats.org/officeDocument/2006/relationships" xmlns:p="http://schemas.openxmlformats.org/presentationml/2006/main">
   <p:cSld>
     <p:spTree>
@@ -13508,7 +13206,7 @@
 </p:sld>
 </file>
 
-<file path=ppt/slides/slide19.xml><?xml version="1.0" encoding="utf-8"?>
+<file path=ppt/slides/slide18.xml><?xml version="1.0" encoding="utf-8"?>
 <p:sld xmlns:a="http://schemas.openxmlformats.org/drawingml/2006/main" xmlns:r="http://schemas.openxmlformats.org/officeDocument/2006/relationships" xmlns:p="http://schemas.openxmlformats.org/presentationml/2006/main">
   <p:cSld>
     <p:spTree>
@@ -13842,6 +13540,1430 @@
         <p:cTn id="1" dur="indefinite" restart="never" nodeType="tmRoot"/>
       </p:par>
     </p:tnLst>
+  </p:timing>
+</p:sld>
+</file>
+
+<file path=ppt/slides/slide19.xml><?xml version="1.0" encoding="utf-8"?>
+<p:sld xmlns:a="http://schemas.openxmlformats.org/drawingml/2006/main" xmlns:r="http://schemas.openxmlformats.org/officeDocument/2006/relationships" xmlns:p="http://schemas.openxmlformats.org/presentationml/2006/main">
+  <p:cSld>
+    <p:spTree>
+      <p:nvGrpSpPr>
+        <p:cNvPr id="1" name=""/>
+        <p:cNvGrpSpPr/>
+        <p:nvPr/>
+      </p:nvGrpSpPr>
+      <p:grpSpPr>
+        <a:xfrm>
+          <a:off x="0" y="0"/>
+          <a:ext cx="0" cy="0"/>
+          <a:chOff x="0" y="0"/>
+          <a:chExt cx="0" cy="0"/>
+        </a:xfrm>
+      </p:grpSpPr>
+      <p:grpSp>
+        <p:nvGrpSpPr>
+          <p:cNvPr id="3" name="Group 2"/>
+          <p:cNvGrpSpPr/>
+          <p:nvPr/>
+        </p:nvGrpSpPr>
+        <p:grpSpPr>
+          <a:xfrm>
+            <a:off x="1600200" y="304800"/>
+            <a:ext cx="9296400" cy="609600"/>
+            <a:chOff x="0" y="1481902"/>
+            <a:chExt cx="9296400" cy="1311862"/>
+          </a:xfrm>
+        </p:grpSpPr>
+        <p:sp>
+          <p:nvSpPr>
+            <p:cNvPr id="4" name="Rounded Rectangle 3"/>
+            <p:cNvSpPr/>
+            <p:nvPr/>
+          </p:nvSpPr>
+          <p:spPr>
+            <a:xfrm>
+              <a:off x="0" y="1481902"/>
+              <a:ext cx="9296400" cy="1311862"/>
+            </a:xfrm>
+            <a:prstGeom prst="roundRect">
+              <a:avLst/>
+            </a:prstGeom>
+            <a:solidFill>
+              <a:schemeClr val="accent6">
+                <a:lumMod val="75000"/>
+              </a:schemeClr>
+            </a:solidFill>
+          </p:spPr>
+          <p:style>
+            <a:lnRef idx="3">
+              <a:schemeClr val="lt1">
+                <a:hueOff val="0"/>
+                <a:satOff val="0"/>
+                <a:lumOff val="0"/>
+                <a:alphaOff val="0"/>
+              </a:schemeClr>
+            </a:lnRef>
+            <a:fillRef idx="1">
+              <a:scrgbClr r="0" g="0" b="0"/>
+            </a:fillRef>
+            <a:effectRef idx="1">
+              <a:schemeClr val="accent3">
+                <a:hueOff val="5625132"/>
+                <a:satOff val="-8440"/>
+                <a:lumOff val="-1373"/>
+                <a:alphaOff val="0"/>
+              </a:schemeClr>
+            </a:effectRef>
+            <a:fontRef idx="minor">
+              <a:schemeClr val="lt1"/>
+            </a:fontRef>
+          </p:style>
+        </p:sp>
+        <p:sp>
+          <p:nvSpPr>
+            <p:cNvPr id="5" name="Rounded Rectangle 4"/>
+            <p:cNvSpPr txBox="1"/>
+            <p:nvPr/>
+          </p:nvSpPr>
+          <p:spPr>
+            <a:xfrm>
+              <a:off x="64040" y="1545942"/>
+              <a:ext cx="9168320" cy="1183782"/>
+            </a:xfrm>
+            <a:prstGeom prst="rect">
+              <a:avLst/>
+            </a:prstGeom>
+          </p:spPr>
+          <p:style>
+            <a:lnRef idx="0">
+              <a:scrgbClr r="0" g="0" b="0"/>
+            </a:lnRef>
+            <a:fillRef idx="0">
+              <a:scrgbClr r="0" g="0" b="0"/>
+            </a:fillRef>
+            <a:effectRef idx="0">
+              <a:scrgbClr r="0" g="0" b="0"/>
+            </a:effectRef>
+            <a:fontRef idx="minor">
+              <a:schemeClr val="lt1"/>
+            </a:fontRef>
+          </p:style>
+          <p:txBody>
+            <a:bodyPr spcFirstLastPara="0" vert="horz" wrap="square" lIns="213360" tIns="213360" rIns="213360" bIns="213360" numCol="1" spcCol="1270" anchor="ctr" anchorCtr="0">
+              <a:noAutofit/>
+            </a:bodyPr>
+            <a:lstStyle/>
+            <a:p>
+              <a:pPr lvl="0" algn="ctr" defTabSz="2489200">
+                <a:lnSpc>
+                  <a:spcPct val="90000"/>
+                </a:lnSpc>
+                <a:spcBef>
+                  <a:spcPct val="0"/>
+                </a:spcBef>
+                <a:spcAft>
+                  <a:spcPct val="35000"/>
+                </a:spcAft>
+              </a:pPr>
+              <a:r>
+                <a:rPr lang="en-US" sz="2800" b="1" kern="1200" dirty="0" err="1" smtClean="0">
+                  <a:latin typeface="Times New Roman" panose="02020603050405020304" pitchFamily="18" charset="0"/>
+                  <a:cs typeface="Times New Roman" panose="02020603050405020304" pitchFamily="18" charset="0"/>
+                </a:rPr>
+                <a:t>Phần</a:t>
+              </a:r>
+              <a:r>
+                <a:rPr lang="en-US" sz="2800" b="1" kern="1200" dirty="0" smtClean="0">
+                  <a:latin typeface="Times New Roman" panose="02020603050405020304" pitchFamily="18" charset="0"/>
+                  <a:cs typeface="Times New Roman" panose="02020603050405020304" pitchFamily="18" charset="0"/>
+                </a:rPr>
+                <a:t> 2: </a:t>
+              </a:r>
+              <a:r>
+                <a:rPr lang="en-US" sz="2800" b="1" i="0" kern="1200" dirty="0" smtClean="0">
+                  <a:latin typeface="Times New Roman" panose="02020603050405020304" pitchFamily="18" charset="0"/>
+                  <a:cs typeface="Times New Roman" panose="02020603050405020304" pitchFamily="18" charset="0"/>
+                </a:rPr>
+                <a:t>Apache </a:t>
+              </a:r>
+              <a:r>
+                <a:rPr lang="en-US" sz="2800" b="1" i="0" kern="1200" dirty="0" err="1" smtClean="0">
+                  <a:latin typeface="Times New Roman" panose="02020603050405020304" pitchFamily="18" charset="0"/>
+                  <a:cs typeface="Times New Roman" panose="02020603050405020304" pitchFamily="18" charset="0"/>
+                </a:rPr>
+                <a:t>HBase</a:t>
+              </a:r>
+              <a:endParaRPr lang="en-US" sz="2800" kern="1200" dirty="0">
+                <a:latin typeface="Times New Roman" panose="02020603050405020304" pitchFamily="18" charset="0"/>
+                <a:cs typeface="Times New Roman" panose="02020603050405020304" pitchFamily="18" charset="0"/>
+              </a:endParaRPr>
+            </a:p>
+          </p:txBody>
+        </p:sp>
+      </p:grpSp>
+      <p:sp>
+        <p:nvSpPr>
+          <p:cNvPr id="7" name="TextBox 6"/>
+          <p:cNvSpPr txBox="1"/>
+          <p:nvPr/>
+        </p:nvSpPr>
+        <p:spPr>
+          <a:xfrm>
+            <a:off x="609600" y="944158"/>
+            <a:ext cx="10515600" cy="584775"/>
+          </a:xfrm>
+          <a:prstGeom prst="rect">
+            <a:avLst/>
+          </a:prstGeom>
+          <a:noFill/>
+        </p:spPr>
+        <p:txBody>
+          <a:bodyPr wrap="square" rtlCol="0">
+            <a:spAutoFit/>
+          </a:bodyPr>
+          <a:lstStyle/>
+          <a:p>
+            <a:pPr marL="457200" indent="-457200">
+              <a:buFont typeface="Wingdings" panose="05000000000000000000" pitchFamily="2" charset="2"/>
+              <a:buChar char="q"/>
+            </a:pPr>
+            <a:r>
+              <a:rPr lang="en-US" sz="3200" b="1" dirty="0" err="1" smtClean="0">
+                <a:solidFill>
+                  <a:schemeClr val="bg1"/>
+                </a:solidFill>
+                <a:latin typeface="Times New Roman" panose="02020603050405020304" pitchFamily="18" charset="0"/>
+                <a:cs typeface="Times New Roman" panose="02020603050405020304" pitchFamily="18" charset="0"/>
+              </a:rPr>
+              <a:t>Tính</a:t>
+            </a:r>
+            <a:r>
+              <a:rPr lang="en-US" sz="3200" b="1" dirty="0" smtClean="0">
+                <a:solidFill>
+                  <a:schemeClr val="bg1"/>
+                </a:solidFill>
+                <a:latin typeface="Times New Roman" panose="02020603050405020304" pitchFamily="18" charset="0"/>
+                <a:cs typeface="Times New Roman" panose="02020603050405020304" pitchFamily="18" charset="0"/>
+              </a:rPr>
+              <a:t> </a:t>
+            </a:r>
+            <a:r>
+              <a:rPr lang="en-US" sz="3200" b="1" dirty="0" err="1" smtClean="0">
+                <a:solidFill>
+                  <a:schemeClr val="bg1"/>
+                </a:solidFill>
+                <a:latin typeface="Times New Roman" panose="02020603050405020304" pitchFamily="18" charset="0"/>
+                <a:cs typeface="Times New Roman" panose="02020603050405020304" pitchFamily="18" charset="0"/>
+              </a:rPr>
+              <a:t>chất</a:t>
+            </a:r>
+            <a:endParaRPr lang="en-US" sz="3200" b="1" dirty="0" smtClean="0">
+              <a:solidFill>
+                <a:schemeClr val="bg1"/>
+              </a:solidFill>
+              <a:latin typeface="Times New Roman" panose="02020603050405020304" pitchFamily="18" charset="0"/>
+              <a:cs typeface="Times New Roman" panose="02020603050405020304" pitchFamily="18" charset="0"/>
+            </a:endParaRPr>
+          </a:p>
+        </p:txBody>
+      </p:sp>
+      <p:sp>
+        <p:nvSpPr>
+          <p:cNvPr id="8" name="TextBox 7"/>
+          <p:cNvSpPr txBox="1"/>
+          <p:nvPr/>
+        </p:nvSpPr>
+        <p:spPr>
+          <a:xfrm>
+            <a:off x="990600" y="1624548"/>
+            <a:ext cx="10515600" cy="461665"/>
+          </a:xfrm>
+          <a:prstGeom prst="rect">
+            <a:avLst/>
+          </a:prstGeom>
+          <a:noFill/>
+        </p:spPr>
+        <p:txBody>
+          <a:bodyPr wrap="square" rtlCol="0">
+            <a:spAutoFit/>
+          </a:bodyPr>
+          <a:lstStyle/>
+          <a:p>
+            <a:pPr marL="342900" indent="-342900">
+              <a:buFont typeface="Arial" panose="020B0604020202020204" pitchFamily="34" charset="0"/>
+              <a:buChar char="•"/>
+            </a:pPr>
+            <a:endParaRPr lang="en-US" sz="2400" dirty="0" smtClean="0">
+              <a:solidFill>
+                <a:schemeClr val="bg1"/>
+              </a:solidFill>
+              <a:latin typeface="Times New Roman" panose="02020603050405020304" pitchFamily="18" charset="0"/>
+              <a:cs typeface="Times New Roman" panose="02020603050405020304" pitchFamily="18" charset="0"/>
+            </a:endParaRPr>
+          </a:p>
+        </p:txBody>
+      </p:sp>
+      <p:sp>
+        <p:nvSpPr>
+          <p:cNvPr id="9" name="TextBox 8"/>
+          <p:cNvSpPr txBox="1"/>
+          <p:nvPr/>
+        </p:nvSpPr>
+        <p:spPr>
+          <a:xfrm>
+            <a:off x="990600" y="1440471"/>
+            <a:ext cx="10515600" cy="461665"/>
+          </a:xfrm>
+          <a:prstGeom prst="rect">
+            <a:avLst/>
+          </a:prstGeom>
+          <a:noFill/>
+        </p:spPr>
+        <p:txBody>
+          <a:bodyPr wrap="square" rtlCol="0">
+            <a:spAutoFit/>
+          </a:bodyPr>
+          <a:lstStyle/>
+          <a:p>
+            <a:pPr marL="285750" indent="-285750">
+              <a:buFont typeface="Arial" panose="020B0604020202020204" pitchFamily="34" charset="0"/>
+              <a:buChar char="•"/>
+            </a:pPr>
+            <a:r>
+              <a:rPr lang="en-US" sz="2400" b="1" i="1" dirty="0" err="1" smtClean="0">
+                <a:solidFill>
+                  <a:schemeClr val="bg1"/>
+                </a:solidFill>
+                <a:latin typeface="Times New Roman" panose="02020603050405020304" pitchFamily="18" charset="0"/>
+                <a:cs typeface="Times New Roman" panose="02020603050405020304" pitchFamily="18" charset="0"/>
+              </a:rPr>
+              <a:t>Tính</a:t>
+            </a:r>
+            <a:r>
+              <a:rPr lang="en-US" sz="2400" b="1" i="1" dirty="0" smtClean="0">
+                <a:solidFill>
+                  <a:schemeClr val="bg1"/>
+                </a:solidFill>
+                <a:latin typeface="Times New Roman" panose="02020603050405020304" pitchFamily="18" charset="0"/>
+                <a:cs typeface="Times New Roman" panose="02020603050405020304" pitchFamily="18" charset="0"/>
+              </a:rPr>
+              <a:t> </a:t>
+            </a:r>
+            <a:r>
+              <a:rPr lang="en-US" sz="2400" b="1" i="1" dirty="0" err="1" smtClean="0">
+                <a:solidFill>
+                  <a:schemeClr val="bg1"/>
+                </a:solidFill>
+                <a:latin typeface="Times New Roman" panose="02020603050405020304" pitchFamily="18" charset="0"/>
+                <a:cs typeface="Times New Roman" panose="02020603050405020304" pitchFamily="18" charset="0"/>
+              </a:rPr>
+              <a:t>phân</a:t>
+            </a:r>
+            <a:r>
+              <a:rPr lang="en-US" sz="2400" b="1" i="1" dirty="0" smtClean="0">
+                <a:solidFill>
+                  <a:schemeClr val="bg1"/>
+                </a:solidFill>
+                <a:latin typeface="Times New Roman" panose="02020603050405020304" pitchFamily="18" charset="0"/>
+                <a:cs typeface="Times New Roman" panose="02020603050405020304" pitchFamily="18" charset="0"/>
+              </a:rPr>
+              <a:t> </a:t>
+            </a:r>
+            <a:r>
+              <a:rPr lang="en-US" sz="2400" b="1" i="1" dirty="0" err="1" smtClean="0">
+                <a:solidFill>
+                  <a:schemeClr val="bg1"/>
+                </a:solidFill>
+                <a:latin typeface="Times New Roman" panose="02020603050405020304" pitchFamily="18" charset="0"/>
+                <a:cs typeface="Times New Roman" panose="02020603050405020304" pitchFamily="18" charset="0"/>
+              </a:rPr>
+              <a:t>tán</a:t>
+            </a:r>
+            <a:r>
+              <a:rPr lang="en-US" sz="2400" b="1" i="1" dirty="0" smtClean="0">
+                <a:solidFill>
+                  <a:schemeClr val="bg1"/>
+                </a:solidFill>
+                <a:latin typeface="Times New Roman" panose="02020603050405020304" pitchFamily="18" charset="0"/>
+                <a:cs typeface="Times New Roman" panose="02020603050405020304" pitchFamily="18" charset="0"/>
+              </a:rPr>
+              <a:t> (Distributed): Có </a:t>
+            </a:r>
+            <a:r>
+              <a:rPr lang="en-US" sz="2400" b="1" i="1" dirty="0" err="1" smtClean="0">
+                <a:solidFill>
+                  <a:schemeClr val="bg1"/>
+                </a:solidFill>
+                <a:latin typeface="Times New Roman" panose="02020603050405020304" pitchFamily="18" charset="0"/>
+                <a:cs typeface="Times New Roman" panose="02020603050405020304" pitchFamily="18" charset="0"/>
+              </a:rPr>
+              <a:t>hai</a:t>
+            </a:r>
+            <a:r>
+              <a:rPr lang="en-US" sz="2400" b="1" i="1" dirty="0" smtClean="0">
+                <a:solidFill>
+                  <a:schemeClr val="bg1"/>
+                </a:solidFill>
+                <a:latin typeface="Times New Roman" panose="02020603050405020304" pitchFamily="18" charset="0"/>
+                <a:cs typeface="Times New Roman" panose="02020603050405020304" pitchFamily="18" charset="0"/>
+              </a:rPr>
+              <a:t> </a:t>
+            </a:r>
+            <a:r>
+              <a:rPr lang="en-US" sz="2400" b="1" i="1" dirty="0" err="1" smtClean="0">
+                <a:solidFill>
+                  <a:schemeClr val="bg1"/>
+                </a:solidFill>
+                <a:latin typeface="Times New Roman" panose="02020603050405020304" pitchFamily="18" charset="0"/>
+                <a:cs typeface="Times New Roman" panose="02020603050405020304" pitchFamily="18" charset="0"/>
+              </a:rPr>
+              <a:t>phương</a:t>
+            </a:r>
+            <a:r>
+              <a:rPr lang="en-US" sz="2400" b="1" i="1" dirty="0" smtClean="0">
+                <a:solidFill>
+                  <a:schemeClr val="bg1"/>
+                </a:solidFill>
+                <a:latin typeface="Times New Roman" panose="02020603050405020304" pitchFamily="18" charset="0"/>
+                <a:cs typeface="Times New Roman" panose="02020603050405020304" pitchFamily="18" charset="0"/>
+              </a:rPr>
+              <a:t> </a:t>
+            </a:r>
+            <a:r>
+              <a:rPr lang="en-US" sz="2400" b="1" i="1" dirty="0" err="1" smtClean="0">
+                <a:solidFill>
+                  <a:schemeClr val="bg1"/>
+                </a:solidFill>
+                <a:latin typeface="Times New Roman" panose="02020603050405020304" pitchFamily="18" charset="0"/>
+                <a:cs typeface="Times New Roman" panose="02020603050405020304" pitchFamily="18" charset="0"/>
+              </a:rPr>
+              <a:t>thức</a:t>
+            </a:r>
+            <a:r>
+              <a:rPr lang="en-US" sz="2400" b="1" i="1" dirty="0" smtClean="0">
+                <a:solidFill>
+                  <a:schemeClr val="bg1"/>
+                </a:solidFill>
+                <a:latin typeface="Times New Roman" panose="02020603050405020304" pitchFamily="18" charset="0"/>
+                <a:cs typeface="Times New Roman" panose="02020603050405020304" pitchFamily="18" charset="0"/>
+              </a:rPr>
+              <a:t> </a:t>
+            </a:r>
+            <a:r>
+              <a:rPr lang="en-US" sz="2400" b="1" i="1" dirty="0" err="1" smtClean="0">
+                <a:solidFill>
+                  <a:schemeClr val="bg1"/>
+                </a:solidFill>
+                <a:latin typeface="Times New Roman" panose="02020603050405020304" pitchFamily="18" charset="0"/>
+                <a:cs typeface="Times New Roman" panose="02020603050405020304" pitchFamily="18" charset="0"/>
+              </a:rPr>
+              <a:t>phân</a:t>
+            </a:r>
+            <a:r>
+              <a:rPr lang="en-US" sz="2400" b="1" i="1" dirty="0" smtClean="0">
+                <a:solidFill>
+                  <a:schemeClr val="bg1"/>
+                </a:solidFill>
+                <a:latin typeface="Times New Roman" panose="02020603050405020304" pitchFamily="18" charset="0"/>
+                <a:cs typeface="Times New Roman" panose="02020603050405020304" pitchFamily="18" charset="0"/>
+              </a:rPr>
+              <a:t> </a:t>
+            </a:r>
+            <a:r>
+              <a:rPr lang="en-US" sz="2400" b="1" i="1" dirty="0" err="1" smtClean="0">
+                <a:solidFill>
+                  <a:schemeClr val="bg1"/>
+                </a:solidFill>
+                <a:latin typeface="Times New Roman" panose="02020603050405020304" pitchFamily="18" charset="0"/>
+                <a:cs typeface="Times New Roman" panose="02020603050405020304" pitchFamily="18" charset="0"/>
+              </a:rPr>
+              <a:t>tán</a:t>
+            </a:r>
+            <a:endParaRPr lang="en-US" sz="2400" b="1" i="1" dirty="0" smtClean="0">
+              <a:solidFill>
+                <a:schemeClr val="bg1"/>
+              </a:solidFill>
+              <a:latin typeface="Times New Roman" panose="02020603050405020304" pitchFamily="18" charset="0"/>
+              <a:cs typeface="Times New Roman" panose="02020603050405020304" pitchFamily="18" charset="0"/>
+            </a:endParaRPr>
+          </a:p>
+        </p:txBody>
+      </p:sp>
+      <p:sp>
+        <p:nvSpPr>
+          <p:cNvPr id="10" name="TextBox 9"/>
+          <p:cNvSpPr txBox="1"/>
+          <p:nvPr/>
+        </p:nvSpPr>
+        <p:spPr>
+          <a:xfrm>
+            <a:off x="1378857" y="1874579"/>
+            <a:ext cx="10515600" cy="2923877"/>
+          </a:xfrm>
+          <a:prstGeom prst="rect">
+            <a:avLst/>
+          </a:prstGeom>
+          <a:noFill/>
+        </p:spPr>
+        <p:txBody>
+          <a:bodyPr wrap="square" rtlCol="0">
+            <a:spAutoFit/>
+          </a:bodyPr>
+          <a:lstStyle/>
+          <a:p>
+            <a:pPr marL="342900" indent="-342900">
+              <a:buFont typeface="Wingdings" panose="05000000000000000000" pitchFamily="2" charset="2"/>
+              <a:buChar char="v"/>
+            </a:pPr>
+            <a:r>
+              <a:rPr lang="en-US" sz="2200" u="sng" dirty="0" err="1" smtClean="0">
+                <a:solidFill>
+                  <a:schemeClr val="bg1"/>
+                </a:solidFill>
+                <a:latin typeface="Times New Roman" panose="02020603050405020304" pitchFamily="18" charset="0"/>
+                <a:cs typeface="Times New Roman" panose="02020603050405020304" pitchFamily="18" charset="0"/>
+              </a:rPr>
+              <a:t>Giả</a:t>
+            </a:r>
+            <a:r>
+              <a:rPr lang="en-US" sz="2200" u="sng" dirty="0" smtClean="0">
+                <a:solidFill>
+                  <a:schemeClr val="bg1"/>
+                </a:solidFill>
+                <a:latin typeface="Times New Roman" panose="02020603050405020304" pitchFamily="18" charset="0"/>
+                <a:cs typeface="Times New Roman" panose="02020603050405020304" pitchFamily="18" charset="0"/>
+              </a:rPr>
+              <a:t> </a:t>
+            </a:r>
+            <a:r>
+              <a:rPr lang="en-US" sz="2200" u="sng" dirty="0" err="1" smtClean="0">
+                <a:solidFill>
+                  <a:schemeClr val="bg1"/>
+                </a:solidFill>
+                <a:latin typeface="Times New Roman" panose="02020603050405020304" pitchFamily="18" charset="0"/>
+                <a:cs typeface="Times New Roman" panose="02020603050405020304" pitchFamily="18" charset="0"/>
+              </a:rPr>
+              <a:t>phân</a:t>
+            </a:r>
+            <a:r>
+              <a:rPr lang="en-US" sz="2200" u="sng" dirty="0" smtClean="0">
+                <a:solidFill>
+                  <a:schemeClr val="bg1"/>
+                </a:solidFill>
+                <a:latin typeface="Times New Roman" panose="02020603050405020304" pitchFamily="18" charset="0"/>
+                <a:cs typeface="Times New Roman" panose="02020603050405020304" pitchFamily="18" charset="0"/>
+              </a:rPr>
+              <a:t> </a:t>
+            </a:r>
+            <a:r>
+              <a:rPr lang="en-US" sz="2200" u="sng" dirty="0" err="1" smtClean="0">
+                <a:solidFill>
+                  <a:schemeClr val="bg1"/>
+                </a:solidFill>
+                <a:latin typeface="Times New Roman" panose="02020603050405020304" pitchFamily="18" charset="0"/>
+                <a:cs typeface="Times New Roman" panose="02020603050405020304" pitchFamily="18" charset="0"/>
+              </a:rPr>
+              <a:t>tán</a:t>
+            </a:r>
+            <a:r>
+              <a:rPr lang="en-US" sz="2200" dirty="0" smtClean="0">
+                <a:solidFill>
+                  <a:schemeClr val="bg1"/>
+                </a:solidFill>
+                <a:latin typeface="Times New Roman" panose="02020603050405020304" pitchFamily="18" charset="0"/>
+                <a:cs typeface="Times New Roman" panose="02020603050405020304" pitchFamily="18" charset="0"/>
+              </a:rPr>
+              <a:t>:</a:t>
+            </a:r>
+          </a:p>
+          <a:p>
+            <a:pPr marL="800100" lvl="1" indent="-342900">
+              <a:buFont typeface="Wingdings" panose="05000000000000000000" pitchFamily="2" charset="2"/>
+              <a:buChar char="ü"/>
+            </a:pPr>
+            <a:r>
+              <a:rPr lang="en-US" sz="2000" dirty="0" err="1">
+                <a:solidFill>
+                  <a:schemeClr val="bg1"/>
+                </a:solidFill>
+                <a:latin typeface="Times New Roman" panose="02020603050405020304" pitchFamily="18" charset="0"/>
+                <a:cs typeface="Times New Roman" panose="02020603050405020304" pitchFamily="18" charset="0"/>
+              </a:rPr>
+              <a:t>Mỗi</a:t>
+            </a:r>
+            <a:r>
+              <a:rPr lang="en-US" sz="2000" dirty="0">
+                <a:solidFill>
+                  <a:schemeClr val="bg1"/>
+                </a:solidFill>
+                <a:latin typeface="Times New Roman" panose="02020603050405020304" pitchFamily="18" charset="0"/>
+                <a:cs typeface="Times New Roman" panose="02020603050405020304" pitchFamily="18" charset="0"/>
+              </a:rPr>
+              <a:t> </a:t>
+            </a:r>
+            <a:r>
+              <a:rPr lang="en-US" sz="2000" dirty="0" err="1">
+                <a:solidFill>
+                  <a:schemeClr val="bg1"/>
+                </a:solidFill>
+                <a:latin typeface="Times New Roman" panose="02020603050405020304" pitchFamily="18" charset="0"/>
+                <a:cs typeface="Times New Roman" panose="02020603050405020304" pitchFamily="18" charset="0"/>
+              </a:rPr>
+              <a:t>thành</a:t>
+            </a:r>
+            <a:r>
+              <a:rPr lang="en-US" sz="2000" dirty="0">
+                <a:solidFill>
+                  <a:schemeClr val="bg1"/>
+                </a:solidFill>
+                <a:latin typeface="Times New Roman" panose="02020603050405020304" pitchFamily="18" charset="0"/>
+                <a:cs typeface="Times New Roman" panose="02020603050405020304" pitchFamily="18" charset="0"/>
+              </a:rPr>
+              <a:t> </a:t>
+            </a:r>
+            <a:r>
+              <a:rPr lang="en-US" sz="2000" dirty="0" err="1">
+                <a:solidFill>
+                  <a:schemeClr val="bg1"/>
+                </a:solidFill>
+                <a:latin typeface="Times New Roman" panose="02020603050405020304" pitchFamily="18" charset="0"/>
+                <a:cs typeface="Times New Roman" panose="02020603050405020304" pitchFamily="18" charset="0"/>
+              </a:rPr>
+              <a:t>phần</a:t>
+            </a:r>
+            <a:r>
+              <a:rPr lang="en-US" sz="2000" dirty="0">
+                <a:solidFill>
+                  <a:schemeClr val="bg1"/>
+                </a:solidFill>
+                <a:latin typeface="Times New Roman" panose="02020603050405020304" pitchFamily="18" charset="0"/>
+                <a:cs typeface="Times New Roman" panose="02020603050405020304" pitchFamily="18" charset="0"/>
+              </a:rPr>
+              <a:t> của </a:t>
+            </a:r>
+            <a:r>
+              <a:rPr lang="en-US" sz="2000" dirty="0" err="1">
+                <a:solidFill>
+                  <a:schemeClr val="bg1"/>
+                </a:solidFill>
+                <a:latin typeface="Times New Roman" panose="02020603050405020304" pitchFamily="18" charset="0"/>
+                <a:cs typeface="Times New Roman" panose="02020603050405020304" pitchFamily="18" charset="0"/>
+              </a:rPr>
+              <a:t>HBase</a:t>
+            </a:r>
+            <a:r>
+              <a:rPr lang="en-US" sz="2000" dirty="0">
+                <a:solidFill>
+                  <a:schemeClr val="bg1"/>
+                </a:solidFill>
+                <a:latin typeface="Times New Roman" panose="02020603050405020304" pitchFamily="18" charset="0"/>
+                <a:cs typeface="Times New Roman" panose="02020603050405020304" pitchFamily="18" charset="0"/>
+              </a:rPr>
+              <a:t> là </a:t>
+            </a:r>
+            <a:r>
+              <a:rPr lang="en-US" sz="2000" dirty="0" err="1">
+                <a:solidFill>
+                  <a:schemeClr val="bg1"/>
+                </a:solidFill>
+                <a:latin typeface="Times New Roman" panose="02020603050405020304" pitchFamily="18" charset="0"/>
+                <a:cs typeface="Times New Roman" panose="02020603050405020304" pitchFamily="18" charset="0"/>
+              </a:rPr>
+              <a:t>một</a:t>
+            </a:r>
+            <a:r>
+              <a:rPr lang="en-US" sz="2000" dirty="0">
+                <a:solidFill>
+                  <a:schemeClr val="bg1"/>
+                </a:solidFill>
+                <a:latin typeface="Times New Roman" panose="02020603050405020304" pitchFamily="18" charset="0"/>
+                <a:cs typeface="Times New Roman" panose="02020603050405020304" pitchFamily="18" charset="0"/>
+              </a:rPr>
+              <a:t> process </a:t>
+            </a:r>
+            <a:r>
+              <a:rPr lang="en-US" sz="2000" dirty="0" err="1">
+                <a:solidFill>
+                  <a:schemeClr val="bg1"/>
+                </a:solidFill>
+                <a:latin typeface="Times New Roman" panose="02020603050405020304" pitchFamily="18" charset="0"/>
+                <a:cs typeface="Times New Roman" panose="02020603050405020304" pitchFamily="18" charset="0"/>
+              </a:rPr>
+              <a:t>riêng</a:t>
+            </a:r>
+            <a:r>
+              <a:rPr lang="en-US" sz="2000" dirty="0">
+                <a:solidFill>
+                  <a:schemeClr val="bg1"/>
+                </a:solidFill>
+                <a:latin typeface="Times New Roman" panose="02020603050405020304" pitchFamily="18" charset="0"/>
+                <a:cs typeface="Times New Roman" panose="02020603050405020304" pitchFamily="18" charset="0"/>
+              </a:rPr>
+              <a:t> lẻ, </a:t>
+            </a:r>
+            <a:r>
+              <a:rPr lang="en-US" sz="2000" dirty="0" err="1">
+                <a:solidFill>
+                  <a:schemeClr val="bg1"/>
+                </a:solidFill>
+                <a:latin typeface="Times New Roman" panose="02020603050405020304" pitchFamily="18" charset="0"/>
+                <a:cs typeface="Times New Roman" panose="02020603050405020304" pitchFamily="18" charset="0"/>
+              </a:rPr>
+              <a:t>và</a:t>
+            </a:r>
+            <a:r>
+              <a:rPr lang="en-US" sz="2000" dirty="0">
+                <a:solidFill>
+                  <a:schemeClr val="bg1"/>
+                </a:solidFill>
+                <a:latin typeface="Times New Roman" panose="02020603050405020304" pitchFamily="18" charset="0"/>
+                <a:cs typeface="Times New Roman" panose="02020603050405020304" pitchFamily="18" charset="0"/>
+              </a:rPr>
+              <a:t> </a:t>
+            </a:r>
+            <a:r>
+              <a:rPr lang="en-US" sz="2000" dirty="0" err="1">
+                <a:solidFill>
+                  <a:schemeClr val="bg1"/>
+                </a:solidFill>
+                <a:latin typeface="Times New Roman" panose="02020603050405020304" pitchFamily="18" charset="0"/>
+                <a:cs typeface="Times New Roman" panose="02020603050405020304" pitchFamily="18" charset="0"/>
+              </a:rPr>
+              <a:t>đều</a:t>
+            </a:r>
+            <a:r>
+              <a:rPr lang="en-US" sz="2000" dirty="0">
+                <a:solidFill>
+                  <a:schemeClr val="bg1"/>
+                </a:solidFill>
+                <a:latin typeface="Times New Roman" panose="02020603050405020304" pitchFamily="18" charset="0"/>
+                <a:cs typeface="Times New Roman" panose="02020603050405020304" pitchFamily="18" charset="0"/>
+              </a:rPr>
+              <a:t> chạy </a:t>
+            </a:r>
+            <a:r>
+              <a:rPr lang="en-US" sz="2000" dirty="0" err="1">
+                <a:solidFill>
+                  <a:schemeClr val="bg1"/>
+                </a:solidFill>
+                <a:latin typeface="Times New Roman" panose="02020603050405020304" pitchFamily="18" charset="0"/>
+                <a:cs typeface="Times New Roman" panose="02020603050405020304" pitchFamily="18" charset="0"/>
+              </a:rPr>
+              <a:t>trên</a:t>
+            </a:r>
+            <a:r>
+              <a:rPr lang="en-US" sz="2000" dirty="0">
+                <a:solidFill>
+                  <a:schemeClr val="bg1"/>
+                </a:solidFill>
+                <a:latin typeface="Times New Roman" panose="02020603050405020304" pitchFamily="18" charset="0"/>
+                <a:cs typeface="Times New Roman" panose="02020603050405020304" pitchFamily="18" charset="0"/>
+              </a:rPr>
+              <a:t> 1 </a:t>
+            </a:r>
+            <a:r>
+              <a:rPr lang="en-US" sz="2000" dirty="0" smtClean="0">
+                <a:solidFill>
+                  <a:schemeClr val="bg1"/>
+                </a:solidFill>
+                <a:latin typeface="Times New Roman" panose="02020603050405020304" pitchFamily="18" charset="0"/>
+                <a:cs typeface="Times New Roman" panose="02020603050405020304" pitchFamily="18" charset="0"/>
+              </a:rPr>
+              <a:t>node.</a:t>
+            </a:r>
+          </a:p>
+          <a:p>
+            <a:pPr marL="800100" lvl="1" indent="-342900">
+              <a:buFont typeface="Wingdings" panose="05000000000000000000" pitchFamily="2" charset="2"/>
+              <a:buChar char="ü"/>
+            </a:pPr>
+            <a:r>
+              <a:rPr lang="en-US" sz="2000" dirty="0" smtClean="0">
+                <a:solidFill>
+                  <a:schemeClr val="bg1"/>
+                </a:solidFill>
+                <a:latin typeface="Times New Roman" panose="02020603050405020304" pitchFamily="18" charset="0"/>
+                <a:cs typeface="Times New Roman" panose="02020603050405020304" pitchFamily="18" charset="0"/>
+              </a:rPr>
+              <a:t>L</a:t>
+            </a:r>
+            <a:r>
+              <a:rPr lang="vi-VN" sz="2000" dirty="0" smtClean="0">
+                <a:solidFill>
+                  <a:schemeClr val="bg1"/>
+                </a:solidFill>
+                <a:latin typeface="Times New Roman" panose="02020603050405020304" pitchFamily="18" charset="0"/>
+                <a:cs typeface="Times New Roman" panose="02020603050405020304" pitchFamily="18" charset="0"/>
+              </a:rPr>
+              <a:t>ưu </a:t>
+            </a:r>
+            <a:r>
+              <a:rPr lang="vi-VN" sz="2000" dirty="0">
+                <a:solidFill>
+                  <a:schemeClr val="bg1"/>
+                </a:solidFill>
+                <a:latin typeface="Times New Roman" panose="02020603050405020304" pitchFamily="18" charset="0"/>
+                <a:cs typeface="Times New Roman" panose="02020603050405020304" pitchFamily="18" charset="0"/>
+              </a:rPr>
+              <a:t>file local hoặc lưu trên HDFS</a:t>
+            </a:r>
+            <a:endParaRPr lang="en-US" sz="2000" dirty="0" smtClean="0">
+              <a:solidFill>
+                <a:schemeClr val="bg1"/>
+              </a:solidFill>
+              <a:latin typeface="Times New Roman" panose="02020603050405020304" pitchFamily="18" charset="0"/>
+              <a:cs typeface="Times New Roman" panose="02020603050405020304" pitchFamily="18" charset="0"/>
+            </a:endParaRPr>
+          </a:p>
+          <a:p>
+            <a:pPr marL="800100" lvl="1" indent="-342900">
+              <a:buFont typeface="Wingdings" panose="05000000000000000000" pitchFamily="2" charset="2"/>
+              <a:buChar char="ü"/>
+            </a:pPr>
+            <a:r>
+              <a:rPr lang="en-US" sz="2000" dirty="0" err="1" smtClean="0">
+                <a:solidFill>
+                  <a:schemeClr val="bg1"/>
+                </a:solidFill>
+                <a:latin typeface="Times New Roman" panose="02020603050405020304" pitchFamily="18" charset="0"/>
+                <a:cs typeface="Times New Roman" panose="02020603050405020304" pitchFamily="18" charset="0"/>
+              </a:rPr>
+              <a:t>Nhươc</a:t>
+            </a:r>
+            <a:r>
+              <a:rPr lang="en-US" sz="2000" dirty="0" smtClean="0">
+                <a:solidFill>
+                  <a:schemeClr val="bg1"/>
+                </a:solidFill>
+                <a:latin typeface="Times New Roman" panose="02020603050405020304" pitchFamily="18" charset="0"/>
+                <a:cs typeface="Times New Roman" panose="02020603050405020304" pitchFamily="18" charset="0"/>
+              </a:rPr>
+              <a:t> </a:t>
+            </a:r>
+            <a:r>
+              <a:rPr lang="en-US" sz="2000" dirty="0" err="1" smtClean="0">
+                <a:solidFill>
+                  <a:schemeClr val="bg1"/>
+                </a:solidFill>
+                <a:latin typeface="Times New Roman" panose="02020603050405020304" pitchFamily="18" charset="0"/>
+                <a:cs typeface="Times New Roman" panose="02020603050405020304" pitchFamily="18" charset="0"/>
+              </a:rPr>
+              <a:t>điểm</a:t>
+            </a:r>
+            <a:r>
+              <a:rPr lang="en-US" sz="2000" dirty="0" smtClean="0">
+                <a:solidFill>
+                  <a:schemeClr val="bg1"/>
+                </a:solidFill>
+                <a:latin typeface="Times New Roman" panose="02020603050405020304" pitchFamily="18" charset="0"/>
+                <a:cs typeface="Times New Roman" panose="02020603050405020304" pitchFamily="18" charset="0"/>
+              </a:rPr>
+              <a:t>: </a:t>
+            </a:r>
+            <a:r>
+              <a:rPr lang="vi-VN" sz="2000" dirty="0">
+                <a:solidFill>
+                  <a:schemeClr val="bg1"/>
+                </a:solidFill>
+                <a:latin typeface="Times New Roman" panose="02020603050405020304" pitchFamily="18" charset="0"/>
+                <a:cs typeface="Times New Roman" panose="02020603050405020304" pitchFamily="18" charset="0"/>
+              </a:rPr>
+              <a:t>khi node gặp sự cố, cả hệ thống sẽ bị ngưng</a:t>
+            </a:r>
+            <a:r>
+              <a:rPr lang="vi-VN" sz="2000" dirty="0" smtClean="0">
+                <a:solidFill>
+                  <a:schemeClr val="bg1"/>
+                </a:solidFill>
+                <a:latin typeface="Times New Roman" panose="02020603050405020304" pitchFamily="18" charset="0"/>
+                <a:cs typeface="Times New Roman" panose="02020603050405020304" pitchFamily="18" charset="0"/>
+              </a:rPr>
+              <a:t>.</a:t>
+            </a:r>
+            <a:endParaRPr lang="en-US" sz="2000" dirty="0">
+              <a:solidFill>
+                <a:schemeClr val="bg1"/>
+              </a:solidFill>
+              <a:latin typeface="Times New Roman" panose="02020603050405020304" pitchFamily="18" charset="0"/>
+              <a:cs typeface="Times New Roman" panose="02020603050405020304" pitchFamily="18" charset="0"/>
+            </a:endParaRPr>
+          </a:p>
+          <a:p>
+            <a:pPr lvl="1"/>
+            <a:endParaRPr lang="en-US" sz="2000" dirty="0" smtClean="0">
+              <a:solidFill>
+                <a:schemeClr val="bg1"/>
+              </a:solidFill>
+              <a:latin typeface="Times New Roman" panose="02020603050405020304" pitchFamily="18" charset="0"/>
+              <a:cs typeface="Times New Roman" panose="02020603050405020304" pitchFamily="18" charset="0"/>
+            </a:endParaRPr>
+          </a:p>
+          <a:p>
+            <a:pPr marL="342900" indent="-342900">
+              <a:buFont typeface="Wingdings" panose="05000000000000000000" pitchFamily="2" charset="2"/>
+              <a:buChar char="v"/>
+            </a:pPr>
+            <a:r>
+              <a:rPr lang="en-US" sz="2200" u="sng" dirty="0" err="1" smtClean="0">
+                <a:solidFill>
+                  <a:schemeClr val="bg1"/>
+                </a:solidFill>
+                <a:latin typeface="Times New Roman" panose="02020603050405020304" pitchFamily="18" charset="0"/>
+                <a:cs typeface="Times New Roman" panose="02020603050405020304" pitchFamily="18" charset="0"/>
+              </a:rPr>
+              <a:t>Phân</a:t>
+            </a:r>
+            <a:r>
+              <a:rPr lang="en-US" sz="2200" u="sng" dirty="0" smtClean="0">
+                <a:solidFill>
+                  <a:schemeClr val="bg1"/>
+                </a:solidFill>
+                <a:latin typeface="Times New Roman" panose="02020603050405020304" pitchFamily="18" charset="0"/>
+                <a:cs typeface="Times New Roman" panose="02020603050405020304" pitchFamily="18" charset="0"/>
+              </a:rPr>
+              <a:t> </a:t>
+            </a:r>
+            <a:r>
+              <a:rPr lang="en-US" sz="2200" u="sng" dirty="0" err="1" smtClean="0">
+                <a:solidFill>
+                  <a:schemeClr val="bg1"/>
+                </a:solidFill>
+                <a:latin typeface="Times New Roman" panose="02020603050405020304" pitchFamily="18" charset="0"/>
+                <a:cs typeface="Times New Roman" panose="02020603050405020304" pitchFamily="18" charset="0"/>
+              </a:rPr>
+              <a:t>tán</a:t>
+            </a:r>
+            <a:r>
+              <a:rPr lang="en-US" sz="2200" u="sng" dirty="0" smtClean="0">
+                <a:solidFill>
+                  <a:schemeClr val="bg1"/>
+                </a:solidFill>
+                <a:latin typeface="Times New Roman" panose="02020603050405020304" pitchFamily="18" charset="0"/>
+                <a:cs typeface="Times New Roman" panose="02020603050405020304" pitchFamily="18" charset="0"/>
+              </a:rPr>
+              <a:t> </a:t>
+            </a:r>
+            <a:r>
+              <a:rPr lang="en-US" sz="2200" u="sng" dirty="0" err="1" smtClean="0">
+                <a:solidFill>
+                  <a:schemeClr val="bg1"/>
+                </a:solidFill>
+                <a:latin typeface="Times New Roman" panose="02020603050405020304" pitchFamily="18" charset="0"/>
+                <a:cs typeface="Times New Roman" panose="02020603050405020304" pitchFamily="18" charset="0"/>
+              </a:rPr>
+              <a:t>hoàn</a:t>
+            </a:r>
+            <a:r>
+              <a:rPr lang="en-US" sz="2200" u="sng" dirty="0" smtClean="0">
+                <a:solidFill>
+                  <a:schemeClr val="bg1"/>
+                </a:solidFill>
+                <a:latin typeface="Times New Roman" panose="02020603050405020304" pitchFamily="18" charset="0"/>
+                <a:cs typeface="Times New Roman" panose="02020603050405020304" pitchFamily="18" charset="0"/>
+              </a:rPr>
+              <a:t> </a:t>
+            </a:r>
+            <a:r>
+              <a:rPr lang="en-US" sz="2200" u="sng" dirty="0" err="1" smtClean="0">
+                <a:solidFill>
+                  <a:schemeClr val="bg1"/>
+                </a:solidFill>
+                <a:latin typeface="Times New Roman" panose="02020603050405020304" pitchFamily="18" charset="0"/>
+                <a:cs typeface="Times New Roman" panose="02020603050405020304" pitchFamily="18" charset="0"/>
+              </a:rPr>
+              <a:t>toàn</a:t>
+            </a:r>
+            <a:r>
+              <a:rPr lang="en-US" sz="2200" dirty="0" smtClean="0">
+                <a:solidFill>
+                  <a:schemeClr val="bg1"/>
+                </a:solidFill>
+                <a:latin typeface="Times New Roman" panose="02020603050405020304" pitchFamily="18" charset="0"/>
+                <a:cs typeface="Times New Roman" panose="02020603050405020304" pitchFamily="18" charset="0"/>
+              </a:rPr>
+              <a:t>:</a:t>
+            </a:r>
+          </a:p>
+          <a:p>
+            <a:pPr marL="800100" lvl="1" indent="-342900">
+              <a:buFont typeface="Wingdings" panose="05000000000000000000" pitchFamily="2" charset="2"/>
+              <a:buChar char="ü"/>
+            </a:pPr>
+            <a:r>
+              <a:rPr lang="en-US" sz="2000" dirty="0" err="1" smtClean="0">
+                <a:solidFill>
+                  <a:schemeClr val="bg1"/>
+                </a:solidFill>
+                <a:latin typeface="Times New Roman" panose="02020603050405020304" pitchFamily="18" charset="0"/>
+                <a:cs typeface="Times New Roman" panose="02020603050405020304" pitchFamily="18" charset="0"/>
+              </a:rPr>
+              <a:t>Tự</a:t>
+            </a:r>
+            <a:r>
+              <a:rPr lang="en-US" sz="2000" dirty="0" smtClean="0">
+                <a:solidFill>
+                  <a:schemeClr val="bg1"/>
+                </a:solidFill>
+                <a:latin typeface="Times New Roman" panose="02020603050405020304" pitchFamily="18" charset="0"/>
+                <a:cs typeface="Times New Roman" panose="02020603050405020304" pitchFamily="18" charset="0"/>
+              </a:rPr>
+              <a:t> </a:t>
+            </a:r>
+            <a:r>
+              <a:rPr lang="en-US" sz="2000" dirty="0" err="1">
+                <a:solidFill>
+                  <a:schemeClr val="bg1"/>
+                </a:solidFill>
+                <a:latin typeface="Times New Roman" panose="02020603050405020304" pitchFamily="18" charset="0"/>
+                <a:cs typeface="Times New Roman" panose="02020603050405020304" pitchFamily="18" charset="0"/>
+              </a:rPr>
+              <a:t>động</a:t>
+            </a:r>
+            <a:r>
+              <a:rPr lang="en-US" sz="2000" dirty="0">
+                <a:solidFill>
+                  <a:schemeClr val="bg1"/>
+                </a:solidFill>
+                <a:latin typeface="Times New Roman" panose="02020603050405020304" pitchFamily="18" charset="0"/>
+                <a:cs typeface="Times New Roman" panose="02020603050405020304" pitchFamily="18" charset="0"/>
+              </a:rPr>
+              <a:t> chia </a:t>
+            </a:r>
+            <a:r>
+              <a:rPr lang="en-US" sz="2000" dirty="0" err="1">
+                <a:solidFill>
+                  <a:schemeClr val="bg1"/>
+                </a:solidFill>
+                <a:latin typeface="Times New Roman" panose="02020603050405020304" pitchFamily="18" charset="0"/>
+                <a:cs typeface="Times New Roman" panose="02020603050405020304" pitchFamily="18" charset="0"/>
+              </a:rPr>
+              <a:t>tách</a:t>
+            </a:r>
+            <a:r>
+              <a:rPr lang="en-US" sz="2000" dirty="0">
+                <a:solidFill>
+                  <a:schemeClr val="bg1"/>
+                </a:solidFill>
+                <a:latin typeface="Times New Roman" panose="02020603050405020304" pitchFamily="18" charset="0"/>
+                <a:cs typeface="Times New Roman" panose="02020603050405020304" pitchFamily="18" charset="0"/>
+              </a:rPr>
+              <a:t> </a:t>
+            </a:r>
+            <a:r>
+              <a:rPr lang="en-US" sz="2000" dirty="0" err="1">
+                <a:solidFill>
+                  <a:schemeClr val="bg1"/>
+                </a:solidFill>
+                <a:latin typeface="Times New Roman" panose="02020603050405020304" pitchFamily="18" charset="0"/>
+                <a:cs typeface="Times New Roman" panose="02020603050405020304" pitchFamily="18" charset="0"/>
+              </a:rPr>
+              <a:t>và</a:t>
+            </a:r>
+            <a:r>
+              <a:rPr lang="en-US" sz="2000" dirty="0">
+                <a:solidFill>
+                  <a:schemeClr val="bg1"/>
+                </a:solidFill>
+                <a:latin typeface="Times New Roman" panose="02020603050405020304" pitchFamily="18" charset="0"/>
+                <a:cs typeface="Times New Roman" panose="02020603050405020304" pitchFamily="18" charset="0"/>
+              </a:rPr>
+              <a:t> </a:t>
+            </a:r>
+            <a:r>
+              <a:rPr lang="en-US" sz="2000" dirty="0" err="1">
+                <a:solidFill>
+                  <a:schemeClr val="bg1"/>
+                </a:solidFill>
+                <a:latin typeface="Times New Roman" panose="02020603050405020304" pitchFamily="18" charset="0"/>
+                <a:cs typeface="Times New Roman" panose="02020603050405020304" pitchFamily="18" charset="0"/>
+              </a:rPr>
+              <a:t>phân</a:t>
+            </a:r>
+            <a:r>
+              <a:rPr lang="en-US" sz="2000" dirty="0">
+                <a:solidFill>
+                  <a:schemeClr val="bg1"/>
+                </a:solidFill>
+                <a:latin typeface="Times New Roman" panose="02020603050405020304" pitchFamily="18" charset="0"/>
+                <a:cs typeface="Times New Roman" panose="02020603050405020304" pitchFamily="18" charset="0"/>
+              </a:rPr>
+              <a:t> </a:t>
+            </a:r>
+            <a:r>
+              <a:rPr lang="en-US" sz="2000" dirty="0" err="1">
+                <a:solidFill>
+                  <a:schemeClr val="bg1"/>
+                </a:solidFill>
+                <a:latin typeface="Times New Roman" panose="02020603050405020304" pitchFamily="18" charset="0"/>
+                <a:cs typeface="Times New Roman" panose="02020603050405020304" pitchFamily="18" charset="0"/>
+              </a:rPr>
+              <a:t>tán</a:t>
+            </a:r>
+            <a:r>
+              <a:rPr lang="en-US" sz="2000" dirty="0">
+                <a:solidFill>
+                  <a:schemeClr val="bg1"/>
+                </a:solidFill>
+                <a:latin typeface="Times New Roman" panose="02020603050405020304" pitchFamily="18" charset="0"/>
+                <a:cs typeface="Times New Roman" panose="02020603050405020304" pitchFamily="18" charset="0"/>
+              </a:rPr>
+              <a:t> </a:t>
+            </a:r>
+            <a:r>
+              <a:rPr lang="en-US" sz="2000" dirty="0" err="1">
+                <a:solidFill>
+                  <a:schemeClr val="bg1"/>
+                </a:solidFill>
+                <a:latin typeface="Times New Roman" panose="02020603050405020304" pitchFamily="18" charset="0"/>
+                <a:cs typeface="Times New Roman" panose="02020603050405020304" pitchFamily="18" charset="0"/>
+              </a:rPr>
+              <a:t>các</a:t>
+            </a:r>
+            <a:r>
+              <a:rPr lang="en-US" sz="2000" dirty="0">
+                <a:solidFill>
+                  <a:schemeClr val="bg1"/>
+                </a:solidFill>
+                <a:latin typeface="Times New Roman" panose="02020603050405020304" pitchFamily="18" charset="0"/>
+                <a:cs typeface="Times New Roman" panose="02020603050405020304" pitchFamily="18" charset="0"/>
+              </a:rPr>
+              <a:t> </a:t>
+            </a:r>
+            <a:r>
+              <a:rPr lang="en-US" sz="2000" dirty="0" err="1">
+                <a:solidFill>
+                  <a:schemeClr val="bg1"/>
+                </a:solidFill>
+                <a:latin typeface="Times New Roman" panose="02020603050405020304" pitchFamily="18" charset="0"/>
+                <a:cs typeface="Times New Roman" panose="02020603050405020304" pitchFamily="18" charset="0"/>
+              </a:rPr>
+              <a:t>bảng</a:t>
+            </a:r>
+            <a:r>
+              <a:rPr lang="en-US" sz="2000" dirty="0">
+                <a:solidFill>
+                  <a:schemeClr val="bg1"/>
+                </a:solidFill>
+                <a:latin typeface="Times New Roman" panose="02020603050405020304" pitchFamily="18" charset="0"/>
+                <a:cs typeface="Times New Roman" panose="02020603050405020304" pitchFamily="18" charset="0"/>
+              </a:rPr>
+              <a:t> </a:t>
+            </a:r>
+            <a:r>
+              <a:rPr lang="en-US" sz="2000" dirty="0" err="1">
+                <a:solidFill>
+                  <a:schemeClr val="bg1"/>
+                </a:solidFill>
+                <a:latin typeface="Times New Roman" panose="02020603050405020304" pitchFamily="18" charset="0"/>
+                <a:cs typeface="Times New Roman" panose="02020603050405020304" pitchFamily="18" charset="0"/>
+              </a:rPr>
+              <a:t>dữ</a:t>
+            </a:r>
+            <a:r>
+              <a:rPr lang="en-US" sz="2000" dirty="0">
+                <a:solidFill>
+                  <a:schemeClr val="bg1"/>
+                </a:solidFill>
+                <a:latin typeface="Times New Roman" panose="02020603050405020304" pitchFamily="18" charset="0"/>
+                <a:cs typeface="Times New Roman" panose="02020603050405020304" pitchFamily="18" charset="0"/>
+              </a:rPr>
+              <a:t> </a:t>
+            </a:r>
+            <a:r>
+              <a:rPr lang="en-US" sz="2000" dirty="0" err="1" smtClean="0">
+                <a:solidFill>
+                  <a:schemeClr val="bg1"/>
+                </a:solidFill>
+                <a:latin typeface="Times New Roman" panose="02020603050405020304" pitchFamily="18" charset="0"/>
+                <a:cs typeface="Times New Roman" panose="02020603050405020304" pitchFamily="18" charset="0"/>
+              </a:rPr>
+              <a:t>liệu</a:t>
+            </a:r>
+            <a:r>
+              <a:rPr lang="en-US" sz="2000" dirty="0" smtClean="0">
+                <a:solidFill>
+                  <a:schemeClr val="bg1"/>
+                </a:solidFill>
+                <a:latin typeface="Times New Roman" panose="02020603050405020304" pitchFamily="18" charset="0"/>
+                <a:cs typeface="Times New Roman" panose="02020603050405020304" pitchFamily="18" charset="0"/>
+              </a:rPr>
+              <a:t> </a:t>
+            </a:r>
+            <a:r>
+              <a:rPr lang="en-US" sz="2000" dirty="0" err="1" smtClean="0">
+                <a:solidFill>
+                  <a:schemeClr val="bg1"/>
+                </a:solidFill>
+                <a:latin typeface="Times New Roman" panose="02020603050405020304" pitchFamily="18" charset="0"/>
+                <a:cs typeface="Times New Roman" panose="02020603050405020304" pitchFamily="18" charset="0"/>
+              </a:rPr>
+              <a:t>khi</a:t>
+            </a:r>
+            <a:r>
+              <a:rPr lang="en-US" sz="2000" dirty="0" smtClean="0">
+                <a:solidFill>
+                  <a:schemeClr val="bg1"/>
+                </a:solidFill>
+                <a:latin typeface="Times New Roman" panose="02020603050405020304" pitchFamily="18" charset="0"/>
+                <a:cs typeface="Times New Roman" panose="02020603050405020304" pitchFamily="18" charset="0"/>
+              </a:rPr>
+              <a:t> </a:t>
+            </a:r>
+            <a:r>
+              <a:rPr lang="en-US" sz="2000" dirty="0" err="1">
+                <a:solidFill>
+                  <a:schemeClr val="bg1"/>
+                </a:solidFill>
+                <a:latin typeface="Times New Roman" panose="02020603050405020304" pitchFamily="18" charset="0"/>
+                <a:cs typeface="Times New Roman" panose="02020603050405020304" pitchFamily="18" charset="0"/>
+              </a:rPr>
+              <a:t>bảng</a:t>
+            </a:r>
+            <a:r>
+              <a:rPr lang="en-US" sz="2000" dirty="0">
+                <a:solidFill>
+                  <a:schemeClr val="bg1"/>
+                </a:solidFill>
+                <a:latin typeface="Times New Roman" panose="02020603050405020304" pitchFamily="18" charset="0"/>
+                <a:cs typeface="Times New Roman" panose="02020603050405020304" pitchFamily="18" charset="0"/>
+              </a:rPr>
+              <a:t> quá </a:t>
+            </a:r>
+            <a:r>
+              <a:rPr lang="en-US" sz="2000" dirty="0" err="1" smtClean="0">
+                <a:solidFill>
+                  <a:schemeClr val="bg1"/>
+                </a:solidFill>
+                <a:latin typeface="Times New Roman" panose="02020603050405020304" pitchFamily="18" charset="0"/>
+                <a:cs typeface="Times New Roman" panose="02020603050405020304" pitchFamily="18" charset="0"/>
+              </a:rPr>
+              <a:t>lớn</a:t>
+            </a:r>
+            <a:r>
+              <a:rPr lang="en-US" sz="2000" dirty="0" smtClean="0">
+                <a:solidFill>
+                  <a:schemeClr val="bg1"/>
+                </a:solidFill>
+                <a:latin typeface="Times New Roman" panose="02020603050405020304" pitchFamily="18" charset="0"/>
+                <a:cs typeface="Times New Roman" panose="02020603050405020304" pitchFamily="18" charset="0"/>
+              </a:rPr>
+              <a:t>.</a:t>
+            </a:r>
+          </a:p>
+          <a:p>
+            <a:pPr marL="800100" lvl="1" indent="-342900">
+              <a:buFont typeface="Wingdings" panose="05000000000000000000" pitchFamily="2" charset="2"/>
+              <a:buChar char="ü"/>
+            </a:pPr>
+            <a:r>
+              <a:rPr lang="en-US" sz="2000" dirty="0" smtClean="0">
+                <a:solidFill>
+                  <a:schemeClr val="bg1"/>
+                </a:solidFill>
+                <a:latin typeface="Times New Roman" panose="02020603050405020304" pitchFamily="18" charset="0"/>
+                <a:cs typeface="Times New Roman" panose="02020603050405020304" pitchFamily="18" charset="0"/>
+              </a:rPr>
+              <a:t>T</a:t>
+            </a:r>
+            <a:r>
+              <a:rPr lang="vi-VN" sz="2000" dirty="0" smtClean="0">
+                <a:solidFill>
+                  <a:schemeClr val="bg1"/>
+                </a:solidFill>
+                <a:latin typeface="Times New Roman" panose="02020603050405020304" pitchFamily="18" charset="0"/>
+                <a:cs typeface="Times New Roman" panose="02020603050405020304" pitchFamily="18" charset="0"/>
+              </a:rPr>
+              <a:t>hường </a:t>
+            </a:r>
+            <a:r>
+              <a:rPr lang="vi-VN" sz="2000" dirty="0">
+                <a:solidFill>
+                  <a:schemeClr val="bg1"/>
+                </a:solidFill>
+                <a:latin typeface="Times New Roman" panose="02020603050405020304" pitchFamily="18" charset="0"/>
+                <a:cs typeface="Times New Roman" panose="02020603050405020304" pitchFamily="18" charset="0"/>
+              </a:rPr>
+              <a:t>được dùng để vận hành sản phẩm thật vì được chạy trên một hệ</a:t>
+            </a:r>
+            <a:br>
+              <a:rPr lang="vi-VN" sz="2000" dirty="0">
+                <a:solidFill>
+                  <a:schemeClr val="bg1"/>
+                </a:solidFill>
+                <a:latin typeface="Times New Roman" panose="02020603050405020304" pitchFamily="18" charset="0"/>
+                <a:cs typeface="Times New Roman" panose="02020603050405020304" pitchFamily="18" charset="0"/>
+              </a:rPr>
+            </a:br>
+            <a:r>
+              <a:rPr lang="vi-VN" sz="2000" dirty="0">
+                <a:solidFill>
+                  <a:schemeClr val="bg1"/>
+                </a:solidFill>
+                <a:latin typeface="Times New Roman" panose="02020603050405020304" pitchFamily="18" charset="0"/>
+                <a:cs typeface="Times New Roman" panose="02020603050405020304" pitchFamily="18" charset="0"/>
+              </a:rPr>
+              <a:t>thống gồm nhiều </a:t>
+            </a:r>
+            <a:r>
+              <a:rPr lang="vi-VN" sz="2000" dirty="0" smtClean="0">
+                <a:solidFill>
+                  <a:schemeClr val="bg1"/>
+                </a:solidFill>
+                <a:latin typeface="Times New Roman" panose="02020603050405020304" pitchFamily="18" charset="0"/>
+                <a:cs typeface="Times New Roman" panose="02020603050405020304" pitchFamily="18" charset="0"/>
+              </a:rPr>
+              <a:t>node</a:t>
+            </a:r>
+            <a:r>
+              <a:rPr lang="en-US" sz="2000" dirty="0" smtClean="0">
+                <a:solidFill>
+                  <a:schemeClr val="bg1"/>
+                </a:solidFill>
+                <a:latin typeface="Times New Roman" panose="02020603050405020304" pitchFamily="18" charset="0"/>
+                <a:cs typeface="Times New Roman" panose="02020603050405020304" pitchFamily="18" charset="0"/>
+              </a:rPr>
+              <a:t>.</a:t>
+            </a:r>
+          </a:p>
+        </p:txBody>
+      </p:sp>
+    </p:spTree>
+    <p:extLst>
+      <p:ext uri="{BB962C8B-B14F-4D97-AF65-F5344CB8AC3E}">
+        <p14:creationId xmlns:p14="http://schemas.microsoft.com/office/powerpoint/2010/main" val="2794199079"/>
+      </p:ext>
+    </p:extLst>
+  </p:cSld>
+  <p:clrMapOvr>
+    <a:masterClrMapping/>
+  </p:clrMapOvr>
+  <p:timing>
+    <p:tnLst>
+      <p:par>
+        <p:cTn id="1" dur="indefinite" restart="never" nodeType="tmRoot">
+          <p:childTnLst>
+            <p:seq concurrent="1" nextAc="seek">
+              <p:cTn id="2" dur="indefinite" nodeType="mainSeq">
+                <p:childTnLst>
+                  <p:par>
+                    <p:cTn id="3" fill="hold">
+                      <p:stCondLst>
+                        <p:cond delay="indefinite"/>
+                        <p:cond evt="onBegin" delay="0">
+                          <p:tn val="2"/>
+                        </p:cond>
+                      </p:stCondLst>
+                      <p:childTnLst>
+                        <p:par>
+                          <p:cTn id="4" fill="hold">
+                            <p:stCondLst>
+                              <p:cond delay="0"/>
+                            </p:stCondLst>
+                            <p:childTnLst>
+                              <p:par>
+                                <p:cTn id="5" presetID="2" presetClass="entr" presetSubtype="4" fill="hold" grpId="0" nodeType="afterEffect">
+                                  <p:stCondLst>
+                                    <p:cond delay="0"/>
+                                  </p:stCondLst>
+                                  <p:childTnLst>
+                                    <p:set>
+                                      <p:cBhvr>
+                                        <p:cTn id="6" dur="1" fill="hold">
+                                          <p:stCondLst>
+                                            <p:cond delay="0"/>
+                                          </p:stCondLst>
+                                        </p:cTn>
+                                        <p:tgtEl>
+                                          <p:spTgt spid="10"/>
+                                        </p:tgtEl>
+                                        <p:attrNameLst>
+                                          <p:attrName>style.visibility</p:attrName>
+                                        </p:attrNameLst>
+                                      </p:cBhvr>
+                                      <p:to>
+                                        <p:strVal val="visible"/>
+                                      </p:to>
+                                    </p:set>
+                                    <p:anim calcmode="lin" valueType="num">
+                                      <p:cBhvr additive="base">
+                                        <p:cTn id="7" dur="300" fill="hold"/>
+                                        <p:tgtEl>
+                                          <p:spTgt spid="10"/>
+                                        </p:tgtEl>
+                                        <p:attrNameLst>
+                                          <p:attrName>ppt_x</p:attrName>
+                                        </p:attrNameLst>
+                                      </p:cBhvr>
+                                      <p:tavLst>
+                                        <p:tav tm="0">
+                                          <p:val>
+                                            <p:strVal val="#ppt_x"/>
+                                          </p:val>
+                                        </p:tav>
+                                        <p:tav tm="100000">
+                                          <p:val>
+                                            <p:strVal val="#ppt_x"/>
+                                          </p:val>
+                                        </p:tav>
+                                      </p:tavLst>
+                                    </p:anim>
+                                    <p:anim calcmode="lin" valueType="num">
+                                      <p:cBhvr additive="base">
+                                        <p:cTn id="8" dur="300" fill="hold"/>
+                                        <p:tgtEl>
+                                          <p:spTgt spid="10"/>
+                                        </p:tgtEl>
+                                        <p:attrNameLst>
+                                          <p:attrName>ppt_y</p:attrName>
+                                        </p:attrNameLst>
+                                      </p:cBhvr>
+                                      <p:tavLst>
+                                        <p:tav tm="0">
+                                          <p:val>
+                                            <p:strVal val="1+#ppt_h/2"/>
+                                          </p:val>
+                                        </p:tav>
+                                        <p:tav tm="100000">
+                                          <p:val>
+                                            <p:strVal val="#ppt_y"/>
+                                          </p:val>
+                                        </p:tav>
+                                      </p:tavLst>
+                                    </p:anim>
+                                  </p:childTnLst>
+                                </p:cTn>
+                              </p:par>
+                            </p:childTnLst>
+                          </p:cTn>
+                        </p:par>
+                      </p:childTnLst>
+                    </p:cTn>
+                  </p:par>
+                </p:childTnLst>
+              </p:cTn>
+              <p:prevCondLst>
+                <p:cond evt="onPrev" delay="0">
+                  <p:tgtEl>
+                    <p:sldTgt/>
+                  </p:tgtEl>
+                </p:cond>
+              </p:prevCondLst>
+              <p:nextCondLst>
+                <p:cond evt="onNext" delay="0">
+                  <p:tgtEl>
+                    <p:sldTgt/>
+                  </p:tgtEl>
+                </p:cond>
+              </p:nextCondLst>
+            </p:seq>
+          </p:childTnLst>
+        </p:cTn>
+      </p:par>
+    </p:tnLst>
+    <p:bldLst>
+      <p:bldP spid="10" grpId="0"/>
+    </p:bldLst>
   </p:timing>
 </p:sld>
 </file>
@@ -14276,1430 +15398,6 @@
               <a:buChar char="•"/>
             </a:pPr>
             <a:r>
-              <a:rPr lang="en-US" sz="2400" b="1" i="1" dirty="0" err="1" smtClean="0">
-                <a:solidFill>
-                  <a:schemeClr val="bg1"/>
-                </a:solidFill>
-                <a:latin typeface="Times New Roman" panose="02020603050405020304" pitchFamily="18" charset="0"/>
-                <a:cs typeface="Times New Roman" panose="02020603050405020304" pitchFamily="18" charset="0"/>
-              </a:rPr>
-              <a:t>Tính</a:t>
-            </a:r>
-            <a:r>
-              <a:rPr lang="en-US" sz="2400" b="1" i="1" dirty="0" smtClean="0">
-                <a:solidFill>
-                  <a:schemeClr val="bg1"/>
-                </a:solidFill>
-                <a:latin typeface="Times New Roman" panose="02020603050405020304" pitchFamily="18" charset="0"/>
-                <a:cs typeface="Times New Roman" panose="02020603050405020304" pitchFamily="18" charset="0"/>
-              </a:rPr>
-              <a:t> </a:t>
-            </a:r>
-            <a:r>
-              <a:rPr lang="en-US" sz="2400" b="1" i="1" dirty="0" err="1" smtClean="0">
-                <a:solidFill>
-                  <a:schemeClr val="bg1"/>
-                </a:solidFill>
-                <a:latin typeface="Times New Roman" panose="02020603050405020304" pitchFamily="18" charset="0"/>
-                <a:cs typeface="Times New Roman" panose="02020603050405020304" pitchFamily="18" charset="0"/>
-              </a:rPr>
-              <a:t>phân</a:t>
-            </a:r>
-            <a:r>
-              <a:rPr lang="en-US" sz="2400" b="1" i="1" dirty="0" smtClean="0">
-                <a:solidFill>
-                  <a:schemeClr val="bg1"/>
-                </a:solidFill>
-                <a:latin typeface="Times New Roman" panose="02020603050405020304" pitchFamily="18" charset="0"/>
-                <a:cs typeface="Times New Roman" panose="02020603050405020304" pitchFamily="18" charset="0"/>
-              </a:rPr>
-              <a:t> </a:t>
-            </a:r>
-            <a:r>
-              <a:rPr lang="en-US" sz="2400" b="1" i="1" dirty="0" err="1" smtClean="0">
-                <a:solidFill>
-                  <a:schemeClr val="bg1"/>
-                </a:solidFill>
-                <a:latin typeface="Times New Roman" panose="02020603050405020304" pitchFamily="18" charset="0"/>
-                <a:cs typeface="Times New Roman" panose="02020603050405020304" pitchFamily="18" charset="0"/>
-              </a:rPr>
-              <a:t>tán</a:t>
-            </a:r>
-            <a:r>
-              <a:rPr lang="en-US" sz="2400" b="1" i="1" dirty="0" smtClean="0">
-                <a:solidFill>
-                  <a:schemeClr val="bg1"/>
-                </a:solidFill>
-                <a:latin typeface="Times New Roman" panose="02020603050405020304" pitchFamily="18" charset="0"/>
-                <a:cs typeface="Times New Roman" panose="02020603050405020304" pitchFamily="18" charset="0"/>
-              </a:rPr>
-              <a:t> (Distributed): Có </a:t>
-            </a:r>
-            <a:r>
-              <a:rPr lang="en-US" sz="2400" b="1" i="1" dirty="0" err="1" smtClean="0">
-                <a:solidFill>
-                  <a:schemeClr val="bg1"/>
-                </a:solidFill>
-                <a:latin typeface="Times New Roman" panose="02020603050405020304" pitchFamily="18" charset="0"/>
-                <a:cs typeface="Times New Roman" panose="02020603050405020304" pitchFamily="18" charset="0"/>
-              </a:rPr>
-              <a:t>hai</a:t>
-            </a:r>
-            <a:r>
-              <a:rPr lang="en-US" sz="2400" b="1" i="1" dirty="0" smtClean="0">
-                <a:solidFill>
-                  <a:schemeClr val="bg1"/>
-                </a:solidFill>
-                <a:latin typeface="Times New Roman" panose="02020603050405020304" pitchFamily="18" charset="0"/>
-                <a:cs typeface="Times New Roman" panose="02020603050405020304" pitchFamily="18" charset="0"/>
-              </a:rPr>
-              <a:t> </a:t>
-            </a:r>
-            <a:r>
-              <a:rPr lang="en-US" sz="2400" b="1" i="1" dirty="0" err="1" smtClean="0">
-                <a:solidFill>
-                  <a:schemeClr val="bg1"/>
-                </a:solidFill>
-                <a:latin typeface="Times New Roman" panose="02020603050405020304" pitchFamily="18" charset="0"/>
-                <a:cs typeface="Times New Roman" panose="02020603050405020304" pitchFamily="18" charset="0"/>
-              </a:rPr>
-              <a:t>phương</a:t>
-            </a:r>
-            <a:r>
-              <a:rPr lang="en-US" sz="2400" b="1" i="1" dirty="0" smtClean="0">
-                <a:solidFill>
-                  <a:schemeClr val="bg1"/>
-                </a:solidFill>
-                <a:latin typeface="Times New Roman" panose="02020603050405020304" pitchFamily="18" charset="0"/>
-                <a:cs typeface="Times New Roman" panose="02020603050405020304" pitchFamily="18" charset="0"/>
-              </a:rPr>
-              <a:t> </a:t>
-            </a:r>
-            <a:r>
-              <a:rPr lang="en-US" sz="2400" b="1" i="1" dirty="0" err="1" smtClean="0">
-                <a:solidFill>
-                  <a:schemeClr val="bg1"/>
-                </a:solidFill>
-                <a:latin typeface="Times New Roman" panose="02020603050405020304" pitchFamily="18" charset="0"/>
-                <a:cs typeface="Times New Roman" panose="02020603050405020304" pitchFamily="18" charset="0"/>
-              </a:rPr>
-              <a:t>thức</a:t>
-            </a:r>
-            <a:r>
-              <a:rPr lang="en-US" sz="2400" b="1" i="1" dirty="0" smtClean="0">
-                <a:solidFill>
-                  <a:schemeClr val="bg1"/>
-                </a:solidFill>
-                <a:latin typeface="Times New Roman" panose="02020603050405020304" pitchFamily="18" charset="0"/>
-                <a:cs typeface="Times New Roman" panose="02020603050405020304" pitchFamily="18" charset="0"/>
-              </a:rPr>
-              <a:t> </a:t>
-            </a:r>
-            <a:r>
-              <a:rPr lang="en-US" sz="2400" b="1" i="1" dirty="0" err="1" smtClean="0">
-                <a:solidFill>
-                  <a:schemeClr val="bg1"/>
-                </a:solidFill>
-                <a:latin typeface="Times New Roman" panose="02020603050405020304" pitchFamily="18" charset="0"/>
-                <a:cs typeface="Times New Roman" panose="02020603050405020304" pitchFamily="18" charset="0"/>
-              </a:rPr>
-              <a:t>phân</a:t>
-            </a:r>
-            <a:r>
-              <a:rPr lang="en-US" sz="2400" b="1" i="1" dirty="0" smtClean="0">
-                <a:solidFill>
-                  <a:schemeClr val="bg1"/>
-                </a:solidFill>
-                <a:latin typeface="Times New Roman" panose="02020603050405020304" pitchFamily="18" charset="0"/>
-                <a:cs typeface="Times New Roman" panose="02020603050405020304" pitchFamily="18" charset="0"/>
-              </a:rPr>
-              <a:t> </a:t>
-            </a:r>
-            <a:r>
-              <a:rPr lang="en-US" sz="2400" b="1" i="1" dirty="0" err="1" smtClean="0">
-                <a:solidFill>
-                  <a:schemeClr val="bg1"/>
-                </a:solidFill>
-                <a:latin typeface="Times New Roman" panose="02020603050405020304" pitchFamily="18" charset="0"/>
-                <a:cs typeface="Times New Roman" panose="02020603050405020304" pitchFamily="18" charset="0"/>
-              </a:rPr>
-              <a:t>tán</a:t>
-            </a:r>
-            <a:endParaRPr lang="en-US" sz="2400" b="1" i="1" dirty="0" smtClean="0">
-              <a:solidFill>
-                <a:schemeClr val="bg1"/>
-              </a:solidFill>
-              <a:latin typeface="Times New Roman" panose="02020603050405020304" pitchFamily="18" charset="0"/>
-              <a:cs typeface="Times New Roman" panose="02020603050405020304" pitchFamily="18" charset="0"/>
-            </a:endParaRPr>
-          </a:p>
-        </p:txBody>
-      </p:sp>
-      <p:sp>
-        <p:nvSpPr>
-          <p:cNvPr id="10" name="TextBox 9"/>
-          <p:cNvSpPr txBox="1"/>
-          <p:nvPr/>
-        </p:nvSpPr>
-        <p:spPr>
-          <a:xfrm>
-            <a:off x="1378857" y="1874579"/>
-            <a:ext cx="10515600" cy="2923877"/>
-          </a:xfrm>
-          <a:prstGeom prst="rect">
-            <a:avLst/>
-          </a:prstGeom>
-          <a:noFill/>
-        </p:spPr>
-        <p:txBody>
-          <a:bodyPr wrap="square" rtlCol="0">
-            <a:spAutoFit/>
-          </a:bodyPr>
-          <a:lstStyle/>
-          <a:p>
-            <a:pPr marL="342900" indent="-342900">
-              <a:buFont typeface="Wingdings" panose="05000000000000000000" pitchFamily="2" charset="2"/>
-              <a:buChar char="v"/>
-            </a:pPr>
-            <a:r>
-              <a:rPr lang="en-US" sz="2200" u="sng" dirty="0" err="1" smtClean="0">
-                <a:solidFill>
-                  <a:schemeClr val="bg1"/>
-                </a:solidFill>
-                <a:latin typeface="Times New Roman" panose="02020603050405020304" pitchFamily="18" charset="0"/>
-                <a:cs typeface="Times New Roman" panose="02020603050405020304" pitchFamily="18" charset="0"/>
-              </a:rPr>
-              <a:t>Giả</a:t>
-            </a:r>
-            <a:r>
-              <a:rPr lang="en-US" sz="2200" u="sng" dirty="0" smtClean="0">
-                <a:solidFill>
-                  <a:schemeClr val="bg1"/>
-                </a:solidFill>
-                <a:latin typeface="Times New Roman" panose="02020603050405020304" pitchFamily="18" charset="0"/>
-                <a:cs typeface="Times New Roman" panose="02020603050405020304" pitchFamily="18" charset="0"/>
-              </a:rPr>
-              <a:t> </a:t>
-            </a:r>
-            <a:r>
-              <a:rPr lang="en-US" sz="2200" u="sng" dirty="0" err="1" smtClean="0">
-                <a:solidFill>
-                  <a:schemeClr val="bg1"/>
-                </a:solidFill>
-                <a:latin typeface="Times New Roman" panose="02020603050405020304" pitchFamily="18" charset="0"/>
-                <a:cs typeface="Times New Roman" panose="02020603050405020304" pitchFamily="18" charset="0"/>
-              </a:rPr>
-              <a:t>phân</a:t>
-            </a:r>
-            <a:r>
-              <a:rPr lang="en-US" sz="2200" u="sng" dirty="0" smtClean="0">
-                <a:solidFill>
-                  <a:schemeClr val="bg1"/>
-                </a:solidFill>
-                <a:latin typeface="Times New Roman" panose="02020603050405020304" pitchFamily="18" charset="0"/>
-                <a:cs typeface="Times New Roman" panose="02020603050405020304" pitchFamily="18" charset="0"/>
-              </a:rPr>
-              <a:t> </a:t>
-            </a:r>
-            <a:r>
-              <a:rPr lang="en-US" sz="2200" u="sng" dirty="0" err="1" smtClean="0">
-                <a:solidFill>
-                  <a:schemeClr val="bg1"/>
-                </a:solidFill>
-                <a:latin typeface="Times New Roman" panose="02020603050405020304" pitchFamily="18" charset="0"/>
-                <a:cs typeface="Times New Roman" panose="02020603050405020304" pitchFamily="18" charset="0"/>
-              </a:rPr>
-              <a:t>tán</a:t>
-            </a:r>
-            <a:r>
-              <a:rPr lang="en-US" sz="2200" dirty="0" smtClean="0">
-                <a:solidFill>
-                  <a:schemeClr val="bg1"/>
-                </a:solidFill>
-                <a:latin typeface="Times New Roman" panose="02020603050405020304" pitchFamily="18" charset="0"/>
-                <a:cs typeface="Times New Roman" panose="02020603050405020304" pitchFamily="18" charset="0"/>
-              </a:rPr>
-              <a:t>:</a:t>
-            </a:r>
-          </a:p>
-          <a:p>
-            <a:pPr marL="800100" lvl="1" indent="-342900">
-              <a:buFont typeface="Wingdings" panose="05000000000000000000" pitchFamily="2" charset="2"/>
-              <a:buChar char="ü"/>
-            </a:pPr>
-            <a:r>
-              <a:rPr lang="en-US" sz="2000" dirty="0" err="1">
-                <a:solidFill>
-                  <a:schemeClr val="bg1"/>
-                </a:solidFill>
-                <a:latin typeface="Times New Roman" panose="02020603050405020304" pitchFamily="18" charset="0"/>
-                <a:cs typeface="Times New Roman" panose="02020603050405020304" pitchFamily="18" charset="0"/>
-              </a:rPr>
-              <a:t>Mỗi</a:t>
-            </a:r>
-            <a:r>
-              <a:rPr lang="en-US" sz="2000" dirty="0">
-                <a:solidFill>
-                  <a:schemeClr val="bg1"/>
-                </a:solidFill>
-                <a:latin typeface="Times New Roman" panose="02020603050405020304" pitchFamily="18" charset="0"/>
-                <a:cs typeface="Times New Roman" panose="02020603050405020304" pitchFamily="18" charset="0"/>
-              </a:rPr>
-              <a:t> </a:t>
-            </a:r>
-            <a:r>
-              <a:rPr lang="en-US" sz="2000" dirty="0" err="1">
-                <a:solidFill>
-                  <a:schemeClr val="bg1"/>
-                </a:solidFill>
-                <a:latin typeface="Times New Roman" panose="02020603050405020304" pitchFamily="18" charset="0"/>
-                <a:cs typeface="Times New Roman" panose="02020603050405020304" pitchFamily="18" charset="0"/>
-              </a:rPr>
-              <a:t>thành</a:t>
-            </a:r>
-            <a:r>
-              <a:rPr lang="en-US" sz="2000" dirty="0">
-                <a:solidFill>
-                  <a:schemeClr val="bg1"/>
-                </a:solidFill>
-                <a:latin typeface="Times New Roman" panose="02020603050405020304" pitchFamily="18" charset="0"/>
-                <a:cs typeface="Times New Roman" panose="02020603050405020304" pitchFamily="18" charset="0"/>
-              </a:rPr>
-              <a:t> </a:t>
-            </a:r>
-            <a:r>
-              <a:rPr lang="en-US" sz="2000" dirty="0" err="1">
-                <a:solidFill>
-                  <a:schemeClr val="bg1"/>
-                </a:solidFill>
-                <a:latin typeface="Times New Roman" panose="02020603050405020304" pitchFamily="18" charset="0"/>
-                <a:cs typeface="Times New Roman" panose="02020603050405020304" pitchFamily="18" charset="0"/>
-              </a:rPr>
-              <a:t>phần</a:t>
-            </a:r>
-            <a:r>
-              <a:rPr lang="en-US" sz="2000" dirty="0">
-                <a:solidFill>
-                  <a:schemeClr val="bg1"/>
-                </a:solidFill>
-                <a:latin typeface="Times New Roman" panose="02020603050405020304" pitchFamily="18" charset="0"/>
-                <a:cs typeface="Times New Roman" panose="02020603050405020304" pitchFamily="18" charset="0"/>
-              </a:rPr>
-              <a:t> của </a:t>
-            </a:r>
-            <a:r>
-              <a:rPr lang="en-US" sz="2000" dirty="0" err="1">
-                <a:solidFill>
-                  <a:schemeClr val="bg1"/>
-                </a:solidFill>
-                <a:latin typeface="Times New Roman" panose="02020603050405020304" pitchFamily="18" charset="0"/>
-                <a:cs typeface="Times New Roman" panose="02020603050405020304" pitchFamily="18" charset="0"/>
-              </a:rPr>
-              <a:t>HBase</a:t>
-            </a:r>
-            <a:r>
-              <a:rPr lang="en-US" sz="2000" dirty="0">
-                <a:solidFill>
-                  <a:schemeClr val="bg1"/>
-                </a:solidFill>
-                <a:latin typeface="Times New Roman" panose="02020603050405020304" pitchFamily="18" charset="0"/>
-                <a:cs typeface="Times New Roman" panose="02020603050405020304" pitchFamily="18" charset="0"/>
-              </a:rPr>
-              <a:t> là </a:t>
-            </a:r>
-            <a:r>
-              <a:rPr lang="en-US" sz="2000" dirty="0" err="1">
-                <a:solidFill>
-                  <a:schemeClr val="bg1"/>
-                </a:solidFill>
-                <a:latin typeface="Times New Roman" panose="02020603050405020304" pitchFamily="18" charset="0"/>
-                <a:cs typeface="Times New Roman" panose="02020603050405020304" pitchFamily="18" charset="0"/>
-              </a:rPr>
-              <a:t>một</a:t>
-            </a:r>
-            <a:r>
-              <a:rPr lang="en-US" sz="2000" dirty="0">
-                <a:solidFill>
-                  <a:schemeClr val="bg1"/>
-                </a:solidFill>
-                <a:latin typeface="Times New Roman" panose="02020603050405020304" pitchFamily="18" charset="0"/>
-                <a:cs typeface="Times New Roman" panose="02020603050405020304" pitchFamily="18" charset="0"/>
-              </a:rPr>
-              <a:t> process </a:t>
-            </a:r>
-            <a:r>
-              <a:rPr lang="en-US" sz="2000" dirty="0" err="1">
-                <a:solidFill>
-                  <a:schemeClr val="bg1"/>
-                </a:solidFill>
-                <a:latin typeface="Times New Roman" panose="02020603050405020304" pitchFamily="18" charset="0"/>
-                <a:cs typeface="Times New Roman" panose="02020603050405020304" pitchFamily="18" charset="0"/>
-              </a:rPr>
-              <a:t>riêng</a:t>
-            </a:r>
-            <a:r>
-              <a:rPr lang="en-US" sz="2000" dirty="0">
-                <a:solidFill>
-                  <a:schemeClr val="bg1"/>
-                </a:solidFill>
-                <a:latin typeface="Times New Roman" panose="02020603050405020304" pitchFamily="18" charset="0"/>
-                <a:cs typeface="Times New Roman" panose="02020603050405020304" pitchFamily="18" charset="0"/>
-              </a:rPr>
-              <a:t> lẻ, </a:t>
-            </a:r>
-            <a:r>
-              <a:rPr lang="en-US" sz="2000" dirty="0" err="1">
-                <a:solidFill>
-                  <a:schemeClr val="bg1"/>
-                </a:solidFill>
-                <a:latin typeface="Times New Roman" panose="02020603050405020304" pitchFamily="18" charset="0"/>
-                <a:cs typeface="Times New Roman" panose="02020603050405020304" pitchFamily="18" charset="0"/>
-              </a:rPr>
-              <a:t>và</a:t>
-            </a:r>
-            <a:r>
-              <a:rPr lang="en-US" sz="2000" dirty="0">
-                <a:solidFill>
-                  <a:schemeClr val="bg1"/>
-                </a:solidFill>
-                <a:latin typeface="Times New Roman" panose="02020603050405020304" pitchFamily="18" charset="0"/>
-                <a:cs typeface="Times New Roman" panose="02020603050405020304" pitchFamily="18" charset="0"/>
-              </a:rPr>
-              <a:t> </a:t>
-            </a:r>
-            <a:r>
-              <a:rPr lang="en-US" sz="2000" dirty="0" err="1">
-                <a:solidFill>
-                  <a:schemeClr val="bg1"/>
-                </a:solidFill>
-                <a:latin typeface="Times New Roman" panose="02020603050405020304" pitchFamily="18" charset="0"/>
-                <a:cs typeface="Times New Roman" panose="02020603050405020304" pitchFamily="18" charset="0"/>
-              </a:rPr>
-              <a:t>đều</a:t>
-            </a:r>
-            <a:r>
-              <a:rPr lang="en-US" sz="2000" dirty="0">
-                <a:solidFill>
-                  <a:schemeClr val="bg1"/>
-                </a:solidFill>
-                <a:latin typeface="Times New Roman" panose="02020603050405020304" pitchFamily="18" charset="0"/>
-                <a:cs typeface="Times New Roman" panose="02020603050405020304" pitchFamily="18" charset="0"/>
-              </a:rPr>
-              <a:t> chạy </a:t>
-            </a:r>
-            <a:r>
-              <a:rPr lang="en-US" sz="2000" dirty="0" err="1">
-                <a:solidFill>
-                  <a:schemeClr val="bg1"/>
-                </a:solidFill>
-                <a:latin typeface="Times New Roman" panose="02020603050405020304" pitchFamily="18" charset="0"/>
-                <a:cs typeface="Times New Roman" panose="02020603050405020304" pitchFamily="18" charset="0"/>
-              </a:rPr>
-              <a:t>trên</a:t>
-            </a:r>
-            <a:r>
-              <a:rPr lang="en-US" sz="2000" dirty="0">
-                <a:solidFill>
-                  <a:schemeClr val="bg1"/>
-                </a:solidFill>
-                <a:latin typeface="Times New Roman" panose="02020603050405020304" pitchFamily="18" charset="0"/>
-                <a:cs typeface="Times New Roman" panose="02020603050405020304" pitchFamily="18" charset="0"/>
-              </a:rPr>
-              <a:t> 1 </a:t>
-            </a:r>
-            <a:r>
-              <a:rPr lang="en-US" sz="2000" dirty="0" smtClean="0">
-                <a:solidFill>
-                  <a:schemeClr val="bg1"/>
-                </a:solidFill>
-                <a:latin typeface="Times New Roman" panose="02020603050405020304" pitchFamily="18" charset="0"/>
-                <a:cs typeface="Times New Roman" panose="02020603050405020304" pitchFamily="18" charset="0"/>
-              </a:rPr>
-              <a:t>node.</a:t>
-            </a:r>
-          </a:p>
-          <a:p>
-            <a:pPr marL="800100" lvl="1" indent="-342900">
-              <a:buFont typeface="Wingdings" panose="05000000000000000000" pitchFamily="2" charset="2"/>
-              <a:buChar char="ü"/>
-            </a:pPr>
-            <a:r>
-              <a:rPr lang="en-US" sz="2000" dirty="0" smtClean="0">
-                <a:solidFill>
-                  <a:schemeClr val="bg1"/>
-                </a:solidFill>
-                <a:latin typeface="Times New Roman" panose="02020603050405020304" pitchFamily="18" charset="0"/>
-                <a:cs typeface="Times New Roman" panose="02020603050405020304" pitchFamily="18" charset="0"/>
-              </a:rPr>
-              <a:t>L</a:t>
-            </a:r>
-            <a:r>
-              <a:rPr lang="vi-VN" sz="2000" dirty="0" smtClean="0">
-                <a:solidFill>
-                  <a:schemeClr val="bg1"/>
-                </a:solidFill>
-                <a:latin typeface="Times New Roman" panose="02020603050405020304" pitchFamily="18" charset="0"/>
-                <a:cs typeface="Times New Roman" panose="02020603050405020304" pitchFamily="18" charset="0"/>
-              </a:rPr>
-              <a:t>ưu </a:t>
-            </a:r>
-            <a:r>
-              <a:rPr lang="vi-VN" sz="2000" dirty="0">
-                <a:solidFill>
-                  <a:schemeClr val="bg1"/>
-                </a:solidFill>
-                <a:latin typeface="Times New Roman" panose="02020603050405020304" pitchFamily="18" charset="0"/>
-                <a:cs typeface="Times New Roman" panose="02020603050405020304" pitchFamily="18" charset="0"/>
-              </a:rPr>
-              <a:t>file local hoặc lưu trên HDFS</a:t>
-            </a:r>
-            <a:endParaRPr lang="en-US" sz="2000" dirty="0" smtClean="0">
-              <a:solidFill>
-                <a:schemeClr val="bg1"/>
-              </a:solidFill>
-              <a:latin typeface="Times New Roman" panose="02020603050405020304" pitchFamily="18" charset="0"/>
-              <a:cs typeface="Times New Roman" panose="02020603050405020304" pitchFamily="18" charset="0"/>
-            </a:endParaRPr>
-          </a:p>
-          <a:p>
-            <a:pPr marL="800100" lvl="1" indent="-342900">
-              <a:buFont typeface="Wingdings" panose="05000000000000000000" pitchFamily="2" charset="2"/>
-              <a:buChar char="ü"/>
-            </a:pPr>
-            <a:r>
-              <a:rPr lang="en-US" sz="2000" dirty="0" err="1" smtClean="0">
-                <a:solidFill>
-                  <a:schemeClr val="bg1"/>
-                </a:solidFill>
-                <a:latin typeface="Times New Roman" panose="02020603050405020304" pitchFamily="18" charset="0"/>
-                <a:cs typeface="Times New Roman" panose="02020603050405020304" pitchFamily="18" charset="0"/>
-              </a:rPr>
-              <a:t>Nhươc</a:t>
-            </a:r>
-            <a:r>
-              <a:rPr lang="en-US" sz="2000" dirty="0" smtClean="0">
-                <a:solidFill>
-                  <a:schemeClr val="bg1"/>
-                </a:solidFill>
-                <a:latin typeface="Times New Roman" panose="02020603050405020304" pitchFamily="18" charset="0"/>
-                <a:cs typeface="Times New Roman" panose="02020603050405020304" pitchFamily="18" charset="0"/>
-              </a:rPr>
-              <a:t> </a:t>
-            </a:r>
-            <a:r>
-              <a:rPr lang="en-US" sz="2000" dirty="0" err="1" smtClean="0">
-                <a:solidFill>
-                  <a:schemeClr val="bg1"/>
-                </a:solidFill>
-                <a:latin typeface="Times New Roman" panose="02020603050405020304" pitchFamily="18" charset="0"/>
-                <a:cs typeface="Times New Roman" panose="02020603050405020304" pitchFamily="18" charset="0"/>
-              </a:rPr>
-              <a:t>điểm</a:t>
-            </a:r>
-            <a:r>
-              <a:rPr lang="en-US" sz="2000" dirty="0" smtClean="0">
-                <a:solidFill>
-                  <a:schemeClr val="bg1"/>
-                </a:solidFill>
-                <a:latin typeface="Times New Roman" panose="02020603050405020304" pitchFamily="18" charset="0"/>
-                <a:cs typeface="Times New Roman" panose="02020603050405020304" pitchFamily="18" charset="0"/>
-              </a:rPr>
-              <a:t>: </a:t>
-            </a:r>
-            <a:r>
-              <a:rPr lang="vi-VN" sz="2000" dirty="0">
-                <a:solidFill>
-                  <a:schemeClr val="bg1"/>
-                </a:solidFill>
-                <a:latin typeface="Times New Roman" panose="02020603050405020304" pitchFamily="18" charset="0"/>
-                <a:cs typeface="Times New Roman" panose="02020603050405020304" pitchFamily="18" charset="0"/>
-              </a:rPr>
-              <a:t>khi node gặp sự cố, cả hệ thống sẽ bị ngưng</a:t>
-            </a:r>
-            <a:r>
-              <a:rPr lang="vi-VN" sz="2000" dirty="0" smtClean="0">
-                <a:solidFill>
-                  <a:schemeClr val="bg1"/>
-                </a:solidFill>
-                <a:latin typeface="Times New Roman" panose="02020603050405020304" pitchFamily="18" charset="0"/>
-                <a:cs typeface="Times New Roman" panose="02020603050405020304" pitchFamily="18" charset="0"/>
-              </a:rPr>
-              <a:t>.</a:t>
-            </a:r>
-            <a:endParaRPr lang="en-US" sz="2000" dirty="0">
-              <a:solidFill>
-                <a:schemeClr val="bg1"/>
-              </a:solidFill>
-              <a:latin typeface="Times New Roman" panose="02020603050405020304" pitchFamily="18" charset="0"/>
-              <a:cs typeface="Times New Roman" panose="02020603050405020304" pitchFamily="18" charset="0"/>
-            </a:endParaRPr>
-          </a:p>
-          <a:p>
-            <a:pPr lvl="1"/>
-            <a:endParaRPr lang="en-US" sz="2000" dirty="0" smtClean="0">
-              <a:solidFill>
-                <a:schemeClr val="bg1"/>
-              </a:solidFill>
-              <a:latin typeface="Times New Roman" panose="02020603050405020304" pitchFamily="18" charset="0"/>
-              <a:cs typeface="Times New Roman" panose="02020603050405020304" pitchFamily="18" charset="0"/>
-            </a:endParaRPr>
-          </a:p>
-          <a:p>
-            <a:pPr marL="342900" indent="-342900">
-              <a:buFont typeface="Wingdings" panose="05000000000000000000" pitchFamily="2" charset="2"/>
-              <a:buChar char="v"/>
-            </a:pPr>
-            <a:r>
-              <a:rPr lang="en-US" sz="2200" u="sng" dirty="0" err="1" smtClean="0">
-                <a:solidFill>
-                  <a:schemeClr val="bg1"/>
-                </a:solidFill>
-                <a:latin typeface="Times New Roman" panose="02020603050405020304" pitchFamily="18" charset="0"/>
-                <a:cs typeface="Times New Roman" panose="02020603050405020304" pitchFamily="18" charset="0"/>
-              </a:rPr>
-              <a:t>Phân</a:t>
-            </a:r>
-            <a:r>
-              <a:rPr lang="en-US" sz="2200" u="sng" dirty="0" smtClean="0">
-                <a:solidFill>
-                  <a:schemeClr val="bg1"/>
-                </a:solidFill>
-                <a:latin typeface="Times New Roman" panose="02020603050405020304" pitchFamily="18" charset="0"/>
-                <a:cs typeface="Times New Roman" panose="02020603050405020304" pitchFamily="18" charset="0"/>
-              </a:rPr>
-              <a:t> </a:t>
-            </a:r>
-            <a:r>
-              <a:rPr lang="en-US" sz="2200" u="sng" dirty="0" err="1" smtClean="0">
-                <a:solidFill>
-                  <a:schemeClr val="bg1"/>
-                </a:solidFill>
-                <a:latin typeface="Times New Roman" panose="02020603050405020304" pitchFamily="18" charset="0"/>
-                <a:cs typeface="Times New Roman" panose="02020603050405020304" pitchFamily="18" charset="0"/>
-              </a:rPr>
-              <a:t>tán</a:t>
-            </a:r>
-            <a:r>
-              <a:rPr lang="en-US" sz="2200" u="sng" dirty="0" smtClean="0">
-                <a:solidFill>
-                  <a:schemeClr val="bg1"/>
-                </a:solidFill>
-                <a:latin typeface="Times New Roman" panose="02020603050405020304" pitchFamily="18" charset="0"/>
-                <a:cs typeface="Times New Roman" panose="02020603050405020304" pitchFamily="18" charset="0"/>
-              </a:rPr>
-              <a:t> </a:t>
-            </a:r>
-            <a:r>
-              <a:rPr lang="en-US" sz="2200" u="sng" dirty="0" err="1" smtClean="0">
-                <a:solidFill>
-                  <a:schemeClr val="bg1"/>
-                </a:solidFill>
-                <a:latin typeface="Times New Roman" panose="02020603050405020304" pitchFamily="18" charset="0"/>
-                <a:cs typeface="Times New Roman" panose="02020603050405020304" pitchFamily="18" charset="0"/>
-              </a:rPr>
-              <a:t>hoàn</a:t>
-            </a:r>
-            <a:r>
-              <a:rPr lang="en-US" sz="2200" u="sng" dirty="0" smtClean="0">
-                <a:solidFill>
-                  <a:schemeClr val="bg1"/>
-                </a:solidFill>
-                <a:latin typeface="Times New Roman" panose="02020603050405020304" pitchFamily="18" charset="0"/>
-                <a:cs typeface="Times New Roman" panose="02020603050405020304" pitchFamily="18" charset="0"/>
-              </a:rPr>
-              <a:t> </a:t>
-            </a:r>
-            <a:r>
-              <a:rPr lang="en-US" sz="2200" u="sng" dirty="0" err="1" smtClean="0">
-                <a:solidFill>
-                  <a:schemeClr val="bg1"/>
-                </a:solidFill>
-                <a:latin typeface="Times New Roman" panose="02020603050405020304" pitchFamily="18" charset="0"/>
-                <a:cs typeface="Times New Roman" panose="02020603050405020304" pitchFamily="18" charset="0"/>
-              </a:rPr>
-              <a:t>toàn</a:t>
-            </a:r>
-            <a:r>
-              <a:rPr lang="en-US" sz="2200" dirty="0" smtClean="0">
-                <a:solidFill>
-                  <a:schemeClr val="bg1"/>
-                </a:solidFill>
-                <a:latin typeface="Times New Roman" panose="02020603050405020304" pitchFamily="18" charset="0"/>
-                <a:cs typeface="Times New Roman" panose="02020603050405020304" pitchFamily="18" charset="0"/>
-              </a:rPr>
-              <a:t>:</a:t>
-            </a:r>
-          </a:p>
-          <a:p>
-            <a:pPr marL="800100" lvl="1" indent="-342900">
-              <a:buFont typeface="Wingdings" panose="05000000000000000000" pitchFamily="2" charset="2"/>
-              <a:buChar char="ü"/>
-            </a:pPr>
-            <a:r>
-              <a:rPr lang="en-US" sz="2000" dirty="0" err="1" smtClean="0">
-                <a:solidFill>
-                  <a:schemeClr val="bg1"/>
-                </a:solidFill>
-                <a:latin typeface="Times New Roman" panose="02020603050405020304" pitchFamily="18" charset="0"/>
-                <a:cs typeface="Times New Roman" panose="02020603050405020304" pitchFamily="18" charset="0"/>
-              </a:rPr>
-              <a:t>Tự</a:t>
-            </a:r>
-            <a:r>
-              <a:rPr lang="en-US" sz="2000" dirty="0" smtClean="0">
-                <a:solidFill>
-                  <a:schemeClr val="bg1"/>
-                </a:solidFill>
-                <a:latin typeface="Times New Roman" panose="02020603050405020304" pitchFamily="18" charset="0"/>
-                <a:cs typeface="Times New Roman" panose="02020603050405020304" pitchFamily="18" charset="0"/>
-              </a:rPr>
-              <a:t> </a:t>
-            </a:r>
-            <a:r>
-              <a:rPr lang="en-US" sz="2000" dirty="0" err="1">
-                <a:solidFill>
-                  <a:schemeClr val="bg1"/>
-                </a:solidFill>
-                <a:latin typeface="Times New Roman" panose="02020603050405020304" pitchFamily="18" charset="0"/>
-                <a:cs typeface="Times New Roman" panose="02020603050405020304" pitchFamily="18" charset="0"/>
-              </a:rPr>
-              <a:t>động</a:t>
-            </a:r>
-            <a:r>
-              <a:rPr lang="en-US" sz="2000" dirty="0">
-                <a:solidFill>
-                  <a:schemeClr val="bg1"/>
-                </a:solidFill>
-                <a:latin typeface="Times New Roman" panose="02020603050405020304" pitchFamily="18" charset="0"/>
-                <a:cs typeface="Times New Roman" panose="02020603050405020304" pitchFamily="18" charset="0"/>
-              </a:rPr>
-              <a:t> chia </a:t>
-            </a:r>
-            <a:r>
-              <a:rPr lang="en-US" sz="2000" dirty="0" err="1">
-                <a:solidFill>
-                  <a:schemeClr val="bg1"/>
-                </a:solidFill>
-                <a:latin typeface="Times New Roman" panose="02020603050405020304" pitchFamily="18" charset="0"/>
-                <a:cs typeface="Times New Roman" panose="02020603050405020304" pitchFamily="18" charset="0"/>
-              </a:rPr>
-              <a:t>tách</a:t>
-            </a:r>
-            <a:r>
-              <a:rPr lang="en-US" sz="2000" dirty="0">
-                <a:solidFill>
-                  <a:schemeClr val="bg1"/>
-                </a:solidFill>
-                <a:latin typeface="Times New Roman" panose="02020603050405020304" pitchFamily="18" charset="0"/>
-                <a:cs typeface="Times New Roman" panose="02020603050405020304" pitchFamily="18" charset="0"/>
-              </a:rPr>
-              <a:t> </a:t>
-            </a:r>
-            <a:r>
-              <a:rPr lang="en-US" sz="2000" dirty="0" err="1">
-                <a:solidFill>
-                  <a:schemeClr val="bg1"/>
-                </a:solidFill>
-                <a:latin typeface="Times New Roman" panose="02020603050405020304" pitchFamily="18" charset="0"/>
-                <a:cs typeface="Times New Roman" panose="02020603050405020304" pitchFamily="18" charset="0"/>
-              </a:rPr>
-              <a:t>và</a:t>
-            </a:r>
-            <a:r>
-              <a:rPr lang="en-US" sz="2000" dirty="0">
-                <a:solidFill>
-                  <a:schemeClr val="bg1"/>
-                </a:solidFill>
-                <a:latin typeface="Times New Roman" panose="02020603050405020304" pitchFamily="18" charset="0"/>
-                <a:cs typeface="Times New Roman" panose="02020603050405020304" pitchFamily="18" charset="0"/>
-              </a:rPr>
-              <a:t> </a:t>
-            </a:r>
-            <a:r>
-              <a:rPr lang="en-US" sz="2000" dirty="0" err="1">
-                <a:solidFill>
-                  <a:schemeClr val="bg1"/>
-                </a:solidFill>
-                <a:latin typeface="Times New Roman" panose="02020603050405020304" pitchFamily="18" charset="0"/>
-                <a:cs typeface="Times New Roman" panose="02020603050405020304" pitchFamily="18" charset="0"/>
-              </a:rPr>
-              <a:t>phân</a:t>
-            </a:r>
-            <a:r>
-              <a:rPr lang="en-US" sz="2000" dirty="0">
-                <a:solidFill>
-                  <a:schemeClr val="bg1"/>
-                </a:solidFill>
-                <a:latin typeface="Times New Roman" panose="02020603050405020304" pitchFamily="18" charset="0"/>
-                <a:cs typeface="Times New Roman" panose="02020603050405020304" pitchFamily="18" charset="0"/>
-              </a:rPr>
-              <a:t> </a:t>
-            </a:r>
-            <a:r>
-              <a:rPr lang="en-US" sz="2000" dirty="0" err="1">
-                <a:solidFill>
-                  <a:schemeClr val="bg1"/>
-                </a:solidFill>
-                <a:latin typeface="Times New Roman" panose="02020603050405020304" pitchFamily="18" charset="0"/>
-                <a:cs typeface="Times New Roman" panose="02020603050405020304" pitchFamily="18" charset="0"/>
-              </a:rPr>
-              <a:t>tán</a:t>
-            </a:r>
-            <a:r>
-              <a:rPr lang="en-US" sz="2000" dirty="0">
-                <a:solidFill>
-                  <a:schemeClr val="bg1"/>
-                </a:solidFill>
-                <a:latin typeface="Times New Roman" panose="02020603050405020304" pitchFamily="18" charset="0"/>
-                <a:cs typeface="Times New Roman" panose="02020603050405020304" pitchFamily="18" charset="0"/>
-              </a:rPr>
-              <a:t> </a:t>
-            </a:r>
-            <a:r>
-              <a:rPr lang="en-US" sz="2000" dirty="0" err="1">
-                <a:solidFill>
-                  <a:schemeClr val="bg1"/>
-                </a:solidFill>
-                <a:latin typeface="Times New Roman" panose="02020603050405020304" pitchFamily="18" charset="0"/>
-                <a:cs typeface="Times New Roman" panose="02020603050405020304" pitchFamily="18" charset="0"/>
-              </a:rPr>
-              <a:t>các</a:t>
-            </a:r>
-            <a:r>
-              <a:rPr lang="en-US" sz="2000" dirty="0">
-                <a:solidFill>
-                  <a:schemeClr val="bg1"/>
-                </a:solidFill>
-                <a:latin typeface="Times New Roman" panose="02020603050405020304" pitchFamily="18" charset="0"/>
-                <a:cs typeface="Times New Roman" panose="02020603050405020304" pitchFamily="18" charset="0"/>
-              </a:rPr>
-              <a:t> </a:t>
-            </a:r>
-            <a:r>
-              <a:rPr lang="en-US" sz="2000" dirty="0" err="1">
-                <a:solidFill>
-                  <a:schemeClr val="bg1"/>
-                </a:solidFill>
-                <a:latin typeface="Times New Roman" panose="02020603050405020304" pitchFamily="18" charset="0"/>
-                <a:cs typeface="Times New Roman" panose="02020603050405020304" pitchFamily="18" charset="0"/>
-              </a:rPr>
-              <a:t>bảng</a:t>
-            </a:r>
-            <a:r>
-              <a:rPr lang="en-US" sz="2000" dirty="0">
-                <a:solidFill>
-                  <a:schemeClr val="bg1"/>
-                </a:solidFill>
-                <a:latin typeface="Times New Roman" panose="02020603050405020304" pitchFamily="18" charset="0"/>
-                <a:cs typeface="Times New Roman" panose="02020603050405020304" pitchFamily="18" charset="0"/>
-              </a:rPr>
-              <a:t> </a:t>
-            </a:r>
-            <a:r>
-              <a:rPr lang="en-US" sz="2000" dirty="0" err="1">
-                <a:solidFill>
-                  <a:schemeClr val="bg1"/>
-                </a:solidFill>
-                <a:latin typeface="Times New Roman" panose="02020603050405020304" pitchFamily="18" charset="0"/>
-                <a:cs typeface="Times New Roman" panose="02020603050405020304" pitchFamily="18" charset="0"/>
-              </a:rPr>
-              <a:t>dữ</a:t>
-            </a:r>
-            <a:r>
-              <a:rPr lang="en-US" sz="2000" dirty="0">
-                <a:solidFill>
-                  <a:schemeClr val="bg1"/>
-                </a:solidFill>
-                <a:latin typeface="Times New Roman" panose="02020603050405020304" pitchFamily="18" charset="0"/>
-                <a:cs typeface="Times New Roman" panose="02020603050405020304" pitchFamily="18" charset="0"/>
-              </a:rPr>
-              <a:t> </a:t>
-            </a:r>
-            <a:r>
-              <a:rPr lang="en-US" sz="2000" dirty="0" err="1" smtClean="0">
-                <a:solidFill>
-                  <a:schemeClr val="bg1"/>
-                </a:solidFill>
-                <a:latin typeface="Times New Roman" panose="02020603050405020304" pitchFamily="18" charset="0"/>
-                <a:cs typeface="Times New Roman" panose="02020603050405020304" pitchFamily="18" charset="0"/>
-              </a:rPr>
-              <a:t>liệu</a:t>
-            </a:r>
-            <a:r>
-              <a:rPr lang="en-US" sz="2000" dirty="0" smtClean="0">
-                <a:solidFill>
-                  <a:schemeClr val="bg1"/>
-                </a:solidFill>
-                <a:latin typeface="Times New Roman" panose="02020603050405020304" pitchFamily="18" charset="0"/>
-                <a:cs typeface="Times New Roman" panose="02020603050405020304" pitchFamily="18" charset="0"/>
-              </a:rPr>
-              <a:t> </a:t>
-            </a:r>
-            <a:r>
-              <a:rPr lang="en-US" sz="2000" dirty="0" err="1" smtClean="0">
-                <a:solidFill>
-                  <a:schemeClr val="bg1"/>
-                </a:solidFill>
-                <a:latin typeface="Times New Roman" panose="02020603050405020304" pitchFamily="18" charset="0"/>
-                <a:cs typeface="Times New Roman" panose="02020603050405020304" pitchFamily="18" charset="0"/>
-              </a:rPr>
-              <a:t>khi</a:t>
-            </a:r>
-            <a:r>
-              <a:rPr lang="en-US" sz="2000" dirty="0" smtClean="0">
-                <a:solidFill>
-                  <a:schemeClr val="bg1"/>
-                </a:solidFill>
-                <a:latin typeface="Times New Roman" panose="02020603050405020304" pitchFamily="18" charset="0"/>
-                <a:cs typeface="Times New Roman" panose="02020603050405020304" pitchFamily="18" charset="0"/>
-              </a:rPr>
-              <a:t> </a:t>
-            </a:r>
-            <a:r>
-              <a:rPr lang="en-US" sz="2000" dirty="0" err="1">
-                <a:solidFill>
-                  <a:schemeClr val="bg1"/>
-                </a:solidFill>
-                <a:latin typeface="Times New Roman" panose="02020603050405020304" pitchFamily="18" charset="0"/>
-                <a:cs typeface="Times New Roman" panose="02020603050405020304" pitchFamily="18" charset="0"/>
-              </a:rPr>
-              <a:t>bảng</a:t>
-            </a:r>
-            <a:r>
-              <a:rPr lang="en-US" sz="2000" dirty="0">
-                <a:solidFill>
-                  <a:schemeClr val="bg1"/>
-                </a:solidFill>
-                <a:latin typeface="Times New Roman" panose="02020603050405020304" pitchFamily="18" charset="0"/>
-                <a:cs typeface="Times New Roman" panose="02020603050405020304" pitchFamily="18" charset="0"/>
-              </a:rPr>
-              <a:t> quá </a:t>
-            </a:r>
-            <a:r>
-              <a:rPr lang="en-US" sz="2000" dirty="0" err="1" smtClean="0">
-                <a:solidFill>
-                  <a:schemeClr val="bg1"/>
-                </a:solidFill>
-                <a:latin typeface="Times New Roman" panose="02020603050405020304" pitchFamily="18" charset="0"/>
-                <a:cs typeface="Times New Roman" panose="02020603050405020304" pitchFamily="18" charset="0"/>
-              </a:rPr>
-              <a:t>lớn</a:t>
-            </a:r>
-            <a:r>
-              <a:rPr lang="en-US" sz="2000" dirty="0" smtClean="0">
-                <a:solidFill>
-                  <a:schemeClr val="bg1"/>
-                </a:solidFill>
-                <a:latin typeface="Times New Roman" panose="02020603050405020304" pitchFamily="18" charset="0"/>
-                <a:cs typeface="Times New Roman" panose="02020603050405020304" pitchFamily="18" charset="0"/>
-              </a:rPr>
-              <a:t>.</a:t>
-            </a:r>
-          </a:p>
-          <a:p>
-            <a:pPr marL="800100" lvl="1" indent="-342900">
-              <a:buFont typeface="Wingdings" panose="05000000000000000000" pitchFamily="2" charset="2"/>
-              <a:buChar char="ü"/>
-            </a:pPr>
-            <a:r>
-              <a:rPr lang="en-US" sz="2000" dirty="0" smtClean="0">
-                <a:solidFill>
-                  <a:schemeClr val="bg1"/>
-                </a:solidFill>
-                <a:latin typeface="Times New Roman" panose="02020603050405020304" pitchFamily="18" charset="0"/>
-                <a:cs typeface="Times New Roman" panose="02020603050405020304" pitchFamily="18" charset="0"/>
-              </a:rPr>
-              <a:t>T</a:t>
-            </a:r>
-            <a:r>
-              <a:rPr lang="vi-VN" sz="2000" dirty="0" smtClean="0">
-                <a:solidFill>
-                  <a:schemeClr val="bg1"/>
-                </a:solidFill>
-                <a:latin typeface="Times New Roman" panose="02020603050405020304" pitchFamily="18" charset="0"/>
-                <a:cs typeface="Times New Roman" panose="02020603050405020304" pitchFamily="18" charset="0"/>
-              </a:rPr>
-              <a:t>hường </a:t>
-            </a:r>
-            <a:r>
-              <a:rPr lang="vi-VN" sz="2000" dirty="0">
-                <a:solidFill>
-                  <a:schemeClr val="bg1"/>
-                </a:solidFill>
-                <a:latin typeface="Times New Roman" panose="02020603050405020304" pitchFamily="18" charset="0"/>
-                <a:cs typeface="Times New Roman" panose="02020603050405020304" pitchFamily="18" charset="0"/>
-              </a:rPr>
-              <a:t>được dùng để vận hành sản phẩm thật vì được chạy trên một hệ</a:t>
-            </a:r>
-            <a:br>
-              <a:rPr lang="vi-VN" sz="2000" dirty="0">
-                <a:solidFill>
-                  <a:schemeClr val="bg1"/>
-                </a:solidFill>
-                <a:latin typeface="Times New Roman" panose="02020603050405020304" pitchFamily="18" charset="0"/>
-                <a:cs typeface="Times New Roman" panose="02020603050405020304" pitchFamily="18" charset="0"/>
-              </a:rPr>
-            </a:br>
-            <a:r>
-              <a:rPr lang="vi-VN" sz="2000" dirty="0">
-                <a:solidFill>
-                  <a:schemeClr val="bg1"/>
-                </a:solidFill>
-                <a:latin typeface="Times New Roman" panose="02020603050405020304" pitchFamily="18" charset="0"/>
-                <a:cs typeface="Times New Roman" panose="02020603050405020304" pitchFamily="18" charset="0"/>
-              </a:rPr>
-              <a:t>thống gồm nhiều </a:t>
-            </a:r>
-            <a:r>
-              <a:rPr lang="vi-VN" sz="2000" dirty="0" smtClean="0">
-                <a:solidFill>
-                  <a:schemeClr val="bg1"/>
-                </a:solidFill>
-                <a:latin typeface="Times New Roman" panose="02020603050405020304" pitchFamily="18" charset="0"/>
-                <a:cs typeface="Times New Roman" panose="02020603050405020304" pitchFamily="18" charset="0"/>
-              </a:rPr>
-              <a:t>node</a:t>
-            </a:r>
-            <a:r>
-              <a:rPr lang="en-US" sz="2000" dirty="0" smtClean="0">
-                <a:solidFill>
-                  <a:schemeClr val="bg1"/>
-                </a:solidFill>
-                <a:latin typeface="Times New Roman" panose="02020603050405020304" pitchFamily="18" charset="0"/>
-                <a:cs typeface="Times New Roman" panose="02020603050405020304" pitchFamily="18" charset="0"/>
-              </a:rPr>
-              <a:t>.</a:t>
-            </a:r>
-          </a:p>
-        </p:txBody>
-      </p:sp>
-    </p:spTree>
-    <p:extLst>
-      <p:ext uri="{BB962C8B-B14F-4D97-AF65-F5344CB8AC3E}">
-        <p14:creationId xmlns:p14="http://schemas.microsoft.com/office/powerpoint/2010/main" val="2794199079"/>
-      </p:ext>
-    </p:extLst>
-  </p:cSld>
-  <p:clrMapOvr>
-    <a:masterClrMapping/>
-  </p:clrMapOvr>
-  <p:timing>
-    <p:tnLst>
-      <p:par>
-        <p:cTn id="1" dur="indefinite" restart="never" nodeType="tmRoot">
-          <p:childTnLst>
-            <p:seq concurrent="1" nextAc="seek">
-              <p:cTn id="2" dur="indefinite" nodeType="mainSeq">
-                <p:childTnLst>
-                  <p:par>
-                    <p:cTn id="3" fill="hold">
-                      <p:stCondLst>
-                        <p:cond delay="indefinite"/>
-                        <p:cond evt="onBegin" delay="0">
-                          <p:tn val="2"/>
-                        </p:cond>
-                      </p:stCondLst>
-                      <p:childTnLst>
-                        <p:par>
-                          <p:cTn id="4" fill="hold">
-                            <p:stCondLst>
-                              <p:cond delay="0"/>
-                            </p:stCondLst>
-                            <p:childTnLst>
-                              <p:par>
-                                <p:cTn id="5" presetID="2" presetClass="entr" presetSubtype="4" fill="hold" grpId="0" nodeType="afterEffect">
-                                  <p:stCondLst>
-                                    <p:cond delay="0"/>
-                                  </p:stCondLst>
-                                  <p:childTnLst>
-                                    <p:set>
-                                      <p:cBhvr>
-                                        <p:cTn id="6" dur="1" fill="hold">
-                                          <p:stCondLst>
-                                            <p:cond delay="0"/>
-                                          </p:stCondLst>
-                                        </p:cTn>
-                                        <p:tgtEl>
-                                          <p:spTgt spid="10"/>
-                                        </p:tgtEl>
-                                        <p:attrNameLst>
-                                          <p:attrName>style.visibility</p:attrName>
-                                        </p:attrNameLst>
-                                      </p:cBhvr>
-                                      <p:to>
-                                        <p:strVal val="visible"/>
-                                      </p:to>
-                                    </p:set>
-                                    <p:anim calcmode="lin" valueType="num">
-                                      <p:cBhvr additive="base">
-                                        <p:cTn id="7" dur="300" fill="hold"/>
-                                        <p:tgtEl>
-                                          <p:spTgt spid="10"/>
-                                        </p:tgtEl>
-                                        <p:attrNameLst>
-                                          <p:attrName>ppt_x</p:attrName>
-                                        </p:attrNameLst>
-                                      </p:cBhvr>
-                                      <p:tavLst>
-                                        <p:tav tm="0">
-                                          <p:val>
-                                            <p:strVal val="#ppt_x"/>
-                                          </p:val>
-                                        </p:tav>
-                                        <p:tav tm="100000">
-                                          <p:val>
-                                            <p:strVal val="#ppt_x"/>
-                                          </p:val>
-                                        </p:tav>
-                                      </p:tavLst>
-                                    </p:anim>
-                                    <p:anim calcmode="lin" valueType="num">
-                                      <p:cBhvr additive="base">
-                                        <p:cTn id="8" dur="300" fill="hold"/>
-                                        <p:tgtEl>
-                                          <p:spTgt spid="10"/>
-                                        </p:tgtEl>
-                                        <p:attrNameLst>
-                                          <p:attrName>ppt_y</p:attrName>
-                                        </p:attrNameLst>
-                                      </p:cBhvr>
-                                      <p:tavLst>
-                                        <p:tav tm="0">
-                                          <p:val>
-                                            <p:strVal val="1+#ppt_h/2"/>
-                                          </p:val>
-                                        </p:tav>
-                                        <p:tav tm="100000">
-                                          <p:val>
-                                            <p:strVal val="#ppt_y"/>
-                                          </p:val>
-                                        </p:tav>
-                                      </p:tavLst>
-                                    </p:anim>
-                                  </p:childTnLst>
-                                </p:cTn>
-                              </p:par>
-                            </p:childTnLst>
-                          </p:cTn>
-                        </p:par>
-                      </p:childTnLst>
-                    </p:cTn>
-                  </p:par>
-                </p:childTnLst>
-              </p:cTn>
-              <p:prevCondLst>
-                <p:cond evt="onPrev" delay="0">
-                  <p:tgtEl>
-                    <p:sldTgt/>
-                  </p:tgtEl>
-                </p:cond>
-              </p:prevCondLst>
-              <p:nextCondLst>
-                <p:cond evt="onNext" delay="0">
-                  <p:tgtEl>
-                    <p:sldTgt/>
-                  </p:tgtEl>
-                </p:cond>
-              </p:nextCondLst>
-            </p:seq>
-          </p:childTnLst>
-        </p:cTn>
-      </p:par>
-    </p:tnLst>
-    <p:bldLst>
-      <p:bldP spid="10" grpId="0"/>
-    </p:bldLst>
-  </p:timing>
-</p:sld>
-</file>
-
-<file path=ppt/slides/slide21.xml><?xml version="1.0" encoding="utf-8"?>
-<p:sld xmlns:a="http://schemas.openxmlformats.org/drawingml/2006/main" xmlns:r="http://schemas.openxmlformats.org/officeDocument/2006/relationships" xmlns:p="http://schemas.openxmlformats.org/presentationml/2006/main">
-  <p:cSld>
-    <p:spTree>
-      <p:nvGrpSpPr>
-        <p:cNvPr id="1" name=""/>
-        <p:cNvGrpSpPr/>
-        <p:nvPr/>
-      </p:nvGrpSpPr>
-      <p:grpSpPr>
-        <a:xfrm>
-          <a:off x="0" y="0"/>
-          <a:ext cx="0" cy="0"/>
-          <a:chOff x="0" y="0"/>
-          <a:chExt cx="0" cy="0"/>
-        </a:xfrm>
-      </p:grpSpPr>
-      <p:grpSp>
-        <p:nvGrpSpPr>
-          <p:cNvPr id="3" name="Group 2"/>
-          <p:cNvGrpSpPr/>
-          <p:nvPr/>
-        </p:nvGrpSpPr>
-        <p:grpSpPr>
-          <a:xfrm>
-            <a:off x="1600200" y="304800"/>
-            <a:ext cx="9296400" cy="609600"/>
-            <a:chOff x="0" y="1481902"/>
-            <a:chExt cx="9296400" cy="1311862"/>
-          </a:xfrm>
-        </p:grpSpPr>
-        <p:sp>
-          <p:nvSpPr>
-            <p:cNvPr id="4" name="Rounded Rectangle 3"/>
-            <p:cNvSpPr/>
-            <p:nvPr/>
-          </p:nvSpPr>
-          <p:spPr>
-            <a:xfrm>
-              <a:off x="0" y="1481902"/>
-              <a:ext cx="9296400" cy="1311862"/>
-            </a:xfrm>
-            <a:prstGeom prst="roundRect">
-              <a:avLst/>
-            </a:prstGeom>
-            <a:solidFill>
-              <a:schemeClr val="accent6">
-                <a:lumMod val="75000"/>
-              </a:schemeClr>
-            </a:solidFill>
-          </p:spPr>
-          <p:style>
-            <a:lnRef idx="3">
-              <a:schemeClr val="lt1">
-                <a:hueOff val="0"/>
-                <a:satOff val="0"/>
-                <a:lumOff val="0"/>
-                <a:alphaOff val="0"/>
-              </a:schemeClr>
-            </a:lnRef>
-            <a:fillRef idx="1">
-              <a:scrgbClr r="0" g="0" b="0"/>
-            </a:fillRef>
-            <a:effectRef idx="1">
-              <a:schemeClr val="accent3">
-                <a:hueOff val="5625132"/>
-                <a:satOff val="-8440"/>
-                <a:lumOff val="-1373"/>
-                <a:alphaOff val="0"/>
-              </a:schemeClr>
-            </a:effectRef>
-            <a:fontRef idx="minor">
-              <a:schemeClr val="lt1"/>
-            </a:fontRef>
-          </p:style>
-        </p:sp>
-        <p:sp>
-          <p:nvSpPr>
-            <p:cNvPr id="5" name="Rounded Rectangle 4"/>
-            <p:cNvSpPr txBox="1"/>
-            <p:nvPr/>
-          </p:nvSpPr>
-          <p:spPr>
-            <a:xfrm>
-              <a:off x="64040" y="1545942"/>
-              <a:ext cx="9168320" cy="1183782"/>
-            </a:xfrm>
-            <a:prstGeom prst="rect">
-              <a:avLst/>
-            </a:prstGeom>
-          </p:spPr>
-          <p:style>
-            <a:lnRef idx="0">
-              <a:scrgbClr r="0" g="0" b="0"/>
-            </a:lnRef>
-            <a:fillRef idx="0">
-              <a:scrgbClr r="0" g="0" b="0"/>
-            </a:fillRef>
-            <a:effectRef idx="0">
-              <a:scrgbClr r="0" g="0" b="0"/>
-            </a:effectRef>
-            <a:fontRef idx="minor">
-              <a:schemeClr val="lt1"/>
-            </a:fontRef>
-          </p:style>
-          <p:txBody>
-            <a:bodyPr spcFirstLastPara="0" vert="horz" wrap="square" lIns="213360" tIns="213360" rIns="213360" bIns="213360" numCol="1" spcCol="1270" anchor="ctr" anchorCtr="0">
-              <a:noAutofit/>
-            </a:bodyPr>
-            <a:lstStyle/>
-            <a:p>
-              <a:pPr lvl="0" algn="ctr" defTabSz="2489200">
-                <a:lnSpc>
-                  <a:spcPct val="90000"/>
-                </a:lnSpc>
-                <a:spcBef>
-                  <a:spcPct val="0"/>
-                </a:spcBef>
-                <a:spcAft>
-                  <a:spcPct val="35000"/>
-                </a:spcAft>
-              </a:pPr>
-              <a:r>
-                <a:rPr lang="en-US" sz="2800" b="1" kern="1200" dirty="0" err="1" smtClean="0">
-                  <a:latin typeface="Times New Roman" panose="02020603050405020304" pitchFamily="18" charset="0"/>
-                  <a:cs typeface="Times New Roman" panose="02020603050405020304" pitchFamily="18" charset="0"/>
-                </a:rPr>
-                <a:t>Phần</a:t>
-              </a:r>
-              <a:r>
-                <a:rPr lang="en-US" sz="2800" b="1" kern="1200" dirty="0" smtClean="0">
-                  <a:latin typeface="Times New Roman" panose="02020603050405020304" pitchFamily="18" charset="0"/>
-                  <a:cs typeface="Times New Roman" panose="02020603050405020304" pitchFamily="18" charset="0"/>
-                </a:rPr>
-                <a:t> 2: </a:t>
-              </a:r>
-              <a:r>
-                <a:rPr lang="en-US" sz="2800" b="1" i="0" kern="1200" dirty="0" smtClean="0">
-                  <a:latin typeface="Times New Roman" panose="02020603050405020304" pitchFamily="18" charset="0"/>
-                  <a:cs typeface="Times New Roman" panose="02020603050405020304" pitchFamily="18" charset="0"/>
-                </a:rPr>
-                <a:t>Apache </a:t>
-              </a:r>
-              <a:r>
-                <a:rPr lang="en-US" sz="2800" b="1" i="0" kern="1200" dirty="0" err="1" smtClean="0">
-                  <a:latin typeface="Times New Roman" panose="02020603050405020304" pitchFamily="18" charset="0"/>
-                  <a:cs typeface="Times New Roman" panose="02020603050405020304" pitchFamily="18" charset="0"/>
-                </a:rPr>
-                <a:t>HBase</a:t>
-              </a:r>
-              <a:endParaRPr lang="en-US" sz="2800" kern="1200" dirty="0">
-                <a:latin typeface="Times New Roman" panose="02020603050405020304" pitchFamily="18" charset="0"/>
-                <a:cs typeface="Times New Roman" panose="02020603050405020304" pitchFamily="18" charset="0"/>
-              </a:endParaRPr>
-            </a:p>
-          </p:txBody>
-        </p:sp>
-      </p:grpSp>
-      <p:sp>
-        <p:nvSpPr>
-          <p:cNvPr id="7" name="TextBox 6"/>
-          <p:cNvSpPr txBox="1"/>
-          <p:nvPr/>
-        </p:nvSpPr>
-        <p:spPr>
-          <a:xfrm>
-            <a:off x="609600" y="944158"/>
-            <a:ext cx="10515600" cy="584775"/>
-          </a:xfrm>
-          <a:prstGeom prst="rect">
-            <a:avLst/>
-          </a:prstGeom>
-          <a:noFill/>
-        </p:spPr>
-        <p:txBody>
-          <a:bodyPr wrap="square" rtlCol="0">
-            <a:spAutoFit/>
-          </a:bodyPr>
-          <a:lstStyle/>
-          <a:p>
-            <a:pPr marL="457200" indent="-457200">
-              <a:buFont typeface="Wingdings" panose="05000000000000000000" pitchFamily="2" charset="2"/>
-              <a:buChar char="q"/>
-            </a:pPr>
-            <a:r>
-              <a:rPr lang="en-US" sz="3200" b="1" dirty="0" err="1" smtClean="0">
-                <a:solidFill>
-                  <a:schemeClr val="bg1"/>
-                </a:solidFill>
-                <a:latin typeface="Times New Roman" panose="02020603050405020304" pitchFamily="18" charset="0"/>
-                <a:cs typeface="Times New Roman" panose="02020603050405020304" pitchFamily="18" charset="0"/>
-              </a:rPr>
-              <a:t>Tính</a:t>
-            </a:r>
-            <a:r>
-              <a:rPr lang="en-US" sz="3200" b="1" dirty="0" smtClean="0">
-                <a:solidFill>
-                  <a:schemeClr val="bg1"/>
-                </a:solidFill>
-                <a:latin typeface="Times New Roman" panose="02020603050405020304" pitchFamily="18" charset="0"/>
-                <a:cs typeface="Times New Roman" panose="02020603050405020304" pitchFamily="18" charset="0"/>
-              </a:rPr>
-              <a:t> </a:t>
-            </a:r>
-            <a:r>
-              <a:rPr lang="en-US" sz="3200" b="1" dirty="0" err="1" smtClean="0">
-                <a:solidFill>
-                  <a:schemeClr val="bg1"/>
-                </a:solidFill>
-                <a:latin typeface="Times New Roman" panose="02020603050405020304" pitchFamily="18" charset="0"/>
-                <a:cs typeface="Times New Roman" panose="02020603050405020304" pitchFamily="18" charset="0"/>
-              </a:rPr>
-              <a:t>chất</a:t>
-            </a:r>
-            <a:endParaRPr lang="en-US" sz="3200" b="1" dirty="0" smtClean="0">
-              <a:solidFill>
-                <a:schemeClr val="bg1"/>
-              </a:solidFill>
-              <a:latin typeface="Times New Roman" panose="02020603050405020304" pitchFamily="18" charset="0"/>
-              <a:cs typeface="Times New Roman" panose="02020603050405020304" pitchFamily="18" charset="0"/>
-            </a:endParaRPr>
-          </a:p>
-        </p:txBody>
-      </p:sp>
-      <p:sp>
-        <p:nvSpPr>
-          <p:cNvPr id="8" name="TextBox 7"/>
-          <p:cNvSpPr txBox="1"/>
-          <p:nvPr/>
-        </p:nvSpPr>
-        <p:spPr>
-          <a:xfrm>
-            <a:off x="990600" y="1624548"/>
-            <a:ext cx="10515600" cy="461665"/>
-          </a:xfrm>
-          <a:prstGeom prst="rect">
-            <a:avLst/>
-          </a:prstGeom>
-          <a:noFill/>
-        </p:spPr>
-        <p:txBody>
-          <a:bodyPr wrap="square" rtlCol="0">
-            <a:spAutoFit/>
-          </a:bodyPr>
-          <a:lstStyle/>
-          <a:p>
-            <a:pPr marL="342900" indent="-342900">
-              <a:buFont typeface="Arial" panose="020B0604020202020204" pitchFamily="34" charset="0"/>
-              <a:buChar char="•"/>
-            </a:pPr>
-            <a:endParaRPr lang="en-US" sz="2400" dirty="0" smtClean="0">
-              <a:solidFill>
-                <a:schemeClr val="bg1"/>
-              </a:solidFill>
-              <a:latin typeface="Times New Roman" panose="02020603050405020304" pitchFamily="18" charset="0"/>
-              <a:cs typeface="Times New Roman" panose="02020603050405020304" pitchFamily="18" charset="0"/>
-            </a:endParaRPr>
-          </a:p>
-        </p:txBody>
-      </p:sp>
-      <p:sp>
-        <p:nvSpPr>
-          <p:cNvPr id="9" name="TextBox 8"/>
-          <p:cNvSpPr txBox="1"/>
-          <p:nvPr/>
-        </p:nvSpPr>
-        <p:spPr>
-          <a:xfrm>
-            <a:off x="990600" y="1440471"/>
-            <a:ext cx="10515600" cy="461665"/>
-          </a:xfrm>
-          <a:prstGeom prst="rect">
-            <a:avLst/>
-          </a:prstGeom>
-          <a:noFill/>
-        </p:spPr>
-        <p:txBody>
-          <a:bodyPr wrap="square" rtlCol="0">
-            <a:spAutoFit/>
-          </a:bodyPr>
-          <a:lstStyle/>
-          <a:p>
-            <a:pPr marL="285750" indent="-285750">
-              <a:buFont typeface="Arial" panose="020B0604020202020204" pitchFamily="34" charset="0"/>
-              <a:buChar char="•"/>
-            </a:pPr>
-            <a:r>
               <a:rPr lang="en-US" sz="2400" b="1" i="1" dirty="0" err="1">
                 <a:solidFill>
                   <a:schemeClr val="bg1"/>
@@ -16690,7 +16388,7 @@
 </p:sld>
 </file>
 
-<file path=ppt/slides/slide22.xml><?xml version="1.0" encoding="utf-8"?>
+<file path=ppt/slides/slide21.xml><?xml version="1.0" encoding="utf-8"?>
 <p:sld xmlns:a="http://schemas.openxmlformats.org/drawingml/2006/main" xmlns:r="http://schemas.openxmlformats.org/officeDocument/2006/relationships" xmlns:p="http://schemas.openxmlformats.org/presentationml/2006/main">
   <p:cSld>
     <p:spTree>
@@ -17890,6 +17588,304 @@
       <p:bldP spid="15" grpId="0"/>
       <p:bldP spid="16" grpId="0"/>
     </p:bldLst>
+  </p:timing>
+</p:sld>
+</file>
+
+<file path=ppt/slides/slide22.xml><?xml version="1.0" encoding="utf-8"?>
+<p:sld xmlns:a="http://schemas.openxmlformats.org/drawingml/2006/main" xmlns:r="http://schemas.openxmlformats.org/officeDocument/2006/relationships" xmlns:p="http://schemas.openxmlformats.org/presentationml/2006/main">
+  <p:cSld>
+    <p:spTree>
+      <p:nvGrpSpPr>
+        <p:cNvPr id="1" name=""/>
+        <p:cNvGrpSpPr/>
+        <p:nvPr/>
+      </p:nvGrpSpPr>
+      <p:grpSpPr>
+        <a:xfrm>
+          <a:off x="0" y="0"/>
+          <a:ext cx="0" cy="0"/>
+          <a:chOff x="0" y="0"/>
+          <a:chExt cx="0" cy="0"/>
+        </a:xfrm>
+      </p:grpSpPr>
+      <p:grpSp>
+        <p:nvGrpSpPr>
+          <p:cNvPr id="3" name="Group 2"/>
+          <p:cNvGrpSpPr/>
+          <p:nvPr/>
+        </p:nvGrpSpPr>
+        <p:grpSpPr>
+          <a:xfrm>
+            <a:off x="1600200" y="304800"/>
+            <a:ext cx="9296400" cy="609600"/>
+            <a:chOff x="0" y="1481902"/>
+            <a:chExt cx="9296400" cy="1311862"/>
+          </a:xfrm>
+        </p:grpSpPr>
+        <p:sp>
+          <p:nvSpPr>
+            <p:cNvPr id="4" name="Rounded Rectangle 3"/>
+            <p:cNvSpPr/>
+            <p:nvPr/>
+          </p:nvSpPr>
+          <p:spPr>
+            <a:xfrm>
+              <a:off x="0" y="1481902"/>
+              <a:ext cx="9296400" cy="1311862"/>
+            </a:xfrm>
+            <a:prstGeom prst="roundRect">
+              <a:avLst/>
+            </a:prstGeom>
+            <a:solidFill>
+              <a:schemeClr val="accent6">
+                <a:lumMod val="75000"/>
+              </a:schemeClr>
+            </a:solidFill>
+          </p:spPr>
+          <p:style>
+            <a:lnRef idx="3">
+              <a:schemeClr val="lt1">
+                <a:hueOff val="0"/>
+                <a:satOff val="0"/>
+                <a:lumOff val="0"/>
+                <a:alphaOff val="0"/>
+              </a:schemeClr>
+            </a:lnRef>
+            <a:fillRef idx="1">
+              <a:scrgbClr r="0" g="0" b="0"/>
+            </a:fillRef>
+            <a:effectRef idx="1">
+              <a:schemeClr val="accent3">
+                <a:hueOff val="5625132"/>
+                <a:satOff val="-8440"/>
+                <a:lumOff val="-1373"/>
+                <a:alphaOff val="0"/>
+              </a:schemeClr>
+            </a:effectRef>
+            <a:fontRef idx="minor">
+              <a:schemeClr val="lt1"/>
+            </a:fontRef>
+          </p:style>
+        </p:sp>
+        <p:sp>
+          <p:nvSpPr>
+            <p:cNvPr id="5" name="Rounded Rectangle 4"/>
+            <p:cNvSpPr txBox="1"/>
+            <p:nvPr/>
+          </p:nvSpPr>
+          <p:spPr>
+            <a:xfrm>
+              <a:off x="64040" y="1545942"/>
+              <a:ext cx="9168320" cy="1183782"/>
+            </a:xfrm>
+            <a:prstGeom prst="rect">
+              <a:avLst/>
+            </a:prstGeom>
+          </p:spPr>
+          <p:style>
+            <a:lnRef idx="0">
+              <a:scrgbClr r="0" g="0" b="0"/>
+            </a:lnRef>
+            <a:fillRef idx="0">
+              <a:scrgbClr r="0" g="0" b="0"/>
+            </a:fillRef>
+            <a:effectRef idx="0">
+              <a:scrgbClr r="0" g="0" b="0"/>
+            </a:effectRef>
+            <a:fontRef idx="minor">
+              <a:schemeClr val="lt1"/>
+            </a:fontRef>
+          </p:style>
+          <p:txBody>
+            <a:bodyPr spcFirstLastPara="0" vert="horz" wrap="square" lIns="213360" tIns="213360" rIns="213360" bIns="213360" numCol="1" spcCol="1270" anchor="ctr" anchorCtr="0">
+              <a:noAutofit/>
+            </a:bodyPr>
+            <a:lstStyle/>
+            <a:p>
+              <a:pPr lvl="0" algn="ctr" defTabSz="2489200">
+                <a:lnSpc>
+                  <a:spcPct val="90000"/>
+                </a:lnSpc>
+                <a:spcBef>
+                  <a:spcPct val="0"/>
+                </a:spcBef>
+                <a:spcAft>
+                  <a:spcPct val="35000"/>
+                </a:spcAft>
+              </a:pPr>
+              <a:r>
+                <a:rPr lang="en-US" sz="2800" b="1" kern="1200" dirty="0" err="1" smtClean="0">
+                  <a:latin typeface="Times New Roman" panose="02020603050405020304" pitchFamily="18" charset="0"/>
+                  <a:cs typeface="Times New Roman" panose="02020603050405020304" pitchFamily="18" charset="0"/>
+                </a:rPr>
+                <a:t>Phần</a:t>
+              </a:r>
+              <a:r>
+                <a:rPr lang="en-US" sz="2800" b="1" kern="1200" dirty="0" smtClean="0">
+                  <a:latin typeface="Times New Roman" panose="02020603050405020304" pitchFamily="18" charset="0"/>
+                  <a:cs typeface="Times New Roman" panose="02020603050405020304" pitchFamily="18" charset="0"/>
+                </a:rPr>
+                <a:t> 2: </a:t>
+              </a:r>
+              <a:r>
+                <a:rPr lang="en-US" sz="2800" b="1" i="0" kern="1200" dirty="0" smtClean="0">
+                  <a:latin typeface="Times New Roman" panose="02020603050405020304" pitchFamily="18" charset="0"/>
+                  <a:cs typeface="Times New Roman" panose="02020603050405020304" pitchFamily="18" charset="0"/>
+                </a:rPr>
+                <a:t>Apache </a:t>
+              </a:r>
+              <a:r>
+                <a:rPr lang="en-US" sz="2800" b="1" i="0" kern="1200" dirty="0" err="1" smtClean="0">
+                  <a:latin typeface="Times New Roman" panose="02020603050405020304" pitchFamily="18" charset="0"/>
+                  <a:cs typeface="Times New Roman" panose="02020603050405020304" pitchFamily="18" charset="0"/>
+                </a:rPr>
+                <a:t>HBase</a:t>
+              </a:r>
+              <a:endParaRPr lang="en-US" sz="2800" kern="1200" dirty="0">
+                <a:latin typeface="Times New Roman" panose="02020603050405020304" pitchFamily="18" charset="0"/>
+                <a:cs typeface="Times New Roman" panose="02020603050405020304" pitchFamily="18" charset="0"/>
+              </a:endParaRPr>
+            </a:p>
+          </p:txBody>
+        </p:sp>
+      </p:grpSp>
+      <p:sp>
+        <p:nvSpPr>
+          <p:cNvPr id="7" name="TextBox 6"/>
+          <p:cNvSpPr txBox="1"/>
+          <p:nvPr/>
+        </p:nvSpPr>
+        <p:spPr>
+          <a:xfrm>
+            <a:off x="609600" y="944158"/>
+            <a:ext cx="10515600" cy="584775"/>
+          </a:xfrm>
+          <a:prstGeom prst="rect">
+            <a:avLst/>
+          </a:prstGeom>
+          <a:noFill/>
+        </p:spPr>
+        <p:txBody>
+          <a:bodyPr wrap="square" rtlCol="0">
+            <a:spAutoFit/>
+          </a:bodyPr>
+          <a:lstStyle/>
+          <a:p>
+            <a:pPr marL="457200" indent="-457200">
+              <a:buFont typeface="Wingdings" panose="05000000000000000000" pitchFamily="2" charset="2"/>
+              <a:buChar char="q"/>
+            </a:pPr>
+            <a:r>
+              <a:rPr lang="en-US" sz="3200" b="1" dirty="0" smtClean="0">
+                <a:solidFill>
+                  <a:schemeClr val="bg1"/>
+                </a:solidFill>
+                <a:latin typeface="Times New Roman" panose="02020603050405020304" pitchFamily="18" charset="0"/>
+                <a:cs typeface="Times New Roman" panose="02020603050405020304" pitchFamily="18" charset="0"/>
+              </a:rPr>
+              <a:t>So </a:t>
+            </a:r>
+            <a:r>
+              <a:rPr lang="en-US" sz="3200" b="1" dirty="0" err="1" smtClean="0">
+                <a:solidFill>
+                  <a:schemeClr val="bg1"/>
+                </a:solidFill>
+                <a:latin typeface="Times New Roman" panose="02020603050405020304" pitchFamily="18" charset="0"/>
+                <a:cs typeface="Times New Roman" panose="02020603050405020304" pitchFamily="18" charset="0"/>
+              </a:rPr>
+              <a:t>sánh</a:t>
+            </a:r>
+            <a:r>
+              <a:rPr lang="en-US" sz="3200" b="1" dirty="0" smtClean="0">
+                <a:solidFill>
+                  <a:schemeClr val="bg1"/>
+                </a:solidFill>
+                <a:latin typeface="Times New Roman" panose="02020603050405020304" pitchFamily="18" charset="0"/>
+                <a:cs typeface="Times New Roman" panose="02020603050405020304" pitchFamily="18" charset="0"/>
+              </a:rPr>
+              <a:t> </a:t>
+            </a:r>
+            <a:r>
+              <a:rPr lang="en-US" sz="3200" b="1" dirty="0" err="1" smtClean="0">
+                <a:solidFill>
+                  <a:schemeClr val="bg1"/>
+                </a:solidFill>
+                <a:latin typeface="Times New Roman" panose="02020603050405020304" pitchFamily="18" charset="0"/>
+                <a:cs typeface="Times New Roman" panose="02020603050405020304" pitchFamily="18" charset="0"/>
+              </a:rPr>
+              <a:t>HBase</a:t>
+            </a:r>
+            <a:r>
+              <a:rPr lang="en-US" sz="3200" b="1" dirty="0" smtClean="0">
+                <a:solidFill>
+                  <a:schemeClr val="bg1"/>
+                </a:solidFill>
+                <a:latin typeface="Times New Roman" panose="02020603050405020304" pitchFamily="18" charset="0"/>
+                <a:cs typeface="Times New Roman" panose="02020603050405020304" pitchFamily="18" charset="0"/>
+              </a:rPr>
+              <a:t> vs </a:t>
+            </a:r>
+            <a:r>
+              <a:rPr lang="en-US" sz="3200" b="1" dirty="0">
+                <a:solidFill>
+                  <a:schemeClr val="bg1"/>
+                </a:solidFill>
+                <a:latin typeface="Times New Roman" panose="02020603050405020304" pitchFamily="18" charset="0"/>
+                <a:cs typeface="Times New Roman" panose="02020603050405020304" pitchFamily="18" charset="0"/>
+              </a:rPr>
+              <a:t>RDBMS</a:t>
+            </a:r>
+            <a:endParaRPr lang="en-US" sz="3200" b="1" dirty="0" smtClean="0">
+              <a:solidFill>
+                <a:schemeClr val="bg1"/>
+              </a:solidFill>
+              <a:latin typeface="Times New Roman" panose="02020603050405020304" pitchFamily="18" charset="0"/>
+              <a:cs typeface="Times New Roman" panose="02020603050405020304" pitchFamily="18" charset="0"/>
+            </a:endParaRPr>
+          </a:p>
+        </p:txBody>
+      </p:sp>
+      <p:pic>
+        <p:nvPicPr>
+          <p:cNvPr id="2" name="Picture 1"/>
+          <p:cNvPicPr>
+            <a:picLocks noChangeAspect="1"/>
+          </p:cNvPicPr>
+          <p:nvPr/>
+        </p:nvPicPr>
+        <p:blipFill>
+          <a:blip r:embed="rId3"/>
+          <a:stretch>
+            <a:fillRect/>
+          </a:stretch>
+        </p:blipFill>
+        <p:spPr>
+          <a:xfrm>
+            <a:off x="1547644" y="1558691"/>
+            <a:ext cx="9300156" cy="3028950"/>
+          </a:xfrm>
+          <a:prstGeom prst="rect">
+            <a:avLst/>
+          </a:prstGeom>
+        </p:spPr>
+      </p:pic>
+    </p:spTree>
+    <p:extLst>
+      <p:ext uri="{BB962C8B-B14F-4D97-AF65-F5344CB8AC3E}">
+        <p14:creationId xmlns:p14="http://schemas.microsoft.com/office/powerpoint/2010/main" val="616575611"/>
+      </p:ext>
+    </p:extLst>
+  </p:cSld>
+  <p:clrMapOvr>
+    <a:masterClrMapping/>
+  </p:clrMapOvr>
+  <p:timing>
+    <p:tnLst>
+      <p:par>
+        <p:cTn id="1" dur="indefinite" restart="never" nodeType="tmRoot"/>
+      </p:par>
+    </p:tnLst>
   </p:timing>
 </p:sld>
 </file>
@@ -20763,8 +20759,8 @@
         </p:nvSpPr>
         <p:spPr>
           <a:xfrm>
-            <a:off x="4572000" y="1248551"/>
-            <a:ext cx="6012543" cy="2800767"/>
+            <a:off x="4572000" y="1295400"/>
+            <a:ext cx="6012543" cy="1785104"/>
           </a:xfrm>
           <a:prstGeom prst="rect">
             <a:avLst/>
@@ -20816,13 +20812,22 @@
               <a:buChar char="v"/>
             </a:pPr>
             <a:r>
+              <a:rPr lang="vi-VN" sz="2200" dirty="0" smtClean="0">
+                <a:solidFill>
+                  <a:schemeClr val="bg1"/>
+                </a:solidFill>
+                <a:latin typeface="+mj-lt"/>
+              </a:rPr>
+              <a:t>Lưu </a:t>
+            </a:r>
+            <a:r>
               <a:rPr lang="vi-VN" sz="2200" dirty="0">
                 <a:solidFill>
                   <a:schemeClr val="bg1"/>
                 </a:solidFill>
                 <a:latin typeface="+mj-lt"/>
               </a:rPr>
-              <a:t>Realtime counters, realtime analytics</a:t>
+              <a:t>trữ dữ liệu thu thập từ web</a:t>
             </a:r>
           </a:p>
           <a:p>
@@ -20837,8 +20842,23 @@
                 </a:solidFill>
                 <a:latin typeface="+mj-lt"/>
               </a:rPr>
-              <a:t>Monitor các hệ thống</a:t>
-            </a:r>
+              <a:t>Lưu trữ dữ liệu sparse (thưa</a:t>
+            </a:r>
+            <a:r>
+              <a:rPr lang="vi-VN" sz="2200" dirty="0" smtClean="0">
+                <a:solidFill>
+                  <a:schemeClr val="bg1"/>
+                </a:solidFill>
+                <a:latin typeface="+mj-lt"/>
+              </a:rPr>
+              <a:t>)</a:t>
+            </a:r>
+            <a:endParaRPr lang="en-US" sz="2200" dirty="0">
+              <a:solidFill>
+                <a:schemeClr val="bg1"/>
+              </a:solidFill>
+              <a:latin typeface="+mj-lt"/>
+            </a:endParaRPr>
           </a:p>
           <a:p>
             <a:pPr marL="342900" indent="-342900">
@@ -20846,58 +20866,13 @@
               <a:buChar char="v"/>
             </a:pPr>
             <a:r>
-              <a:rPr lang="vi-VN" sz="2200" dirty="0">
+              <a:rPr lang="en-US" sz="2200" dirty="0" smtClean="0">
                 <a:solidFill>
                   <a:schemeClr val="bg1"/>
                 </a:solidFill>
                 <a:latin typeface="+mj-lt"/>
               </a:rPr>
-              <a:t>Hệ thống message</a:t>
-            </a:r>
-          </a:p>
-          <a:p>
-            <a:pPr marL="342900" indent="-342900">
-              <a:buFont typeface="Wingdings" panose="05000000000000000000" pitchFamily="2" charset="2"/>
-              <a:buChar char="v"/>
-            </a:pPr>
-            <a:r>
-              <a:rPr lang="vi-VN" sz="2200" dirty="0">
-                <a:solidFill>
-                  <a:schemeClr val="bg1"/>
-                </a:solidFill>
-                <a:latin typeface="+mj-lt"/>
-              </a:rPr>
-              <a:t>Lưu trữ dữ liệu thu thập từ web</a:t>
-            </a:r>
-          </a:p>
-          <a:p>
-            <a:pPr marL="342900" indent="-342900">
-              <a:buFont typeface="Wingdings" panose="05000000000000000000" pitchFamily="2" charset="2"/>
-              <a:buChar char="v"/>
-            </a:pPr>
-            <a:r>
-              <a:rPr lang="vi-VN" sz="2200" dirty="0">
-                <a:solidFill>
-                  <a:schemeClr val="bg1"/>
-                </a:solidFill>
-                <a:latin typeface="+mj-lt"/>
-              </a:rPr>
-              <a:t>Lưu trữ dữ liệu sparse (thưa)</a:t>
-            </a:r>
-          </a:p>
-          <a:p>
-            <a:pPr marL="342900" indent="-342900">
-              <a:buFont typeface="Wingdings" panose="05000000000000000000" pitchFamily="2" charset="2"/>
-              <a:buChar char="v"/>
-            </a:pPr>
-            <a:r>
-              <a:rPr lang="vi-VN" sz="2200" dirty="0">
-                <a:solidFill>
-                  <a:schemeClr val="bg1"/>
-                </a:solidFill>
-                <a:latin typeface="+mj-lt"/>
-              </a:rPr>
-              <a:t>Nhiều người dùng truy cập đồng thời (stream,...)</a:t>
+              <a:t>...</a:t>
             </a:r>
           </a:p>
         </p:txBody>
@@ -20910,7 +20885,7 @@
         </p:nvSpPr>
         <p:spPr>
           <a:xfrm>
-            <a:off x="4572000" y="4648200"/>
+            <a:off x="4572000" y="4378404"/>
             <a:ext cx="7086600" cy="1107996"/>
           </a:xfrm>
           <a:prstGeom prst="rect">
